--- a/FUNCTIONAL_JAVA/Lambdas/Lambdas_Extension.pptx
+++ b/FUNCTIONAL_JAVA/Lambdas/Lambdas_Extension.pptx
@@ -5,47 +5,42 @@
     <p:sldMasterId id="2147483696" r:id="rId1"/>
   </p:sldMasterIdLst>
   <p:notesMasterIdLst>
-    <p:notesMasterId r:id="rId40"/>
+    <p:notesMasterId r:id="rId35"/>
   </p:notesMasterIdLst>
   <p:sldIdLst>
     <p:sldId id="300" r:id="rId2"/>
     <p:sldId id="256" r:id="rId3"/>
     <p:sldId id="313" r:id="rId4"/>
     <p:sldId id="324" r:id="rId5"/>
-    <p:sldId id="272" r:id="rId6"/>
-    <p:sldId id="298" r:id="rId7"/>
-    <p:sldId id="276" r:id="rId8"/>
-    <p:sldId id="319" r:id="rId9"/>
-    <p:sldId id="320" r:id="rId10"/>
-    <p:sldId id="274" r:id="rId11"/>
-    <p:sldId id="275" r:id="rId12"/>
-    <p:sldId id="288" r:id="rId13"/>
-    <p:sldId id="289" r:id="rId14"/>
-    <p:sldId id="290" r:id="rId15"/>
-    <p:sldId id="293" r:id="rId16"/>
-    <p:sldId id="260" r:id="rId17"/>
-    <p:sldId id="264" r:id="rId18"/>
-    <p:sldId id="303" r:id="rId19"/>
-    <p:sldId id="304" r:id="rId20"/>
-    <p:sldId id="305" r:id="rId21"/>
-    <p:sldId id="306" r:id="rId22"/>
-    <p:sldId id="307" r:id="rId23"/>
-    <p:sldId id="308" r:id="rId24"/>
-    <p:sldId id="309" r:id="rId25"/>
-    <p:sldId id="278" r:id="rId26"/>
-    <p:sldId id="279" r:id="rId27"/>
-    <p:sldId id="280" r:id="rId28"/>
-    <p:sldId id="282" r:id="rId29"/>
-    <p:sldId id="281" r:id="rId30"/>
-    <p:sldId id="297" r:id="rId31"/>
-    <p:sldId id="296" r:id="rId32"/>
-    <p:sldId id="314" r:id="rId33"/>
-    <p:sldId id="301" r:id="rId34"/>
-    <p:sldId id="302" r:id="rId35"/>
-    <p:sldId id="321" r:id="rId36"/>
-    <p:sldId id="322" r:id="rId37"/>
-    <p:sldId id="323" r:id="rId38"/>
-    <p:sldId id="299" r:id="rId39"/>
+    <p:sldId id="298" r:id="rId6"/>
+    <p:sldId id="276" r:id="rId7"/>
+    <p:sldId id="319" r:id="rId8"/>
+    <p:sldId id="320" r:id="rId9"/>
+    <p:sldId id="274" r:id="rId10"/>
+    <p:sldId id="275" r:id="rId11"/>
+    <p:sldId id="288" r:id="rId12"/>
+    <p:sldId id="293" r:id="rId13"/>
+    <p:sldId id="260" r:id="rId14"/>
+    <p:sldId id="264" r:id="rId15"/>
+    <p:sldId id="303" r:id="rId16"/>
+    <p:sldId id="304" r:id="rId17"/>
+    <p:sldId id="305" r:id="rId18"/>
+    <p:sldId id="306" r:id="rId19"/>
+    <p:sldId id="307" r:id="rId20"/>
+    <p:sldId id="308" r:id="rId21"/>
+    <p:sldId id="309" r:id="rId22"/>
+    <p:sldId id="278" r:id="rId23"/>
+    <p:sldId id="279" r:id="rId24"/>
+    <p:sldId id="280" r:id="rId25"/>
+    <p:sldId id="282" r:id="rId26"/>
+    <p:sldId id="281" r:id="rId27"/>
+    <p:sldId id="297" r:id="rId28"/>
+    <p:sldId id="296" r:id="rId29"/>
+    <p:sldId id="314" r:id="rId30"/>
+    <p:sldId id="321" r:id="rId31"/>
+    <p:sldId id="322" r:id="rId32"/>
+    <p:sldId id="323" r:id="rId33"/>
+    <p:sldId id="299" r:id="rId34"/>
   </p:sldIdLst>
   <p:sldSz cx="12192000" cy="6858000"/>
   <p:notesSz cx="6858000" cy="9144000"/>
@@ -234,7 +229,7 @@
           <a:p>
             <a:fld id="{95D3E8AB-F0C9-4B99-B182-CA13B8DFCD91}" type="datetimeFigureOut">
               <a:rPr lang="en-IN" smtClean="0"/>
-              <a:t>30-08-2016</a:t>
+              <a:t>27-09-2016</a:t>
             </a:fld>
             <a:endParaRPr lang="en-IN"/>
           </a:p>
@@ -1224,7 +1219,7 @@
           <a:p>
             <a:fld id="{F86CBA45-3A19-4CC7-80C7-77B5A847FEA0}" type="datetimeFigureOut">
               <a:rPr lang="en-IN" smtClean="0"/>
-              <a:t>30-08-2016</a:t>
+              <a:t>27-09-2016</a:t>
             </a:fld>
             <a:endParaRPr lang="en-IN"/>
           </a:p>
@@ -1475,7 +1470,7 @@
           <a:p>
             <a:fld id="{F86CBA45-3A19-4CC7-80C7-77B5A847FEA0}" type="datetimeFigureOut">
               <a:rPr lang="en-IN" smtClean="0"/>
-              <a:t>30-08-2016</a:t>
+              <a:t>27-09-2016</a:t>
             </a:fld>
             <a:endParaRPr lang="en-IN"/>
           </a:p>
@@ -1789,7 +1784,7 @@
           <a:p>
             <a:fld id="{F86CBA45-3A19-4CC7-80C7-77B5A847FEA0}" type="datetimeFigureOut">
               <a:rPr lang="en-IN" smtClean="0"/>
-              <a:t>30-08-2016</a:t>
+              <a:t>27-09-2016</a:t>
             </a:fld>
             <a:endParaRPr lang="en-IN"/>
           </a:p>
@@ -2130,7 +2125,7 @@
           <a:p>
             <a:fld id="{F86CBA45-3A19-4CC7-80C7-77B5A847FEA0}" type="datetimeFigureOut">
               <a:rPr lang="en-IN" smtClean="0"/>
-              <a:t>30-08-2016</a:t>
+              <a:t>27-09-2016</a:t>
             </a:fld>
             <a:endParaRPr lang="en-IN"/>
           </a:p>
@@ -2444,7 +2439,7 @@
           <a:p>
             <a:fld id="{F86CBA45-3A19-4CC7-80C7-77B5A847FEA0}" type="datetimeFigureOut">
               <a:rPr lang="en-IN" smtClean="0"/>
-              <a:t>30-08-2016</a:t>
+              <a:t>27-09-2016</a:t>
             </a:fld>
             <a:endParaRPr lang="en-IN"/>
           </a:p>
@@ -2837,7 +2832,7 @@
           <a:p>
             <a:fld id="{F86CBA45-3A19-4CC7-80C7-77B5A847FEA0}" type="datetimeFigureOut">
               <a:rPr lang="en-IN" smtClean="0"/>
-              <a:t>30-08-2016</a:t>
+              <a:t>27-09-2016</a:t>
             </a:fld>
             <a:endParaRPr lang="en-IN"/>
           </a:p>
@@ -3007,7 +3002,7 @@
           <a:p>
             <a:fld id="{F86CBA45-3A19-4CC7-80C7-77B5A847FEA0}" type="datetimeFigureOut">
               <a:rPr lang="en-IN" smtClean="0"/>
-              <a:t>30-08-2016</a:t>
+              <a:t>27-09-2016</a:t>
             </a:fld>
             <a:endParaRPr lang="en-IN"/>
           </a:p>
@@ -3187,7 +3182,7 @@
           <a:p>
             <a:fld id="{F86CBA45-3A19-4CC7-80C7-77B5A847FEA0}" type="datetimeFigureOut">
               <a:rPr lang="en-IN" smtClean="0"/>
-              <a:t>30-08-2016</a:t>
+              <a:t>27-09-2016</a:t>
             </a:fld>
             <a:endParaRPr lang="en-IN"/>
           </a:p>
@@ -3363,7 +3358,7 @@
           <a:p>
             <a:fld id="{F86CBA45-3A19-4CC7-80C7-77B5A847FEA0}" type="datetimeFigureOut">
               <a:rPr lang="en-IN" smtClean="0"/>
-              <a:t>30-08-2016</a:t>
+              <a:t>27-09-2016</a:t>
             </a:fld>
             <a:endParaRPr lang="en-IN"/>
           </a:p>
@@ -3610,7 +3605,7 @@
           <a:p>
             <a:fld id="{F86CBA45-3A19-4CC7-80C7-77B5A847FEA0}" type="datetimeFigureOut">
               <a:rPr lang="en-IN" smtClean="0"/>
-              <a:t>30-08-2016</a:t>
+              <a:t>27-09-2016</a:t>
             </a:fld>
             <a:endParaRPr lang="en-IN"/>
           </a:p>
@@ -3842,7 +3837,7 @@
           <a:p>
             <a:fld id="{F86CBA45-3A19-4CC7-80C7-77B5A847FEA0}" type="datetimeFigureOut">
               <a:rPr lang="en-IN" smtClean="0"/>
-              <a:t>30-08-2016</a:t>
+              <a:t>27-09-2016</a:t>
             </a:fld>
             <a:endParaRPr lang="en-IN"/>
           </a:p>
@@ -4216,7 +4211,7 @@
           <a:p>
             <a:fld id="{F86CBA45-3A19-4CC7-80C7-77B5A847FEA0}" type="datetimeFigureOut">
               <a:rPr lang="en-IN" smtClean="0"/>
-              <a:t>30-08-2016</a:t>
+              <a:t>27-09-2016</a:t>
             </a:fld>
             <a:endParaRPr lang="en-IN"/>
           </a:p>
@@ -4339,7 +4334,7 @@
           <a:p>
             <a:fld id="{F86CBA45-3A19-4CC7-80C7-77B5A847FEA0}" type="datetimeFigureOut">
               <a:rPr lang="en-IN" smtClean="0"/>
-              <a:t>30-08-2016</a:t>
+              <a:t>27-09-2016</a:t>
             </a:fld>
             <a:endParaRPr lang="en-IN"/>
           </a:p>
@@ -4434,7 +4429,7 @@
           <a:p>
             <a:fld id="{F86CBA45-3A19-4CC7-80C7-77B5A847FEA0}" type="datetimeFigureOut">
               <a:rPr lang="en-IN" smtClean="0"/>
-              <a:t>30-08-2016</a:t>
+              <a:t>27-09-2016</a:t>
             </a:fld>
             <a:endParaRPr lang="en-IN"/>
           </a:p>
@@ -4689,7 +4684,7 @@
           <a:p>
             <a:fld id="{F86CBA45-3A19-4CC7-80C7-77B5A847FEA0}" type="datetimeFigureOut">
               <a:rPr lang="en-IN" smtClean="0"/>
-              <a:t>30-08-2016</a:t>
+              <a:t>27-09-2016</a:t>
             </a:fld>
             <a:endParaRPr lang="en-IN"/>
           </a:p>
@@ -4952,7 +4947,7 @@
           <a:p>
             <a:fld id="{F86CBA45-3A19-4CC7-80C7-77B5A847FEA0}" type="datetimeFigureOut">
               <a:rPr lang="en-IN" smtClean="0"/>
-              <a:t>30-08-2016</a:t>
+              <a:t>27-09-2016</a:t>
             </a:fld>
             <a:endParaRPr lang="en-IN"/>
           </a:p>
@@ -5695,7 +5690,7 @@
           <a:p>
             <a:fld id="{F86CBA45-3A19-4CC7-80C7-77B5A847FEA0}" type="datetimeFigureOut">
               <a:rPr lang="en-IN" smtClean="0"/>
-              <a:t>30-08-2016</a:t>
+              <a:t>27-09-2016</a:t>
             </a:fld>
             <a:endParaRPr lang="en-IN"/>
           </a:p>
@@ -6304,8 +6299,8 @@
         </p:nvSpPr>
         <p:spPr>
           <a:xfrm>
-            <a:off x="838200" y="365126"/>
-            <a:ext cx="10515600" cy="632402"/>
+            <a:off x="838200" y="365127"/>
+            <a:ext cx="10515600" cy="513647"/>
           </a:xfrm>
         </p:spPr>
         <p:txBody>
@@ -6316,7 +6311,7 @@
           <a:p>
             <a:r>
               <a:rPr lang="en-IN" dirty="0" smtClean="0"/>
-              <a:t>Intersection type</a:t>
+              <a:t>Functional Interface in Java API</a:t>
             </a:r>
             <a:endParaRPr lang="en-IN" dirty="0"/>
           </a:p>
@@ -6334,54 +6329,234 @@
         </p:nvSpPr>
         <p:spPr>
           <a:xfrm>
-            <a:off x="838200" y="1199408"/>
-            <a:ext cx="10515600" cy="4977555"/>
+            <a:off x="838200" y="1235034"/>
+            <a:ext cx="10515600" cy="5343896"/>
           </a:xfrm>
         </p:spPr>
         <p:txBody>
-          <a:bodyPr/>
+          <a:bodyPr>
+            <a:normAutofit fontScale="92500" lnSpcReduction="10000"/>
+          </a:bodyPr>
           <a:lstStyle/>
           <a:p>
             <a:r>
-              <a:rPr lang="en-IN" dirty="0" smtClean="0"/>
-              <a:t> Java 8 introduced a new type called an intersection type that is an intersection (or subtype) of multiple types. An intersection type may appear as the target type in a cast. An ampersand is used between two types, such as (Type1 &amp; Type2 &amp; Type3), represents a new type that is an intersection of Type1, Type2, and Type3.</a:t>
-            </a:r>
-          </a:p>
-          <a:p>
-            <a:r>
-              <a:rPr lang="es-ES" dirty="0" err="1" smtClean="0"/>
-              <a:t>Serializable</a:t>
-            </a:r>
-            <a:r>
-              <a:rPr lang="es-ES" dirty="0" smtClean="0"/>
-              <a:t> ser =  (x, y) -&gt; x + y; // compile error.</a:t>
-            </a:r>
-          </a:p>
-          <a:p>
-            <a:r>
-              <a:rPr lang="es-ES" dirty="0" err="1" smtClean="0"/>
-              <a:t>Serializable</a:t>
-            </a:r>
-            <a:r>
-              <a:rPr lang="es-ES" dirty="0" smtClean="0"/>
-              <a:t> ser = (</a:t>
-            </a:r>
-            <a:r>
-              <a:rPr lang="es-ES" dirty="0" err="1" smtClean="0"/>
-              <a:t>Serializable</a:t>
-            </a:r>
-            <a:r>
-              <a:rPr lang="es-ES" dirty="0" smtClean="0"/>
-              <a:t> &amp; </a:t>
-            </a:r>
-            <a:r>
-              <a:rPr lang="es-ES" dirty="0" err="1" smtClean="0"/>
-              <a:t>Adder</a:t>
-            </a:r>
-            <a:r>
-              <a:rPr lang="es-ES" dirty="0" smtClean="0"/>
-              <a:t>) (x, y) -&gt; x + y;</a:t>
-            </a:r>
+              <a:rPr lang="en-IN" dirty="0" err="1" smtClean="0"/>
+              <a:t>IntFunction</a:t>
+            </a:r>
+            <a:r>
+              <a:rPr lang="en-IN" dirty="0" smtClean="0"/>
+              <a:t>&lt;Integer&gt; square2 = x -&gt; x * x;</a:t>
+            </a:r>
+          </a:p>
+          <a:p>
+            <a:pPr marL="0" indent="0">
+              <a:buNone/>
+            </a:pPr>
+            <a:r>
+              <a:rPr lang="en-IN" dirty="0" err="1" smtClean="0"/>
+              <a:t>System.out.println</a:t>
+            </a:r>
+            <a:r>
+              <a:rPr lang="en-IN" dirty="0" smtClean="0"/>
+              <a:t>(square1.apply(5));  output : 25</a:t>
+            </a:r>
+          </a:p>
+          <a:p>
+            <a:pPr marL="0" indent="0">
+              <a:buNone/>
+            </a:pPr>
+            <a:endParaRPr lang="en-IN" dirty="0" smtClean="0"/>
+          </a:p>
+          <a:p>
+            <a:pPr marL="0" indent="0">
+              <a:buNone/>
+            </a:pPr>
+            <a:r>
+              <a:rPr lang="en-IN" dirty="0" smtClean="0"/>
+              <a:t>Function&lt;Long, Long&gt; square = x -&gt; x * x;</a:t>
+            </a:r>
+          </a:p>
+          <a:p>
+            <a:pPr marL="0" indent="0">
+              <a:buNone/>
+            </a:pPr>
+            <a:r>
+              <a:rPr lang="en-IN" dirty="0" smtClean="0"/>
+              <a:t>Function&lt;Long, Long&gt; </a:t>
+            </a:r>
+            <a:r>
+              <a:rPr lang="en-IN" dirty="0" err="1" smtClean="0"/>
+              <a:t>addOne</a:t>
+            </a:r>
+            <a:r>
+              <a:rPr lang="en-IN" dirty="0" smtClean="0"/>
+              <a:t> = x -&gt; x + 1;  </a:t>
+            </a:r>
+          </a:p>
+          <a:p>
+            <a:pPr marL="0" indent="0">
+              <a:buNone/>
+            </a:pPr>
+            <a:r>
+              <a:rPr lang="en-IN" dirty="0" smtClean="0"/>
+              <a:t>   </a:t>
+            </a:r>
+          </a:p>
+          <a:p>
+            <a:pPr marL="0" indent="0">
+              <a:buNone/>
+            </a:pPr>
+            <a:r>
+              <a:rPr lang="en-IN" dirty="0" smtClean="0"/>
+              <a:t> // Compose functions from the two functions</a:t>
+            </a:r>
+          </a:p>
+          <a:p>
+            <a:pPr marL="0" indent="0">
+              <a:buNone/>
+            </a:pPr>
+            <a:r>
+              <a:rPr lang="en-IN" dirty="0" smtClean="0"/>
+              <a:t> Function&lt;Long, Long&gt; </a:t>
+            </a:r>
+            <a:r>
+              <a:rPr lang="en-IN" dirty="0" err="1" smtClean="0"/>
+              <a:t>squareAddOne</a:t>
+            </a:r>
+            <a:r>
+              <a:rPr lang="en-IN" dirty="0" smtClean="0"/>
+              <a:t> = </a:t>
+            </a:r>
+            <a:r>
+              <a:rPr lang="en-IN" dirty="0" err="1" smtClean="0"/>
+              <a:t>square.andThen</a:t>
+            </a:r>
+            <a:r>
+              <a:rPr lang="en-IN" dirty="0" smtClean="0"/>
+              <a:t>(</a:t>
+            </a:r>
+            <a:r>
+              <a:rPr lang="en-IN" dirty="0" err="1" smtClean="0"/>
+              <a:t>addOne</a:t>
+            </a:r>
+            <a:r>
+              <a:rPr lang="en-IN" dirty="0" smtClean="0"/>
+              <a:t>);</a:t>
+            </a:r>
+          </a:p>
+          <a:p>
+            <a:pPr marL="0" indent="0">
+              <a:buNone/>
+            </a:pPr>
+            <a:r>
+              <a:rPr lang="en-IN" dirty="0" err="1" smtClean="0"/>
+              <a:t>System.out.println</a:t>
+            </a:r>
+            <a:r>
+              <a:rPr lang="en-IN" dirty="0" smtClean="0"/>
+              <a:t>("Square and then add one: " + </a:t>
+            </a:r>
+            <a:r>
+              <a:rPr lang="en-IN" dirty="0" err="1" smtClean="0"/>
+              <a:t>squareAddOne.apply</a:t>
+            </a:r>
+            <a:r>
+              <a:rPr lang="en-IN" dirty="0" smtClean="0"/>
+              <a:t>(5L));</a:t>
+            </a:r>
+          </a:p>
+          <a:p>
+            <a:pPr marL="0" indent="0">
+              <a:buNone/>
+            </a:pPr>
+            <a:endParaRPr lang="en-IN" dirty="0" smtClean="0"/>
+          </a:p>
+          <a:p>
+            <a:pPr marL="0" indent="0">
+              <a:buNone/>
+            </a:pPr>
+            <a:r>
+              <a:rPr lang="en-IN" dirty="0" smtClean="0"/>
+              <a:t>// Square the input, add one to the result, and square the result </a:t>
+            </a:r>
+          </a:p>
+          <a:p>
+            <a:pPr marL="0" indent="0">
+              <a:buNone/>
+            </a:pPr>
+            <a:r>
+              <a:rPr lang="en-IN" dirty="0" smtClean="0"/>
+              <a:t>Function&lt;Long, Long&gt; </a:t>
+            </a:r>
+            <a:r>
+              <a:rPr lang="en-IN" dirty="0" err="1" smtClean="0"/>
+              <a:t>chainedFunction</a:t>
+            </a:r>
+            <a:r>
+              <a:rPr lang="en-IN" dirty="0" smtClean="0"/>
+              <a:t> = ((Function&lt;Long, Long&gt;)(x -&gt; x * x))  .</a:t>
+            </a:r>
+            <a:r>
+              <a:rPr lang="en-IN" dirty="0" err="1" smtClean="0"/>
+              <a:t>andThen</a:t>
+            </a:r>
+            <a:r>
+              <a:rPr lang="en-IN" dirty="0" smtClean="0"/>
+              <a:t>(x -&gt; x + 1)                                        .</a:t>
+            </a:r>
+            <a:r>
+              <a:rPr lang="en-IN" dirty="0" err="1" smtClean="0"/>
+              <a:t>andThen</a:t>
+            </a:r>
+            <a:r>
+              <a:rPr lang="en-IN" dirty="0" smtClean="0"/>
+              <a:t>(x -&gt; x * x);</a:t>
+            </a:r>
+          </a:p>
+          <a:p>
+            <a:pPr marL="0" indent="0">
+              <a:buNone/>
+            </a:pPr>
+            <a:r>
+              <a:rPr lang="en-IN" dirty="0" smtClean="0"/>
+              <a:t> </a:t>
+            </a:r>
+            <a:r>
+              <a:rPr lang="en-IN" dirty="0" err="1" smtClean="0"/>
+              <a:t>System.out.println</a:t>
+            </a:r>
+            <a:r>
+              <a:rPr lang="en-IN" dirty="0" smtClean="0"/>
+              <a:t>(</a:t>
+            </a:r>
+            <a:r>
+              <a:rPr lang="en-IN" dirty="0" err="1" smtClean="0"/>
+              <a:t>chainedFunction.apply</a:t>
+            </a:r>
+            <a:r>
+              <a:rPr lang="en-IN" dirty="0" smtClean="0"/>
+              <a:t>(3L)); </a:t>
+            </a:r>
+          </a:p>
+          <a:p>
+            <a:pPr marL="0" indent="0">
+              <a:buNone/>
+            </a:pPr>
+            <a:r>
+              <a:rPr lang="en-IN" dirty="0" smtClean="0"/>
+              <a:t>Example 6</a:t>
+            </a:r>
+          </a:p>
+          <a:p>
+            <a:pPr marL="0" indent="0">
+              <a:buNone/>
+            </a:pPr>
+            <a:endParaRPr lang="en-IN" dirty="0" smtClean="0"/>
+          </a:p>
+          <a:p>
+            <a:pPr marL="0" indent="0">
+              <a:buNone/>
+            </a:pPr>
             <a:endParaRPr lang="en-IN" dirty="0"/>
           </a:p>
         </p:txBody>
@@ -6389,7 +6564,7 @@
     </p:spTree>
     <p:extLst>
       <p:ext uri="{BB962C8B-B14F-4D97-AF65-F5344CB8AC3E}">
-        <p14:creationId xmlns:p14="http://schemas.microsoft.com/office/powerpoint/2010/main" val="4053322476"/>
+        <p14:creationId xmlns:p14="http://schemas.microsoft.com/office/powerpoint/2010/main" val="3595936959"/>
       </p:ext>
     </p:extLst>
   </p:cSld>
@@ -6433,22 +6608,18 @@
             <p:ph type="title"/>
           </p:nvPr>
         </p:nvSpPr>
-        <p:spPr>
-          <a:xfrm>
-            <a:off x="838200" y="365127"/>
-            <a:ext cx="10515600" cy="513647"/>
-          </a:xfrm>
-        </p:spPr>
+        <p:spPr/>
         <p:txBody>
-          <a:bodyPr>
-            <a:normAutofit fontScale="90000"/>
-          </a:bodyPr>
+          <a:bodyPr/>
           <a:lstStyle/>
           <a:p>
             <a:r>
-              <a:rPr lang="en-IN" dirty="0" smtClean="0"/>
-              <a:t>Functional Interface in Java API</a:t>
-            </a:r>
+              <a:rPr lang="en-IN" smtClean="0"/>
+              <a:t>Primitive specializations</a:t>
+            </a:r>
+            <a:br>
+              <a:rPr lang="en-IN" smtClean="0"/>
+            </a:br>
             <a:endParaRPr lang="en-IN" dirty="0"/>
           </a:p>
         </p:txBody>
@@ -6463,26 +6634,39 @@
             <p:ph idx="1"/>
           </p:nvPr>
         </p:nvSpPr>
-        <p:spPr>
-          <a:xfrm>
-            <a:off x="838200" y="1235034"/>
-            <a:ext cx="10515600" cy="5343896"/>
-          </a:xfrm>
-        </p:spPr>
+        <p:spPr/>
         <p:txBody>
-          <a:bodyPr>
-            <a:normAutofit fontScale="92500" lnSpcReduction="10000"/>
-          </a:bodyPr>
+          <a:bodyPr/>
           <a:lstStyle/>
           <a:p>
             <a:r>
+              <a:rPr lang="en-IN" dirty="0" smtClean="0"/>
+              <a:t>Boxed primitive required more memory and lookup</a:t>
+            </a:r>
+            <a:r>
+              <a:rPr lang="en-IN" dirty="0"/>
+              <a:t>. Java 8 brings a specialized version of the functional interfaces we described earlier in order to avoid </a:t>
+            </a:r>
+            <a:r>
+              <a:rPr lang="en-IN" dirty="0" err="1"/>
+              <a:t>autoboxing</a:t>
+            </a:r>
+            <a:r>
+              <a:rPr lang="en-IN" dirty="0"/>
+              <a:t> operations when the inputs or outputs are primitives. </a:t>
+            </a:r>
+            <a:r>
+              <a:rPr lang="en-IN" dirty="0" smtClean="0"/>
+              <a:t>For example </a:t>
+            </a:r>
+            <a:r>
               <a:rPr lang="en-IN" dirty="0" err="1" smtClean="0"/>
-              <a:t>IntFunction</a:t>
-            </a:r>
-            <a:r>
-              <a:rPr lang="en-IN" dirty="0" smtClean="0"/>
-              <a:t>&lt;Integer&gt; square2 = x -&gt; x * x;</a:t>
-            </a:r>
+              <a:t>IntPredicate</a:t>
+            </a:r>
+            <a:endParaRPr lang="en-IN" dirty="0" smtClean="0"/>
+          </a:p>
+          <a:p>
+            <a:endParaRPr lang="en-IN" dirty="0" smtClean="0"/>
           </a:p>
           <a:p>
             <a:pPr marL="0" indent="0">
@@ -6490,209 +6674,99 @@
             </a:pPr>
             <a:r>
               <a:rPr lang="en-IN" dirty="0" err="1" smtClean="0"/>
-              <a:t>System.out.println</a:t>
-            </a:r>
-            <a:r>
-              <a:rPr lang="en-IN" dirty="0" smtClean="0"/>
-              <a:t>(square1.apply(5));  output : 25</a:t>
-            </a:r>
-          </a:p>
-          <a:p>
-            <a:pPr marL="0" indent="0">
-              <a:buNone/>
-            </a:pPr>
-            <a:endParaRPr lang="en-IN" dirty="0" smtClean="0"/>
-          </a:p>
-          <a:p>
-            <a:pPr marL="0" indent="0">
-              <a:buNone/>
-            </a:pPr>
-            <a:r>
-              <a:rPr lang="en-IN" dirty="0" smtClean="0"/>
-              <a:t>Function&lt;Long, Long&gt; square = x -&gt; x * x;</a:t>
-            </a:r>
-          </a:p>
-          <a:p>
-            <a:pPr marL="0" indent="0">
-              <a:buNone/>
-            </a:pPr>
-            <a:r>
-              <a:rPr lang="en-IN" dirty="0" smtClean="0"/>
-              <a:t>Function&lt;Long, Long&gt; </a:t>
+              <a:t>IntPredicate</a:t>
+            </a:r>
+            <a:r>
+              <a:rPr lang="en-IN" dirty="0" smtClean="0"/>
+              <a:t> numbers = (</a:t>
             </a:r>
             <a:r>
               <a:rPr lang="en-IN" dirty="0" err="1" smtClean="0"/>
-              <a:t>addOne</a:t>
-            </a:r>
-            <a:r>
-              <a:rPr lang="en-IN" dirty="0" smtClean="0"/>
-              <a:t> = x -&gt; x + 1;  </a:t>
-            </a:r>
-          </a:p>
-          <a:p>
-            <a:pPr marL="0" indent="0">
-              <a:buNone/>
-            </a:pPr>
-            <a:r>
-              <a:rPr lang="en-IN" dirty="0" smtClean="0"/>
-              <a:t>   </a:t>
-            </a:r>
-          </a:p>
-          <a:p>
-            <a:pPr marL="0" indent="0">
-              <a:buNone/>
-            </a:pPr>
-            <a:r>
-              <a:rPr lang="en-IN" dirty="0" smtClean="0"/>
-              <a:t> // Compose functions from the two functions</a:t>
-            </a:r>
-          </a:p>
-          <a:p>
-            <a:pPr marL="0" indent="0">
-              <a:buNone/>
-            </a:pPr>
-            <a:r>
-              <a:rPr lang="en-IN" dirty="0" smtClean="0"/>
-              <a:t> Function&lt;Long, Long&gt; </a:t>
+              <a:t>int</a:t>
+            </a:r>
+            <a:r>
+              <a:rPr lang="en-IN" dirty="0" smtClean="0"/>
+              <a:t> </a:t>
             </a:r>
             <a:r>
               <a:rPr lang="en-IN" dirty="0" err="1" smtClean="0"/>
-              <a:t>squareAddOne</a:t>
-            </a:r>
-            <a:r>
-              <a:rPr lang="en-IN" dirty="0" smtClean="0"/>
-              <a:t> = </a:t>
+              <a:t>num</a:t>
+            </a:r>
+            <a:r>
+              <a:rPr lang="en-IN" dirty="0" smtClean="0"/>
+              <a:t>)-&gt; </a:t>
             </a:r>
             <a:r>
               <a:rPr lang="en-IN" dirty="0" err="1" smtClean="0"/>
-              <a:t>square.andThen</a:t>
-            </a:r>
-            <a:r>
-              <a:rPr lang="en-IN" dirty="0" smtClean="0"/>
-              <a:t>(</a:t>
-            </a:r>
+              <a:t>num</a:t>
+            </a:r>
+            <a:r>
+              <a:rPr lang="en-IN" dirty="0" smtClean="0"/>
+              <a:t> &gt; 10; </a:t>
+            </a:r>
+          </a:p>
+          <a:p>
+            <a:pPr marL="0" indent="0">
+              <a:buNone/>
+            </a:pPr>
             <a:r>
               <a:rPr lang="en-IN" dirty="0" err="1" smtClean="0"/>
-              <a:t>addOne</a:t>
-            </a:r>
-            <a:r>
-              <a:rPr lang="en-IN" dirty="0" smtClean="0"/>
-              <a:t>);</a:t>
-            </a:r>
-          </a:p>
-          <a:p>
-            <a:pPr marL="0" indent="0">
-              <a:buNone/>
-            </a:pPr>
+              <a:t>numbers.test</a:t>
+            </a:r>
+            <a:r>
+              <a:rPr lang="en-IN" dirty="0" smtClean="0"/>
+              <a:t>(20); // return true no auto boxing</a:t>
+            </a:r>
+          </a:p>
+          <a:p>
+            <a:pPr marL="0" indent="0">
+              <a:buNone/>
+            </a:pPr>
+            <a:r>
+              <a:rPr lang="en-IN" dirty="0" smtClean="0"/>
+              <a:t>Predicate&lt;Integer&gt; numbers = (Integer </a:t>
+            </a:r>
             <a:r>
               <a:rPr lang="en-IN" dirty="0" err="1" smtClean="0"/>
-              <a:t>System.out.println</a:t>
-            </a:r>
-            <a:r>
-              <a:rPr lang="en-IN" dirty="0" smtClean="0"/>
-              <a:t>("Square and then add one: " + </a:t>
+              <a:t>num</a:t>
+            </a:r>
+            <a:r>
+              <a:rPr lang="en-IN" dirty="0" smtClean="0"/>
+              <a:t>)-&gt; </a:t>
             </a:r>
             <a:r>
               <a:rPr lang="en-IN" dirty="0" err="1" smtClean="0"/>
-              <a:t>squareAddOne.apply</a:t>
-            </a:r>
-            <a:r>
-              <a:rPr lang="en-IN" dirty="0" smtClean="0"/>
-              <a:t>(5L));</a:t>
-            </a:r>
-          </a:p>
-          <a:p>
-            <a:pPr marL="0" indent="0">
-              <a:buNone/>
-            </a:pPr>
-            <a:endParaRPr lang="en-IN" dirty="0" smtClean="0"/>
-          </a:p>
-          <a:p>
-            <a:pPr marL="0" indent="0">
-              <a:buNone/>
-            </a:pPr>
-            <a:r>
-              <a:rPr lang="en-IN" dirty="0" smtClean="0"/>
-              <a:t>// Square the input, add one to the result, and square the result </a:t>
-            </a:r>
-          </a:p>
-          <a:p>
-            <a:pPr marL="0" indent="0">
-              <a:buNone/>
-            </a:pPr>
-            <a:r>
-              <a:rPr lang="en-IN" dirty="0" smtClean="0"/>
-              <a:t>Function&lt;Long, Long&gt; </a:t>
+              <a:t>num</a:t>
+            </a:r>
+            <a:r>
+              <a:rPr lang="en-IN" dirty="0" smtClean="0"/>
+              <a:t> &gt; 10;</a:t>
+            </a:r>
+          </a:p>
+          <a:p>
+            <a:pPr marL="0" indent="0">
+              <a:buNone/>
+            </a:pPr>
+            <a:r>
+              <a:rPr lang="en-IN" dirty="0"/>
+              <a:t> </a:t>
             </a:r>
             <a:r>
               <a:rPr lang="en-IN" dirty="0" err="1" smtClean="0"/>
-              <a:t>chainedFunction</a:t>
-            </a:r>
-            <a:r>
-              <a:rPr lang="en-IN" dirty="0" smtClean="0"/>
-              <a:t> = ((Function&lt;Long, Long&gt;)(x -&gt; x * x))  .</a:t>
+              <a:t>numbers.test</a:t>
+            </a:r>
+            <a:r>
+              <a:rPr lang="en-IN" dirty="0" smtClean="0"/>
+              <a:t>(20); // </a:t>
             </a:r>
             <a:r>
               <a:rPr lang="en-IN" dirty="0" err="1" smtClean="0"/>
-              <a:t>andThen</a:t>
-            </a:r>
-            <a:r>
-              <a:rPr lang="en-IN" dirty="0" smtClean="0"/>
-              <a:t>(x -&gt; x + 1)                                        .</a:t>
-            </a:r>
-            <a:r>
-              <a:rPr lang="en-IN" dirty="0" err="1" smtClean="0"/>
-              <a:t>andThen</a:t>
-            </a:r>
-            <a:r>
-              <a:rPr lang="en-IN" dirty="0" smtClean="0"/>
-              <a:t>(x -&gt; x * x);</a:t>
-            </a:r>
-          </a:p>
-          <a:p>
-            <a:pPr marL="0" indent="0">
-              <a:buNone/>
-            </a:pPr>
+              <a:t>autoboxing</a:t>
+            </a:r>
             <a:r>
               <a:rPr lang="en-IN" dirty="0" smtClean="0"/>
               <a:t> </a:t>
             </a:r>
-            <a:r>
-              <a:rPr lang="en-IN" dirty="0" err="1" smtClean="0"/>
-              <a:t>System.out.println</a:t>
-            </a:r>
-            <a:r>
-              <a:rPr lang="en-IN" dirty="0" smtClean="0"/>
-              <a:t>(</a:t>
-            </a:r>
-            <a:r>
-              <a:rPr lang="en-IN" dirty="0" err="1" smtClean="0"/>
-              <a:t>chainedFunction.apply</a:t>
-            </a:r>
-            <a:r>
-              <a:rPr lang="en-IN" dirty="0" smtClean="0"/>
-              <a:t>(3L)); </a:t>
-            </a:r>
-          </a:p>
-          <a:p>
-            <a:pPr marL="0" indent="0">
-              <a:buNone/>
-            </a:pPr>
-            <a:r>
-              <a:rPr lang="en-IN" dirty="0" smtClean="0"/>
-              <a:t>Example 6</a:t>
-            </a:r>
-          </a:p>
-          <a:p>
-            <a:pPr marL="0" indent="0">
-              <a:buNone/>
-            </a:pPr>
-            <a:endParaRPr lang="en-IN" dirty="0" smtClean="0"/>
-          </a:p>
-          <a:p>
-            <a:pPr marL="0" indent="0">
-              <a:buNone/>
-            </a:pPr>
             <a:endParaRPr lang="en-IN" dirty="0"/>
           </a:p>
         </p:txBody>
@@ -6700,7 +6774,7 @@
     </p:spTree>
     <p:extLst>
       <p:ext uri="{BB962C8B-B14F-4D97-AF65-F5344CB8AC3E}">
-        <p14:creationId xmlns:p14="http://schemas.microsoft.com/office/powerpoint/2010/main" val="3595936959"/>
+        <p14:creationId xmlns:p14="http://schemas.microsoft.com/office/powerpoint/2010/main" val="1472877853"/>
       </p:ext>
     </p:extLst>
   </p:cSld>
@@ -6736,1808 +6810,6 @@
       </p:grpSpPr>
       <p:sp>
         <p:nvSpPr>
-          <p:cNvPr id="2" name="Title 1"/>
-          <p:cNvSpPr>
-            <a:spLocks noGrp="1"/>
-          </p:cNvSpPr>
-          <p:nvPr>
-            <p:ph type="title"/>
-          </p:nvPr>
-        </p:nvSpPr>
-        <p:spPr/>
-        <p:txBody>
-          <a:bodyPr/>
-          <a:lstStyle/>
-          <a:p>
-            <a:r>
-              <a:rPr lang="en-IN" smtClean="0"/>
-              <a:t>Primitive specializations</a:t>
-            </a:r>
-            <a:br>
-              <a:rPr lang="en-IN" smtClean="0"/>
-            </a:br>
-            <a:endParaRPr lang="en-IN" dirty="0"/>
-          </a:p>
-        </p:txBody>
-      </p:sp>
-      <p:sp>
-        <p:nvSpPr>
-          <p:cNvPr id="3" name="Content Placeholder 2"/>
-          <p:cNvSpPr>
-            <a:spLocks noGrp="1"/>
-          </p:cNvSpPr>
-          <p:nvPr>
-            <p:ph idx="1"/>
-          </p:nvPr>
-        </p:nvSpPr>
-        <p:spPr/>
-        <p:txBody>
-          <a:bodyPr/>
-          <a:lstStyle/>
-          <a:p>
-            <a:r>
-              <a:rPr lang="en-IN" dirty="0" smtClean="0"/>
-              <a:t>Boxed primitive required more memory and lookup</a:t>
-            </a:r>
-            <a:r>
-              <a:rPr lang="en-IN" dirty="0"/>
-              <a:t>. Java 8 brings a specialized version of the functional interfaces we described earlier in order to avoid </a:t>
-            </a:r>
-            <a:r>
-              <a:rPr lang="en-IN" dirty="0" err="1"/>
-              <a:t>autoboxing</a:t>
-            </a:r>
-            <a:r>
-              <a:rPr lang="en-IN" dirty="0"/>
-              <a:t> operations when the inputs or outputs are primitives. </a:t>
-            </a:r>
-            <a:r>
-              <a:rPr lang="en-IN" dirty="0" smtClean="0"/>
-              <a:t>For example </a:t>
-            </a:r>
-            <a:r>
-              <a:rPr lang="en-IN" dirty="0" err="1" smtClean="0"/>
-              <a:t>IntPredicate</a:t>
-            </a:r>
-            <a:endParaRPr lang="en-IN" dirty="0" smtClean="0"/>
-          </a:p>
-          <a:p>
-            <a:endParaRPr lang="en-IN" dirty="0" smtClean="0"/>
-          </a:p>
-          <a:p>
-            <a:pPr marL="0" indent="0">
-              <a:buNone/>
-            </a:pPr>
-            <a:r>
-              <a:rPr lang="en-IN" dirty="0" err="1" smtClean="0"/>
-              <a:t>IntPredicate</a:t>
-            </a:r>
-            <a:r>
-              <a:rPr lang="en-IN" dirty="0" smtClean="0"/>
-              <a:t> numbers = (</a:t>
-            </a:r>
-            <a:r>
-              <a:rPr lang="en-IN" dirty="0" err="1" smtClean="0"/>
-              <a:t>int</a:t>
-            </a:r>
-            <a:r>
-              <a:rPr lang="en-IN" dirty="0" smtClean="0"/>
-              <a:t> </a:t>
-            </a:r>
-            <a:r>
-              <a:rPr lang="en-IN" dirty="0" err="1" smtClean="0"/>
-              <a:t>num</a:t>
-            </a:r>
-            <a:r>
-              <a:rPr lang="en-IN" dirty="0" smtClean="0"/>
-              <a:t>)-&gt; </a:t>
-            </a:r>
-            <a:r>
-              <a:rPr lang="en-IN" dirty="0" err="1" smtClean="0"/>
-              <a:t>num</a:t>
-            </a:r>
-            <a:r>
-              <a:rPr lang="en-IN" dirty="0" smtClean="0"/>
-              <a:t> &gt; 10; </a:t>
-            </a:r>
-          </a:p>
-          <a:p>
-            <a:pPr marL="0" indent="0">
-              <a:buNone/>
-            </a:pPr>
-            <a:r>
-              <a:rPr lang="en-IN" dirty="0" err="1" smtClean="0"/>
-              <a:t>numbers.test</a:t>
-            </a:r>
-            <a:r>
-              <a:rPr lang="en-IN" dirty="0" smtClean="0"/>
-              <a:t>(20); // return true no auto boxing</a:t>
-            </a:r>
-          </a:p>
-          <a:p>
-            <a:pPr marL="0" indent="0">
-              <a:buNone/>
-            </a:pPr>
-            <a:r>
-              <a:rPr lang="en-IN" dirty="0" smtClean="0"/>
-              <a:t>Predicate&lt;Integer&gt; numbers = (Integer </a:t>
-            </a:r>
-            <a:r>
-              <a:rPr lang="en-IN" dirty="0" err="1" smtClean="0"/>
-              <a:t>num</a:t>
-            </a:r>
-            <a:r>
-              <a:rPr lang="en-IN" dirty="0" smtClean="0"/>
-              <a:t>)-&gt; </a:t>
-            </a:r>
-            <a:r>
-              <a:rPr lang="en-IN" dirty="0" err="1" smtClean="0"/>
-              <a:t>num</a:t>
-            </a:r>
-            <a:r>
-              <a:rPr lang="en-IN" dirty="0" smtClean="0"/>
-              <a:t> &gt; 10;</a:t>
-            </a:r>
-          </a:p>
-          <a:p>
-            <a:pPr marL="0" indent="0">
-              <a:buNone/>
-            </a:pPr>
-            <a:r>
-              <a:rPr lang="en-IN" dirty="0"/>
-              <a:t> </a:t>
-            </a:r>
-            <a:r>
-              <a:rPr lang="en-IN" dirty="0" err="1" smtClean="0"/>
-              <a:t>numbers.test</a:t>
-            </a:r>
-            <a:r>
-              <a:rPr lang="en-IN" dirty="0" smtClean="0"/>
-              <a:t>(20); // </a:t>
-            </a:r>
-            <a:r>
-              <a:rPr lang="en-IN" dirty="0" err="1" smtClean="0"/>
-              <a:t>autoboxing</a:t>
-            </a:r>
-            <a:r>
-              <a:rPr lang="en-IN" dirty="0" smtClean="0"/>
-              <a:t> </a:t>
-            </a:r>
-            <a:endParaRPr lang="en-IN" dirty="0"/>
-          </a:p>
-        </p:txBody>
-      </p:sp>
-    </p:spTree>
-    <p:extLst>
-      <p:ext uri="{BB962C8B-B14F-4D97-AF65-F5344CB8AC3E}">
-        <p14:creationId xmlns:p14="http://schemas.microsoft.com/office/powerpoint/2010/main" val="1472877853"/>
-      </p:ext>
-    </p:extLst>
-  </p:cSld>
-  <p:clrMapOvr>
-    <a:masterClrMapping/>
-  </p:clrMapOvr>
-  <p:timing>
-    <p:tnLst>
-      <p:par>
-        <p:cTn id="1" dur="indefinite" restart="never" nodeType="tmRoot"/>
-      </p:par>
-    </p:tnLst>
-  </p:timing>
-</p:sld>
-</file>
-
-<file path=ppt/slides/slide13.xml><?xml version="1.0" encoding="utf-8"?>
-<p:sld xmlns:a="http://schemas.openxmlformats.org/drawingml/2006/main" xmlns:r="http://schemas.openxmlformats.org/officeDocument/2006/relationships" xmlns:p="http://schemas.openxmlformats.org/presentationml/2006/main">
-  <p:cSld>
-    <p:spTree>
-      <p:nvGrpSpPr>
-        <p:cNvPr id="1" name=""/>
-        <p:cNvGrpSpPr/>
-        <p:nvPr/>
-      </p:nvGrpSpPr>
-      <p:grpSpPr>
-        <a:xfrm>
-          <a:off x="0" y="0"/>
-          <a:ext cx="0" cy="0"/>
-          <a:chOff x="0" y="0"/>
-          <a:chExt cx="0" cy="0"/>
-        </a:xfrm>
-      </p:grpSpPr>
-      <p:sp>
-        <p:nvSpPr>
-          <p:cNvPr id="2" name="Title 1"/>
-          <p:cNvSpPr>
-            <a:spLocks noGrp="1"/>
-          </p:cNvSpPr>
-          <p:nvPr>
-            <p:ph type="title"/>
-          </p:nvPr>
-        </p:nvSpPr>
-        <p:spPr>
-          <a:xfrm>
-            <a:off x="838200" y="365126"/>
-            <a:ext cx="10515600" cy="810532"/>
-          </a:xfrm>
-        </p:spPr>
-        <p:txBody>
-          <a:bodyPr/>
-          <a:lstStyle/>
-          <a:p>
-            <a:r>
-              <a:rPr lang="en-IN" dirty="0" smtClean="0"/>
-              <a:t>Functional interface and function descriptor</a:t>
-            </a:r>
-            <a:endParaRPr lang="en-IN" dirty="0"/>
-          </a:p>
-        </p:txBody>
-      </p:sp>
-      <p:graphicFrame>
-        <p:nvGraphicFramePr>
-          <p:cNvPr id="4" name="Content Placeholder 3"/>
-          <p:cNvGraphicFramePr>
-            <a:graphicFrameLocks noGrp="1"/>
-          </p:cNvGraphicFramePr>
-          <p:nvPr>
-            <p:ph idx="1"/>
-            <p:extLst>
-              <p:ext uri="{D42A27DB-BD31-4B8C-83A1-F6EECF244321}">
-                <p14:modId xmlns:p14="http://schemas.microsoft.com/office/powerpoint/2010/main" val="2990336116"/>
-              </p:ext>
-            </p:extLst>
-          </p:nvPr>
-        </p:nvGraphicFramePr>
-        <p:xfrm>
-          <a:off x="1306284" y="1603169"/>
-          <a:ext cx="8692738" cy="4476996"/>
-        </p:xfrm>
-        <a:graphic>
-          <a:graphicData uri="http://schemas.openxmlformats.org/drawingml/2006/table">
-            <a:tbl>
-              <a:tblPr firstRow="1" firstCol="1" bandRow="1">
-                <a:tableStyleId>{5C22544A-7EE6-4342-B048-85BDC9FD1C3A}</a:tableStyleId>
-              </a:tblPr>
-              <a:tblGrid>
-                <a:gridCol w="4346369"/>
-                <a:gridCol w="4346369"/>
-              </a:tblGrid>
-              <a:tr h="497444">
-                <a:tc>
-                  <a:txBody>
-                    <a:bodyPr/>
-                    <a:lstStyle/>
-                    <a:p>
-                      <a:pPr>
-                        <a:lnSpc>
-                          <a:spcPct val="107000"/>
-                        </a:lnSpc>
-                        <a:spcAft>
-                          <a:spcPts val="0"/>
-                        </a:spcAft>
-                      </a:pPr>
-                      <a:r>
-                        <a:rPr lang="en-IN" sz="1100" dirty="0">
-                          <a:effectLst/>
-                        </a:rPr>
-                        <a:t>Predicate&lt;T&gt;</a:t>
-                      </a:r>
-                      <a:endParaRPr lang="en-IN" sz="1100" dirty="0">
-                        <a:effectLst/>
-                        <a:latin typeface="Calibri" panose="020F0502020204030204" pitchFamily="34" charset="0"/>
-                        <a:ea typeface="Calibri" panose="020F0502020204030204" pitchFamily="34" charset="0"/>
-                        <a:cs typeface="Times New Roman" panose="02020603050405020304" pitchFamily="18" charset="0"/>
-                      </a:endParaRPr>
-                    </a:p>
-                  </a:txBody>
-                  <a:tcPr marL="68580" marR="68580" marT="0" marB="0">
-                    <a:solidFill>
-                      <a:schemeClr val="accent2">
-                        <a:lumMod val="50000"/>
-                      </a:schemeClr>
-                    </a:solidFill>
-                  </a:tcPr>
-                </a:tc>
-                <a:tc>
-                  <a:txBody>
-                    <a:bodyPr/>
-                    <a:lstStyle/>
-                    <a:p>
-                      <a:pPr>
-                        <a:lnSpc>
-                          <a:spcPct val="107000"/>
-                        </a:lnSpc>
-                        <a:spcAft>
-                          <a:spcPts val="0"/>
-                        </a:spcAft>
-                      </a:pPr>
-                      <a:r>
-                        <a:rPr lang="en-IN" sz="1100" dirty="0">
-                          <a:solidFill>
-                            <a:schemeClr val="tx1"/>
-                          </a:solidFill>
-                          <a:effectLst/>
-                        </a:rPr>
-                        <a:t>T -&gt; </a:t>
-                      </a:r>
-                      <a:r>
-                        <a:rPr lang="en-IN" sz="1100" dirty="0" err="1">
-                          <a:solidFill>
-                            <a:schemeClr val="tx1"/>
-                          </a:solidFill>
-                          <a:effectLst/>
-                        </a:rPr>
-                        <a:t>boolean</a:t>
-                      </a:r>
-                      <a:endParaRPr lang="en-IN" sz="1100" dirty="0">
-                        <a:solidFill>
-                          <a:schemeClr val="tx1"/>
-                        </a:solidFill>
-                        <a:effectLst/>
-                        <a:latin typeface="Calibri" panose="020F0502020204030204" pitchFamily="34" charset="0"/>
-                        <a:ea typeface="Calibri" panose="020F0502020204030204" pitchFamily="34" charset="0"/>
-                        <a:cs typeface="Times New Roman" panose="02020603050405020304" pitchFamily="18" charset="0"/>
-                      </a:endParaRPr>
-                    </a:p>
-                  </a:txBody>
-                  <a:tcPr marL="68580" marR="68580" marT="0" marB="0">
-                    <a:solidFill>
-                      <a:schemeClr val="accent2">
-                        <a:lumMod val="60000"/>
-                        <a:lumOff val="40000"/>
-                      </a:schemeClr>
-                    </a:solidFill>
-                  </a:tcPr>
-                </a:tc>
-              </a:tr>
-              <a:tr h="497444">
-                <a:tc>
-                  <a:txBody>
-                    <a:bodyPr/>
-                    <a:lstStyle/>
-                    <a:p>
-                      <a:pPr>
-                        <a:lnSpc>
-                          <a:spcPct val="107000"/>
-                        </a:lnSpc>
-                        <a:spcAft>
-                          <a:spcPts val="0"/>
-                        </a:spcAft>
-                      </a:pPr>
-                      <a:r>
-                        <a:rPr lang="en-IN" sz="1100" dirty="0">
-                          <a:effectLst/>
-                        </a:rPr>
-                        <a:t>Consumer&lt;T&gt;</a:t>
-                      </a:r>
-                      <a:endParaRPr lang="en-IN" sz="1100" dirty="0">
-                        <a:effectLst/>
-                        <a:latin typeface="Calibri" panose="020F0502020204030204" pitchFamily="34" charset="0"/>
-                        <a:ea typeface="Calibri" panose="020F0502020204030204" pitchFamily="34" charset="0"/>
-                        <a:cs typeface="Times New Roman" panose="02020603050405020304" pitchFamily="18" charset="0"/>
-                      </a:endParaRPr>
-                    </a:p>
-                  </a:txBody>
-                  <a:tcPr marL="68580" marR="68580" marT="0" marB="0">
-                    <a:solidFill>
-                      <a:schemeClr val="accent2">
-                        <a:lumMod val="50000"/>
-                      </a:schemeClr>
-                    </a:solidFill>
-                  </a:tcPr>
-                </a:tc>
-                <a:tc>
-                  <a:txBody>
-                    <a:bodyPr/>
-                    <a:lstStyle/>
-                    <a:p>
-                      <a:pPr>
-                        <a:lnSpc>
-                          <a:spcPct val="107000"/>
-                        </a:lnSpc>
-                        <a:spcAft>
-                          <a:spcPts val="0"/>
-                        </a:spcAft>
-                      </a:pPr>
-                      <a:r>
-                        <a:rPr lang="en-IN" sz="1100" b="1" dirty="0">
-                          <a:solidFill>
-                            <a:schemeClr val="tx1"/>
-                          </a:solidFill>
-                          <a:effectLst/>
-                        </a:rPr>
-                        <a:t>T -&gt; void</a:t>
-                      </a:r>
-                      <a:endParaRPr lang="en-IN" sz="1100" b="1" dirty="0">
-                        <a:solidFill>
-                          <a:schemeClr val="tx1"/>
-                        </a:solidFill>
-                        <a:effectLst/>
-                        <a:latin typeface="Calibri" panose="020F0502020204030204" pitchFamily="34" charset="0"/>
-                        <a:ea typeface="Calibri" panose="020F0502020204030204" pitchFamily="34" charset="0"/>
-                        <a:cs typeface="Times New Roman" panose="02020603050405020304" pitchFamily="18" charset="0"/>
-                      </a:endParaRPr>
-                    </a:p>
-                  </a:txBody>
-                  <a:tcPr marL="68580" marR="68580" marT="0" marB="0">
-                    <a:solidFill>
-                      <a:schemeClr val="accent2">
-                        <a:lumMod val="60000"/>
-                        <a:lumOff val="40000"/>
-                      </a:schemeClr>
-                    </a:solidFill>
-                  </a:tcPr>
-                </a:tc>
-              </a:tr>
-              <a:tr h="497444">
-                <a:tc>
-                  <a:txBody>
-                    <a:bodyPr/>
-                    <a:lstStyle/>
-                    <a:p>
-                      <a:pPr>
-                        <a:lnSpc>
-                          <a:spcPct val="107000"/>
-                        </a:lnSpc>
-                        <a:spcAft>
-                          <a:spcPts val="0"/>
-                        </a:spcAft>
-                      </a:pPr>
-                      <a:r>
-                        <a:rPr lang="en-IN" sz="1100" dirty="0">
-                          <a:effectLst/>
-                        </a:rPr>
-                        <a:t>Function&lt;T, R&gt;</a:t>
-                      </a:r>
-                      <a:endParaRPr lang="en-IN" sz="1100" dirty="0">
-                        <a:effectLst/>
-                        <a:latin typeface="Calibri" panose="020F0502020204030204" pitchFamily="34" charset="0"/>
-                        <a:ea typeface="Calibri" panose="020F0502020204030204" pitchFamily="34" charset="0"/>
-                        <a:cs typeface="Times New Roman" panose="02020603050405020304" pitchFamily="18" charset="0"/>
-                      </a:endParaRPr>
-                    </a:p>
-                  </a:txBody>
-                  <a:tcPr marL="68580" marR="68580" marT="0" marB="0">
-                    <a:solidFill>
-                      <a:schemeClr val="accent2">
-                        <a:lumMod val="50000"/>
-                      </a:schemeClr>
-                    </a:solidFill>
-                  </a:tcPr>
-                </a:tc>
-                <a:tc>
-                  <a:txBody>
-                    <a:bodyPr/>
-                    <a:lstStyle/>
-                    <a:p>
-                      <a:pPr>
-                        <a:lnSpc>
-                          <a:spcPct val="107000"/>
-                        </a:lnSpc>
-                        <a:spcAft>
-                          <a:spcPts val="0"/>
-                        </a:spcAft>
-                      </a:pPr>
-                      <a:r>
-                        <a:rPr lang="en-IN" sz="1100" b="1" dirty="0">
-                          <a:solidFill>
-                            <a:schemeClr val="tx1"/>
-                          </a:solidFill>
-                          <a:effectLst/>
-                        </a:rPr>
-                        <a:t>T -&gt; R</a:t>
-                      </a:r>
-                      <a:endParaRPr lang="en-IN" sz="1100" b="1" dirty="0">
-                        <a:solidFill>
-                          <a:schemeClr val="tx1"/>
-                        </a:solidFill>
-                        <a:effectLst/>
-                        <a:latin typeface="Calibri" panose="020F0502020204030204" pitchFamily="34" charset="0"/>
-                        <a:ea typeface="Calibri" panose="020F0502020204030204" pitchFamily="34" charset="0"/>
-                        <a:cs typeface="Times New Roman" panose="02020603050405020304" pitchFamily="18" charset="0"/>
-                      </a:endParaRPr>
-                    </a:p>
-                  </a:txBody>
-                  <a:tcPr marL="68580" marR="68580" marT="0" marB="0">
-                    <a:solidFill>
-                      <a:schemeClr val="accent2">
-                        <a:lumMod val="60000"/>
-                        <a:lumOff val="40000"/>
-                      </a:schemeClr>
-                    </a:solidFill>
-                  </a:tcPr>
-                </a:tc>
-              </a:tr>
-              <a:tr h="497444">
-                <a:tc>
-                  <a:txBody>
-                    <a:bodyPr/>
-                    <a:lstStyle/>
-                    <a:p>
-                      <a:pPr>
-                        <a:lnSpc>
-                          <a:spcPct val="107000"/>
-                        </a:lnSpc>
-                        <a:spcAft>
-                          <a:spcPts val="0"/>
-                        </a:spcAft>
-                      </a:pPr>
-                      <a:r>
-                        <a:rPr lang="en-IN" sz="1100" dirty="0">
-                          <a:effectLst/>
-                        </a:rPr>
-                        <a:t>Supplier&lt;T&gt;</a:t>
-                      </a:r>
-                      <a:endParaRPr lang="en-IN" sz="1100" dirty="0">
-                        <a:effectLst/>
-                        <a:latin typeface="Calibri" panose="020F0502020204030204" pitchFamily="34" charset="0"/>
-                        <a:ea typeface="Calibri" panose="020F0502020204030204" pitchFamily="34" charset="0"/>
-                        <a:cs typeface="Times New Roman" panose="02020603050405020304" pitchFamily="18" charset="0"/>
-                      </a:endParaRPr>
-                    </a:p>
-                  </a:txBody>
-                  <a:tcPr marL="68580" marR="68580" marT="0" marB="0">
-                    <a:solidFill>
-                      <a:schemeClr val="accent2">
-                        <a:lumMod val="50000"/>
-                      </a:schemeClr>
-                    </a:solidFill>
-                  </a:tcPr>
-                </a:tc>
-                <a:tc>
-                  <a:txBody>
-                    <a:bodyPr/>
-                    <a:lstStyle/>
-                    <a:p>
-                      <a:pPr>
-                        <a:lnSpc>
-                          <a:spcPct val="107000"/>
-                        </a:lnSpc>
-                        <a:spcAft>
-                          <a:spcPts val="0"/>
-                        </a:spcAft>
-                      </a:pPr>
-                      <a:r>
-                        <a:rPr lang="en-IN" sz="1100" b="1" dirty="0">
-                          <a:solidFill>
-                            <a:schemeClr val="tx1"/>
-                          </a:solidFill>
-                          <a:effectLst/>
-                        </a:rPr>
-                        <a:t>() -&gt; T</a:t>
-                      </a:r>
-                      <a:endParaRPr lang="en-IN" sz="1100" b="1" dirty="0">
-                        <a:solidFill>
-                          <a:schemeClr val="tx1"/>
-                        </a:solidFill>
-                        <a:effectLst/>
-                        <a:latin typeface="Calibri" panose="020F0502020204030204" pitchFamily="34" charset="0"/>
-                        <a:ea typeface="Calibri" panose="020F0502020204030204" pitchFamily="34" charset="0"/>
-                        <a:cs typeface="Times New Roman" panose="02020603050405020304" pitchFamily="18" charset="0"/>
-                      </a:endParaRPr>
-                    </a:p>
-                  </a:txBody>
-                  <a:tcPr marL="68580" marR="68580" marT="0" marB="0">
-                    <a:solidFill>
-                      <a:schemeClr val="accent2">
-                        <a:lumMod val="60000"/>
-                        <a:lumOff val="40000"/>
-                      </a:schemeClr>
-                    </a:solidFill>
-                  </a:tcPr>
-                </a:tc>
-              </a:tr>
-              <a:tr h="497444">
-                <a:tc>
-                  <a:txBody>
-                    <a:bodyPr/>
-                    <a:lstStyle/>
-                    <a:p>
-                      <a:pPr>
-                        <a:lnSpc>
-                          <a:spcPct val="107000"/>
-                        </a:lnSpc>
-                        <a:spcAft>
-                          <a:spcPts val="0"/>
-                        </a:spcAft>
-                      </a:pPr>
-                      <a:r>
-                        <a:rPr lang="en-IN" sz="1100" dirty="0" err="1">
-                          <a:effectLst/>
-                        </a:rPr>
-                        <a:t>UnaryOperator</a:t>
-                      </a:r>
-                      <a:r>
-                        <a:rPr lang="en-IN" sz="1100" dirty="0">
-                          <a:effectLst/>
-                        </a:rPr>
-                        <a:t>&lt;T&gt;</a:t>
-                      </a:r>
-                      <a:endParaRPr lang="en-IN" sz="1100" dirty="0">
-                        <a:effectLst/>
-                        <a:latin typeface="Calibri" panose="020F0502020204030204" pitchFamily="34" charset="0"/>
-                        <a:ea typeface="Calibri" panose="020F0502020204030204" pitchFamily="34" charset="0"/>
-                        <a:cs typeface="Times New Roman" panose="02020603050405020304" pitchFamily="18" charset="0"/>
-                      </a:endParaRPr>
-                    </a:p>
-                  </a:txBody>
-                  <a:tcPr marL="68580" marR="68580" marT="0" marB="0">
-                    <a:solidFill>
-                      <a:schemeClr val="accent2">
-                        <a:lumMod val="50000"/>
-                      </a:schemeClr>
-                    </a:solidFill>
-                  </a:tcPr>
-                </a:tc>
-                <a:tc>
-                  <a:txBody>
-                    <a:bodyPr/>
-                    <a:lstStyle/>
-                    <a:p>
-                      <a:pPr>
-                        <a:lnSpc>
-                          <a:spcPct val="107000"/>
-                        </a:lnSpc>
-                        <a:spcAft>
-                          <a:spcPts val="0"/>
-                        </a:spcAft>
-                      </a:pPr>
-                      <a:r>
-                        <a:rPr lang="en-IN" sz="1100" b="1" dirty="0">
-                          <a:solidFill>
-                            <a:schemeClr val="tx1"/>
-                          </a:solidFill>
-                          <a:effectLst/>
-                        </a:rPr>
-                        <a:t>T -&gt; T</a:t>
-                      </a:r>
-                      <a:endParaRPr lang="en-IN" sz="1100" b="1" dirty="0">
-                        <a:solidFill>
-                          <a:schemeClr val="tx1"/>
-                        </a:solidFill>
-                        <a:effectLst/>
-                        <a:latin typeface="Calibri" panose="020F0502020204030204" pitchFamily="34" charset="0"/>
-                        <a:ea typeface="Calibri" panose="020F0502020204030204" pitchFamily="34" charset="0"/>
-                        <a:cs typeface="Times New Roman" panose="02020603050405020304" pitchFamily="18" charset="0"/>
-                      </a:endParaRPr>
-                    </a:p>
-                  </a:txBody>
-                  <a:tcPr marL="68580" marR="68580" marT="0" marB="0">
-                    <a:solidFill>
-                      <a:schemeClr val="accent2">
-                        <a:lumMod val="60000"/>
-                        <a:lumOff val="40000"/>
-                      </a:schemeClr>
-                    </a:solidFill>
-                  </a:tcPr>
-                </a:tc>
-              </a:tr>
-              <a:tr h="497444">
-                <a:tc>
-                  <a:txBody>
-                    <a:bodyPr/>
-                    <a:lstStyle/>
-                    <a:p>
-                      <a:pPr>
-                        <a:lnSpc>
-                          <a:spcPct val="107000"/>
-                        </a:lnSpc>
-                        <a:spcAft>
-                          <a:spcPts val="0"/>
-                        </a:spcAft>
-                      </a:pPr>
-                      <a:r>
-                        <a:rPr lang="en-IN" sz="1100" dirty="0" err="1">
-                          <a:effectLst/>
-                        </a:rPr>
-                        <a:t>BinaryOperator</a:t>
-                      </a:r>
-                      <a:r>
-                        <a:rPr lang="en-IN" sz="1100" dirty="0">
-                          <a:effectLst/>
-                        </a:rPr>
-                        <a:t>&lt;T&gt;</a:t>
-                      </a:r>
-                      <a:endParaRPr lang="en-IN" sz="1100" dirty="0">
-                        <a:effectLst/>
-                        <a:latin typeface="Calibri" panose="020F0502020204030204" pitchFamily="34" charset="0"/>
-                        <a:ea typeface="Calibri" panose="020F0502020204030204" pitchFamily="34" charset="0"/>
-                        <a:cs typeface="Times New Roman" panose="02020603050405020304" pitchFamily="18" charset="0"/>
-                      </a:endParaRPr>
-                    </a:p>
-                  </a:txBody>
-                  <a:tcPr marL="68580" marR="68580" marT="0" marB="0">
-                    <a:solidFill>
-                      <a:schemeClr val="accent2">
-                        <a:lumMod val="50000"/>
-                      </a:schemeClr>
-                    </a:solidFill>
-                  </a:tcPr>
-                </a:tc>
-                <a:tc>
-                  <a:txBody>
-                    <a:bodyPr/>
-                    <a:lstStyle/>
-                    <a:p>
-                      <a:pPr>
-                        <a:lnSpc>
-                          <a:spcPct val="107000"/>
-                        </a:lnSpc>
-                        <a:spcAft>
-                          <a:spcPts val="0"/>
-                        </a:spcAft>
-                      </a:pPr>
-                      <a:r>
-                        <a:rPr lang="en-IN" sz="1100" b="1" dirty="0">
-                          <a:solidFill>
-                            <a:schemeClr val="tx1"/>
-                          </a:solidFill>
-                          <a:effectLst/>
-                        </a:rPr>
-                        <a:t>(T, T) -&gt; T</a:t>
-                      </a:r>
-                      <a:endParaRPr lang="en-IN" sz="1100" b="1" dirty="0">
-                        <a:solidFill>
-                          <a:schemeClr val="tx1"/>
-                        </a:solidFill>
-                        <a:effectLst/>
-                        <a:latin typeface="Calibri" panose="020F0502020204030204" pitchFamily="34" charset="0"/>
-                        <a:ea typeface="Calibri" panose="020F0502020204030204" pitchFamily="34" charset="0"/>
-                        <a:cs typeface="Times New Roman" panose="02020603050405020304" pitchFamily="18" charset="0"/>
-                      </a:endParaRPr>
-                    </a:p>
-                  </a:txBody>
-                  <a:tcPr marL="68580" marR="68580" marT="0" marB="0">
-                    <a:solidFill>
-                      <a:schemeClr val="accent2">
-                        <a:lumMod val="60000"/>
-                        <a:lumOff val="40000"/>
-                      </a:schemeClr>
-                    </a:solidFill>
-                  </a:tcPr>
-                </a:tc>
-              </a:tr>
-              <a:tr h="497444">
-                <a:tc>
-                  <a:txBody>
-                    <a:bodyPr/>
-                    <a:lstStyle/>
-                    <a:p>
-                      <a:pPr>
-                        <a:lnSpc>
-                          <a:spcPct val="107000"/>
-                        </a:lnSpc>
-                        <a:spcAft>
-                          <a:spcPts val="0"/>
-                        </a:spcAft>
-                      </a:pPr>
-                      <a:r>
-                        <a:rPr lang="en-IN" sz="1100" dirty="0" err="1">
-                          <a:effectLst/>
-                        </a:rPr>
-                        <a:t>BiPredicate</a:t>
-                      </a:r>
-                      <a:r>
-                        <a:rPr lang="en-IN" sz="1100" dirty="0">
-                          <a:effectLst/>
-                        </a:rPr>
-                        <a:t>&lt;L, R&gt;</a:t>
-                      </a:r>
-                      <a:endParaRPr lang="en-IN" sz="1100" dirty="0">
-                        <a:effectLst/>
-                        <a:latin typeface="Calibri" panose="020F0502020204030204" pitchFamily="34" charset="0"/>
-                        <a:ea typeface="Calibri" panose="020F0502020204030204" pitchFamily="34" charset="0"/>
-                        <a:cs typeface="Times New Roman" panose="02020603050405020304" pitchFamily="18" charset="0"/>
-                      </a:endParaRPr>
-                    </a:p>
-                  </a:txBody>
-                  <a:tcPr marL="68580" marR="68580" marT="0" marB="0">
-                    <a:solidFill>
-                      <a:schemeClr val="accent2">
-                        <a:lumMod val="50000"/>
-                      </a:schemeClr>
-                    </a:solidFill>
-                  </a:tcPr>
-                </a:tc>
-                <a:tc>
-                  <a:txBody>
-                    <a:bodyPr/>
-                    <a:lstStyle/>
-                    <a:p>
-                      <a:pPr>
-                        <a:lnSpc>
-                          <a:spcPct val="107000"/>
-                        </a:lnSpc>
-                        <a:spcAft>
-                          <a:spcPts val="0"/>
-                        </a:spcAft>
-                      </a:pPr>
-                      <a:r>
-                        <a:rPr lang="en-IN" sz="1100" b="1" dirty="0">
-                          <a:solidFill>
-                            <a:schemeClr val="tx1"/>
-                          </a:solidFill>
-                          <a:effectLst/>
-                        </a:rPr>
-                        <a:t>(L, R) -&gt; </a:t>
-                      </a:r>
-                      <a:r>
-                        <a:rPr lang="en-IN" sz="1100" b="1" dirty="0" err="1">
-                          <a:solidFill>
-                            <a:schemeClr val="tx1"/>
-                          </a:solidFill>
-                          <a:effectLst/>
-                        </a:rPr>
-                        <a:t>boolean</a:t>
-                      </a:r>
-                      <a:endParaRPr lang="en-IN" sz="1100" b="1" dirty="0">
-                        <a:solidFill>
-                          <a:schemeClr val="tx1"/>
-                        </a:solidFill>
-                        <a:effectLst/>
-                        <a:latin typeface="Calibri" panose="020F0502020204030204" pitchFamily="34" charset="0"/>
-                        <a:ea typeface="Calibri" panose="020F0502020204030204" pitchFamily="34" charset="0"/>
-                        <a:cs typeface="Times New Roman" panose="02020603050405020304" pitchFamily="18" charset="0"/>
-                      </a:endParaRPr>
-                    </a:p>
-                  </a:txBody>
-                  <a:tcPr marL="68580" marR="68580" marT="0" marB="0">
-                    <a:solidFill>
-                      <a:schemeClr val="accent2">
-                        <a:lumMod val="60000"/>
-                        <a:lumOff val="40000"/>
-                      </a:schemeClr>
-                    </a:solidFill>
-                  </a:tcPr>
-                </a:tc>
-              </a:tr>
-              <a:tr h="497444">
-                <a:tc>
-                  <a:txBody>
-                    <a:bodyPr/>
-                    <a:lstStyle/>
-                    <a:p>
-                      <a:pPr>
-                        <a:lnSpc>
-                          <a:spcPct val="107000"/>
-                        </a:lnSpc>
-                        <a:spcAft>
-                          <a:spcPts val="0"/>
-                        </a:spcAft>
-                      </a:pPr>
-                      <a:r>
-                        <a:rPr lang="en-IN" sz="1100" dirty="0" err="1">
-                          <a:effectLst/>
-                        </a:rPr>
-                        <a:t>BiConsumer</a:t>
-                      </a:r>
-                      <a:r>
-                        <a:rPr lang="en-IN" sz="1100" dirty="0">
-                          <a:effectLst/>
-                        </a:rPr>
-                        <a:t>&lt;T, U&gt;</a:t>
-                      </a:r>
-                      <a:endParaRPr lang="en-IN" sz="1100" dirty="0">
-                        <a:effectLst/>
-                        <a:latin typeface="Calibri" panose="020F0502020204030204" pitchFamily="34" charset="0"/>
-                        <a:ea typeface="Calibri" panose="020F0502020204030204" pitchFamily="34" charset="0"/>
-                        <a:cs typeface="Times New Roman" panose="02020603050405020304" pitchFamily="18" charset="0"/>
-                      </a:endParaRPr>
-                    </a:p>
-                  </a:txBody>
-                  <a:tcPr marL="68580" marR="68580" marT="0" marB="0">
-                    <a:solidFill>
-                      <a:schemeClr val="accent2">
-                        <a:lumMod val="50000"/>
-                      </a:schemeClr>
-                    </a:solidFill>
-                  </a:tcPr>
-                </a:tc>
-                <a:tc>
-                  <a:txBody>
-                    <a:bodyPr/>
-                    <a:lstStyle/>
-                    <a:p>
-                      <a:pPr>
-                        <a:lnSpc>
-                          <a:spcPct val="107000"/>
-                        </a:lnSpc>
-                        <a:spcAft>
-                          <a:spcPts val="0"/>
-                        </a:spcAft>
-                      </a:pPr>
-                      <a:r>
-                        <a:rPr lang="en-IN" sz="1100" b="1" dirty="0">
-                          <a:solidFill>
-                            <a:schemeClr val="tx1"/>
-                          </a:solidFill>
-                          <a:effectLst/>
-                        </a:rPr>
-                        <a:t>(T, U) -&gt; void</a:t>
-                      </a:r>
-                      <a:endParaRPr lang="en-IN" sz="1100" b="1" dirty="0">
-                        <a:solidFill>
-                          <a:schemeClr val="tx1"/>
-                        </a:solidFill>
-                        <a:effectLst/>
-                        <a:latin typeface="Calibri" panose="020F0502020204030204" pitchFamily="34" charset="0"/>
-                        <a:ea typeface="Calibri" panose="020F0502020204030204" pitchFamily="34" charset="0"/>
-                        <a:cs typeface="Times New Roman" panose="02020603050405020304" pitchFamily="18" charset="0"/>
-                      </a:endParaRPr>
-                    </a:p>
-                  </a:txBody>
-                  <a:tcPr marL="68580" marR="68580" marT="0" marB="0">
-                    <a:solidFill>
-                      <a:schemeClr val="accent2">
-                        <a:lumMod val="60000"/>
-                        <a:lumOff val="40000"/>
-                      </a:schemeClr>
-                    </a:solidFill>
-                  </a:tcPr>
-                </a:tc>
-              </a:tr>
-              <a:tr h="497444">
-                <a:tc>
-                  <a:txBody>
-                    <a:bodyPr/>
-                    <a:lstStyle/>
-                    <a:p>
-                      <a:pPr>
-                        <a:lnSpc>
-                          <a:spcPct val="107000"/>
-                        </a:lnSpc>
-                        <a:spcAft>
-                          <a:spcPts val="0"/>
-                        </a:spcAft>
-                      </a:pPr>
-                      <a:r>
-                        <a:rPr lang="en-IN" sz="1100" dirty="0" err="1">
-                          <a:effectLst/>
-                        </a:rPr>
-                        <a:t>BiFunction</a:t>
-                      </a:r>
-                      <a:r>
-                        <a:rPr lang="en-IN" sz="1100" dirty="0">
-                          <a:effectLst/>
-                        </a:rPr>
-                        <a:t>&lt;T, U, R&gt;</a:t>
-                      </a:r>
-                      <a:endParaRPr lang="en-IN" sz="1100" dirty="0">
-                        <a:effectLst/>
-                        <a:latin typeface="Calibri" panose="020F0502020204030204" pitchFamily="34" charset="0"/>
-                        <a:ea typeface="Calibri" panose="020F0502020204030204" pitchFamily="34" charset="0"/>
-                        <a:cs typeface="Times New Roman" panose="02020603050405020304" pitchFamily="18" charset="0"/>
-                      </a:endParaRPr>
-                    </a:p>
-                  </a:txBody>
-                  <a:tcPr marL="68580" marR="68580" marT="0" marB="0">
-                    <a:solidFill>
-                      <a:schemeClr val="accent2">
-                        <a:lumMod val="50000"/>
-                      </a:schemeClr>
-                    </a:solidFill>
-                  </a:tcPr>
-                </a:tc>
-                <a:tc>
-                  <a:txBody>
-                    <a:bodyPr/>
-                    <a:lstStyle/>
-                    <a:p>
-                      <a:pPr>
-                        <a:lnSpc>
-                          <a:spcPct val="107000"/>
-                        </a:lnSpc>
-                        <a:spcAft>
-                          <a:spcPts val="0"/>
-                        </a:spcAft>
-                      </a:pPr>
-                      <a:r>
-                        <a:rPr lang="en-IN" sz="1100" b="1" dirty="0">
-                          <a:solidFill>
-                            <a:schemeClr val="tx1"/>
-                          </a:solidFill>
-                          <a:effectLst/>
-                        </a:rPr>
-                        <a:t>(T, U) -&gt; R</a:t>
-                      </a:r>
-                      <a:endParaRPr lang="en-IN" sz="1100" b="1" dirty="0">
-                        <a:solidFill>
-                          <a:schemeClr val="tx1"/>
-                        </a:solidFill>
-                        <a:effectLst/>
-                        <a:latin typeface="Calibri" panose="020F0502020204030204" pitchFamily="34" charset="0"/>
-                        <a:ea typeface="Calibri" panose="020F0502020204030204" pitchFamily="34" charset="0"/>
-                        <a:cs typeface="Times New Roman" panose="02020603050405020304" pitchFamily="18" charset="0"/>
-                      </a:endParaRPr>
-                    </a:p>
-                  </a:txBody>
-                  <a:tcPr marL="68580" marR="68580" marT="0" marB="0">
-                    <a:solidFill>
-                      <a:schemeClr val="accent2">
-                        <a:lumMod val="60000"/>
-                        <a:lumOff val="40000"/>
-                      </a:schemeClr>
-                    </a:solidFill>
-                  </a:tcPr>
-                </a:tc>
-              </a:tr>
-            </a:tbl>
-          </a:graphicData>
-        </a:graphic>
-      </p:graphicFrame>
-    </p:spTree>
-    <p:extLst>
-      <p:ext uri="{BB962C8B-B14F-4D97-AF65-F5344CB8AC3E}">
-        <p14:creationId xmlns:p14="http://schemas.microsoft.com/office/powerpoint/2010/main" val="1708376110"/>
-      </p:ext>
-    </p:extLst>
-  </p:cSld>
-  <p:clrMapOvr>
-    <a:masterClrMapping/>
-  </p:clrMapOvr>
-  <p:timing>
-    <p:tnLst>
-      <p:par>
-        <p:cTn id="1" dur="indefinite" restart="never" nodeType="tmRoot"/>
-      </p:par>
-    </p:tnLst>
-  </p:timing>
-</p:sld>
-</file>
-
-<file path=ppt/slides/slide14.xml><?xml version="1.0" encoding="utf-8"?>
-<p:sld xmlns:a="http://schemas.openxmlformats.org/drawingml/2006/main" xmlns:r="http://schemas.openxmlformats.org/officeDocument/2006/relationships" xmlns:p="http://schemas.openxmlformats.org/presentationml/2006/main">
-  <p:cSld>
-    <p:spTree>
-      <p:nvGrpSpPr>
-        <p:cNvPr id="1" name=""/>
-        <p:cNvGrpSpPr/>
-        <p:nvPr/>
-      </p:nvGrpSpPr>
-      <p:grpSpPr>
-        <a:xfrm>
-          <a:off x="0" y="0"/>
-          <a:ext cx="0" cy="0"/>
-          <a:chOff x="0" y="0"/>
-          <a:chExt cx="0" cy="0"/>
-        </a:xfrm>
-      </p:grpSpPr>
-      <p:sp>
-        <p:nvSpPr>
-          <p:cNvPr id="2" name="Title 1"/>
-          <p:cNvSpPr>
-            <a:spLocks noGrp="1"/>
-          </p:cNvSpPr>
-          <p:nvPr>
-            <p:ph type="title"/>
-          </p:nvPr>
-        </p:nvSpPr>
-        <p:spPr/>
-        <p:txBody>
-          <a:bodyPr/>
-          <a:lstStyle/>
-          <a:p>
-            <a:r>
-              <a:rPr lang="en-IN" dirty="0" smtClean="0"/>
-              <a:t>Match the following.</a:t>
-            </a:r>
-            <a:endParaRPr lang="en-IN" dirty="0"/>
-          </a:p>
-        </p:txBody>
-      </p:sp>
-      <p:graphicFrame>
-        <p:nvGraphicFramePr>
-          <p:cNvPr id="4" name="Content Placeholder 3"/>
-          <p:cNvGraphicFramePr>
-            <a:graphicFrameLocks noGrp="1"/>
-          </p:cNvGraphicFramePr>
-          <p:nvPr>
-            <p:ph idx="1"/>
-            <p:extLst>
-              <p:ext uri="{D42A27DB-BD31-4B8C-83A1-F6EECF244321}">
-                <p14:modId xmlns:p14="http://schemas.microsoft.com/office/powerpoint/2010/main" val="4067053106"/>
-              </p:ext>
-            </p:extLst>
-          </p:nvPr>
-        </p:nvGraphicFramePr>
-        <p:xfrm>
-          <a:off x="997526" y="1690686"/>
-          <a:ext cx="8716490" cy="4258852"/>
-        </p:xfrm>
-        <a:graphic>
-          <a:graphicData uri="http://schemas.openxmlformats.org/drawingml/2006/table">
-            <a:tbl>
-              <a:tblPr firstRow="1" firstCol="1" bandRow="1">
-                <a:tableStyleId>{5C22544A-7EE6-4342-B048-85BDC9FD1C3A}</a:tableStyleId>
-              </a:tblPr>
-              <a:tblGrid>
-                <a:gridCol w="4358245"/>
-                <a:gridCol w="4358245"/>
-              </a:tblGrid>
-              <a:tr h="709810">
-                <a:tc>
-                  <a:txBody>
-                    <a:bodyPr/>
-                    <a:lstStyle/>
-                    <a:p>
-                      <a:pPr>
-                        <a:lnSpc>
-                          <a:spcPct val="107000"/>
-                        </a:lnSpc>
-                        <a:spcAft>
-                          <a:spcPts val="0"/>
-                        </a:spcAft>
-                      </a:pPr>
-                      <a:r>
-                        <a:rPr lang="en-IN" sz="1100" dirty="0">
-                          <a:effectLst/>
-                        </a:rPr>
-                        <a:t> (List&lt;String&gt; list) -&gt; </a:t>
-                      </a:r>
-                      <a:r>
-                        <a:rPr lang="en-IN" sz="1100" dirty="0" err="1">
-                          <a:effectLst/>
-                        </a:rPr>
-                        <a:t>list.isEmpty</a:t>
-                      </a:r>
-                      <a:r>
-                        <a:rPr lang="en-IN" sz="1100" dirty="0">
-                          <a:effectLst/>
-                        </a:rPr>
-                        <a:t>()</a:t>
-                      </a:r>
-                      <a:endParaRPr lang="en-IN" sz="1100" dirty="0">
-                        <a:effectLst/>
-                        <a:latin typeface="Calibri" panose="020F0502020204030204" pitchFamily="34" charset="0"/>
-                        <a:ea typeface="Calibri" panose="020F0502020204030204" pitchFamily="34" charset="0"/>
-                        <a:cs typeface="Times New Roman" panose="02020603050405020304" pitchFamily="18" charset="0"/>
-                      </a:endParaRPr>
-                    </a:p>
-                  </a:txBody>
-                  <a:tcPr marL="68580" marR="68580" marT="0" marB="0">
-                    <a:solidFill>
-                      <a:schemeClr val="accent2">
-                        <a:lumMod val="75000"/>
-                      </a:schemeClr>
-                    </a:solidFill>
-                  </a:tcPr>
-                </a:tc>
-                <a:tc>
-                  <a:txBody>
-                    <a:bodyPr/>
-                    <a:lstStyle/>
-                    <a:p>
-                      <a:pPr>
-                        <a:lnSpc>
-                          <a:spcPct val="107000"/>
-                        </a:lnSpc>
-                        <a:spcAft>
-                          <a:spcPts val="0"/>
-                        </a:spcAft>
-                      </a:pPr>
-                      <a:r>
-                        <a:rPr lang="en-IN" sz="1100" b="1" dirty="0">
-                          <a:solidFill>
-                            <a:schemeClr val="tx1"/>
-                          </a:solidFill>
-                          <a:effectLst/>
-                        </a:rPr>
-                        <a:t> Function&lt;String, Integer&gt; or </a:t>
-                      </a:r>
-                      <a:r>
-                        <a:rPr lang="en-IN" sz="1100" b="1" dirty="0" err="1">
-                          <a:solidFill>
-                            <a:schemeClr val="tx1"/>
-                          </a:solidFill>
-                          <a:effectLst/>
-                        </a:rPr>
-                        <a:t>ToIntFunction</a:t>
-                      </a:r>
-                      <a:r>
-                        <a:rPr lang="en-IN" sz="1100" b="1" dirty="0">
-                          <a:solidFill>
-                            <a:schemeClr val="tx1"/>
-                          </a:solidFill>
-                          <a:effectLst/>
-                        </a:rPr>
-                        <a:t>&lt;String&gt;</a:t>
-                      </a:r>
-                      <a:endParaRPr lang="en-IN" sz="1100" b="1" dirty="0">
-                        <a:solidFill>
-                          <a:schemeClr val="tx1"/>
-                        </a:solidFill>
-                        <a:effectLst/>
-                        <a:latin typeface="Calibri" panose="020F0502020204030204" pitchFamily="34" charset="0"/>
-                        <a:ea typeface="Calibri" panose="020F0502020204030204" pitchFamily="34" charset="0"/>
-                        <a:cs typeface="Times New Roman" panose="02020603050405020304" pitchFamily="18" charset="0"/>
-                      </a:endParaRPr>
-                    </a:p>
-                  </a:txBody>
-                  <a:tcPr marL="68580" marR="68580" marT="0" marB="0">
-                    <a:solidFill>
-                      <a:schemeClr val="accent2">
-                        <a:lumMod val="60000"/>
-                        <a:lumOff val="40000"/>
-                      </a:schemeClr>
-                    </a:solidFill>
-                  </a:tcPr>
-                </a:tc>
-              </a:tr>
-              <a:tr h="346875">
-                <a:tc>
-                  <a:txBody>
-                    <a:bodyPr/>
-                    <a:lstStyle/>
-                    <a:p>
-                      <a:pPr>
-                        <a:lnSpc>
-                          <a:spcPct val="107000"/>
-                        </a:lnSpc>
-                        <a:spcAft>
-                          <a:spcPts val="0"/>
-                        </a:spcAft>
-                      </a:pPr>
-                      <a:r>
-                        <a:rPr lang="en-IN" sz="1100" dirty="0">
-                          <a:effectLst/>
-                        </a:rPr>
-                        <a:t>() -&gt; new Student(10)</a:t>
-                      </a:r>
-                      <a:endParaRPr lang="en-IN" sz="1100" dirty="0">
-                        <a:effectLst/>
-                        <a:latin typeface="Calibri" panose="020F0502020204030204" pitchFamily="34" charset="0"/>
-                        <a:ea typeface="Calibri" panose="020F0502020204030204" pitchFamily="34" charset="0"/>
-                        <a:cs typeface="Times New Roman" panose="02020603050405020304" pitchFamily="18" charset="0"/>
-                      </a:endParaRPr>
-                    </a:p>
-                  </a:txBody>
-                  <a:tcPr marL="68580" marR="68580" marT="0" marB="0">
-                    <a:solidFill>
-                      <a:schemeClr val="accent2">
-                        <a:lumMod val="75000"/>
-                      </a:schemeClr>
-                    </a:solidFill>
-                  </a:tcPr>
-                </a:tc>
-                <a:tc>
-                  <a:txBody>
-                    <a:bodyPr/>
-                    <a:lstStyle/>
-                    <a:p>
-                      <a:pPr>
-                        <a:lnSpc>
-                          <a:spcPct val="107000"/>
-                        </a:lnSpc>
-                        <a:spcAft>
-                          <a:spcPts val="0"/>
-                        </a:spcAft>
-                      </a:pPr>
-                      <a:r>
-                        <a:rPr lang="en-IN" sz="1100" b="1" dirty="0">
-                          <a:solidFill>
-                            <a:schemeClr val="tx1"/>
-                          </a:solidFill>
-                          <a:effectLst/>
-                        </a:rPr>
-                        <a:t>  </a:t>
-                      </a:r>
-                      <a:r>
-                        <a:rPr lang="en-IN" sz="1100" b="1" dirty="0" err="1">
-                          <a:solidFill>
-                            <a:schemeClr val="tx1"/>
-                          </a:solidFill>
-                          <a:effectLst/>
-                        </a:rPr>
-                        <a:t>IntBinaryOperator</a:t>
-                      </a:r>
-                      <a:endParaRPr lang="en-IN" sz="1100" b="1" dirty="0">
-                        <a:solidFill>
-                          <a:schemeClr val="tx1"/>
-                        </a:solidFill>
-                        <a:effectLst/>
-                        <a:latin typeface="Calibri" panose="020F0502020204030204" pitchFamily="34" charset="0"/>
-                        <a:ea typeface="Calibri" panose="020F0502020204030204" pitchFamily="34" charset="0"/>
-                        <a:cs typeface="Times New Roman" panose="02020603050405020304" pitchFamily="18" charset="0"/>
-                      </a:endParaRPr>
-                    </a:p>
-                  </a:txBody>
-                  <a:tcPr marL="68580" marR="68580" marT="0" marB="0">
-                    <a:solidFill>
-                      <a:schemeClr val="accent2">
-                        <a:lumMod val="60000"/>
-                        <a:lumOff val="40000"/>
-                      </a:schemeClr>
-                    </a:solidFill>
-                  </a:tcPr>
-                </a:tc>
-              </a:tr>
-              <a:tr h="709810">
-                <a:tc>
-                  <a:txBody>
-                    <a:bodyPr/>
-                    <a:lstStyle/>
-                    <a:p>
-                      <a:pPr>
-                        <a:lnSpc>
-                          <a:spcPct val="107000"/>
-                        </a:lnSpc>
-                        <a:spcAft>
-                          <a:spcPts val="0"/>
-                        </a:spcAft>
-                      </a:pPr>
-                      <a:r>
-                        <a:rPr lang="en-IN" sz="1100" dirty="0">
-                          <a:effectLst/>
-                        </a:rPr>
-                        <a:t>(Student s) -&gt; </a:t>
-                      </a:r>
-                      <a:r>
-                        <a:rPr lang="en-IN" sz="1100" dirty="0" err="1">
-                          <a:effectLst/>
-                        </a:rPr>
-                        <a:t>System.out.println</a:t>
-                      </a:r>
-                      <a:r>
-                        <a:rPr lang="en-IN" sz="1100" dirty="0">
-                          <a:effectLst/>
-                        </a:rPr>
-                        <a:t>(</a:t>
-                      </a:r>
-                      <a:r>
-                        <a:rPr lang="en-IN" sz="1100" dirty="0" err="1">
-                          <a:effectLst/>
-                        </a:rPr>
-                        <a:t>s.getRollNumber</a:t>
-                      </a:r>
-                      <a:r>
-                        <a:rPr lang="en-IN" sz="1100" dirty="0">
-                          <a:effectLst/>
-                        </a:rPr>
-                        <a:t>())</a:t>
-                      </a:r>
-                      <a:endParaRPr lang="en-IN" sz="1100" dirty="0">
-                        <a:effectLst/>
-                        <a:latin typeface="Calibri" panose="020F0502020204030204" pitchFamily="34" charset="0"/>
-                        <a:ea typeface="Calibri" panose="020F0502020204030204" pitchFamily="34" charset="0"/>
-                        <a:cs typeface="Times New Roman" panose="02020603050405020304" pitchFamily="18" charset="0"/>
-                      </a:endParaRPr>
-                    </a:p>
-                  </a:txBody>
-                  <a:tcPr marL="68580" marR="68580" marT="0" marB="0">
-                    <a:solidFill>
-                      <a:schemeClr val="accent2">
-                        <a:lumMod val="75000"/>
-                      </a:schemeClr>
-                    </a:solidFill>
-                  </a:tcPr>
-                </a:tc>
-                <a:tc>
-                  <a:txBody>
-                    <a:bodyPr/>
-                    <a:lstStyle/>
-                    <a:p>
-                      <a:pPr>
-                        <a:lnSpc>
-                          <a:spcPct val="107000"/>
-                        </a:lnSpc>
-                        <a:spcAft>
-                          <a:spcPts val="0"/>
-                        </a:spcAft>
-                      </a:pPr>
-                      <a:r>
-                        <a:rPr lang="en-IN" sz="1100" b="1" dirty="0">
-                          <a:solidFill>
-                            <a:schemeClr val="tx1"/>
-                          </a:solidFill>
-                          <a:effectLst/>
-                        </a:rPr>
-                        <a:t>  Predicate&lt;List&lt;String&gt;&gt;</a:t>
-                      </a:r>
-                      <a:endParaRPr lang="en-IN" sz="1100" b="1" dirty="0">
-                        <a:solidFill>
-                          <a:schemeClr val="tx1"/>
-                        </a:solidFill>
-                        <a:effectLst/>
-                        <a:latin typeface="Calibri" panose="020F0502020204030204" pitchFamily="34" charset="0"/>
-                        <a:ea typeface="Calibri" panose="020F0502020204030204" pitchFamily="34" charset="0"/>
-                        <a:cs typeface="Times New Roman" panose="02020603050405020304" pitchFamily="18" charset="0"/>
-                      </a:endParaRPr>
-                    </a:p>
-                  </a:txBody>
-                  <a:tcPr marL="68580" marR="68580" marT="0" marB="0">
-                    <a:solidFill>
-                      <a:schemeClr val="accent2">
-                        <a:lumMod val="60000"/>
-                        <a:lumOff val="40000"/>
-                      </a:schemeClr>
-                    </a:solidFill>
-                  </a:tcPr>
-                </a:tc>
-              </a:tr>
-              <a:tr h="1072741">
-                <a:tc>
-                  <a:txBody>
-                    <a:bodyPr/>
-                    <a:lstStyle/>
-                    <a:p>
-                      <a:pPr>
-                        <a:lnSpc>
-                          <a:spcPct val="107000"/>
-                        </a:lnSpc>
-                        <a:spcAft>
-                          <a:spcPts val="0"/>
-                        </a:spcAft>
-                      </a:pPr>
-                      <a:r>
-                        <a:rPr lang="en-IN" sz="1100" dirty="0">
-                          <a:effectLst/>
-                        </a:rPr>
-                        <a:t>(String s) -&gt; </a:t>
-                      </a:r>
-                      <a:r>
-                        <a:rPr lang="en-IN" sz="1100" dirty="0" err="1">
-                          <a:effectLst/>
-                        </a:rPr>
-                        <a:t>s.length</a:t>
-                      </a:r>
-                      <a:r>
-                        <a:rPr lang="en-IN" sz="1100" dirty="0">
-                          <a:effectLst/>
-                        </a:rPr>
-                        <a:t>()</a:t>
-                      </a:r>
-                      <a:endParaRPr lang="en-IN" sz="1100" dirty="0">
-                        <a:effectLst/>
-                        <a:latin typeface="Calibri" panose="020F0502020204030204" pitchFamily="34" charset="0"/>
-                        <a:ea typeface="Calibri" panose="020F0502020204030204" pitchFamily="34" charset="0"/>
-                        <a:cs typeface="Times New Roman" panose="02020603050405020304" pitchFamily="18" charset="0"/>
-                      </a:endParaRPr>
-                    </a:p>
-                  </a:txBody>
-                  <a:tcPr marL="68580" marR="68580" marT="0" marB="0">
-                    <a:solidFill>
-                      <a:schemeClr val="accent2">
-                        <a:lumMod val="75000"/>
-                      </a:schemeClr>
-                    </a:solidFill>
-                  </a:tcPr>
-                </a:tc>
-                <a:tc>
-                  <a:txBody>
-                    <a:bodyPr/>
-                    <a:lstStyle/>
-                    <a:p>
-                      <a:pPr>
-                        <a:lnSpc>
-                          <a:spcPct val="107000"/>
-                        </a:lnSpc>
-                        <a:spcAft>
-                          <a:spcPts val="0"/>
-                        </a:spcAft>
-                      </a:pPr>
-                      <a:r>
-                        <a:rPr lang="en-IN" sz="1100" b="1" dirty="0">
-                          <a:solidFill>
-                            <a:schemeClr val="tx1"/>
-                          </a:solidFill>
-                          <a:effectLst/>
-                        </a:rPr>
-                        <a:t> Comparator&lt; Student &gt; or </a:t>
-                      </a:r>
-                      <a:r>
-                        <a:rPr lang="en-IN" sz="1100" b="1" dirty="0" err="1">
-                          <a:solidFill>
-                            <a:schemeClr val="tx1"/>
-                          </a:solidFill>
-                          <a:effectLst/>
-                        </a:rPr>
-                        <a:t>BiFunction</a:t>
-                      </a:r>
-                      <a:r>
-                        <a:rPr lang="en-IN" sz="1100" b="1" dirty="0">
-                          <a:solidFill>
-                            <a:schemeClr val="tx1"/>
-                          </a:solidFill>
-                          <a:effectLst/>
-                        </a:rPr>
-                        <a:t>&lt; Student, Student, Integer&gt; or </a:t>
-                      </a:r>
-                      <a:r>
-                        <a:rPr lang="en-IN" sz="1100" b="1" dirty="0" err="1">
-                          <a:solidFill>
-                            <a:schemeClr val="tx1"/>
-                          </a:solidFill>
-                          <a:effectLst/>
-                        </a:rPr>
-                        <a:t>ToIntBiFunction</a:t>
-                      </a:r>
-                      <a:r>
-                        <a:rPr lang="en-IN" sz="1100" b="1" dirty="0">
-                          <a:solidFill>
-                            <a:schemeClr val="tx1"/>
-                          </a:solidFill>
-                          <a:effectLst/>
-                        </a:rPr>
-                        <a:t>&lt; Student, Student &gt;</a:t>
-                      </a:r>
-                      <a:endParaRPr lang="en-IN" sz="1100" b="1" dirty="0">
-                        <a:solidFill>
-                          <a:schemeClr val="tx1"/>
-                        </a:solidFill>
-                        <a:effectLst/>
-                        <a:latin typeface="Calibri" panose="020F0502020204030204" pitchFamily="34" charset="0"/>
-                        <a:ea typeface="Calibri" panose="020F0502020204030204" pitchFamily="34" charset="0"/>
-                        <a:cs typeface="Times New Roman" panose="02020603050405020304" pitchFamily="18" charset="0"/>
-                      </a:endParaRPr>
-                    </a:p>
-                  </a:txBody>
-                  <a:tcPr marL="68580" marR="68580" marT="0" marB="0">
-                    <a:solidFill>
-                      <a:schemeClr val="accent2">
-                        <a:lumMod val="60000"/>
-                        <a:lumOff val="40000"/>
-                      </a:schemeClr>
-                    </a:solidFill>
-                  </a:tcPr>
-                </a:tc>
-              </a:tr>
-              <a:tr h="346875">
-                <a:tc>
-                  <a:txBody>
-                    <a:bodyPr/>
-                    <a:lstStyle/>
-                    <a:p>
-                      <a:pPr>
-                        <a:lnSpc>
-                          <a:spcPct val="107000"/>
-                        </a:lnSpc>
-                        <a:spcAft>
-                          <a:spcPts val="0"/>
-                        </a:spcAft>
-                      </a:pPr>
-                      <a:r>
-                        <a:rPr lang="en-IN" sz="1100" dirty="0">
-                          <a:effectLst/>
-                        </a:rPr>
-                        <a:t>(</a:t>
-                      </a:r>
-                      <a:r>
-                        <a:rPr lang="en-IN" sz="1100" dirty="0" err="1">
-                          <a:effectLst/>
-                        </a:rPr>
-                        <a:t>int</a:t>
-                      </a:r>
-                      <a:r>
-                        <a:rPr lang="en-IN" sz="1100" dirty="0">
-                          <a:effectLst/>
-                        </a:rPr>
-                        <a:t> a, </a:t>
-                      </a:r>
-                      <a:r>
-                        <a:rPr lang="en-IN" sz="1100" dirty="0" err="1">
-                          <a:effectLst/>
-                        </a:rPr>
-                        <a:t>int</a:t>
-                      </a:r>
-                      <a:r>
-                        <a:rPr lang="en-IN" sz="1100" dirty="0">
-                          <a:effectLst/>
-                        </a:rPr>
-                        <a:t> b) -&gt; a * b</a:t>
-                      </a:r>
-                      <a:endParaRPr lang="en-IN" sz="1100" dirty="0">
-                        <a:effectLst/>
-                        <a:latin typeface="Calibri" panose="020F0502020204030204" pitchFamily="34" charset="0"/>
-                        <a:ea typeface="Calibri" panose="020F0502020204030204" pitchFamily="34" charset="0"/>
-                        <a:cs typeface="Times New Roman" panose="02020603050405020304" pitchFamily="18" charset="0"/>
-                      </a:endParaRPr>
-                    </a:p>
-                  </a:txBody>
-                  <a:tcPr marL="68580" marR="68580" marT="0" marB="0">
-                    <a:solidFill>
-                      <a:schemeClr val="accent2">
-                        <a:lumMod val="75000"/>
-                      </a:schemeClr>
-                    </a:solidFill>
-                  </a:tcPr>
-                </a:tc>
-                <a:tc>
-                  <a:txBody>
-                    <a:bodyPr/>
-                    <a:lstStyle/>
-                    <a:p>
-                      <a:pPr>
-                        <a:lnSpc>
-                          <a:spcPct val="107000"/>
-                        </a:lnSpc>
-                        <a:spcAft>
-                          <a:spcPts val="0"/>
-                        </a:spcAft>
-                      </a:pPr>
-                      <a:r>
-                        <a:rPr lang="en-IN" sz="1100" b="1" dirty="0">
-                          <a:solidFill>
-                            <a:schemeClr val="tx1"/>
-                          </a:solidFill>
-                          <a:effectLst/>
-                        </a:rPr>
-                        <a:t>  </a:t>
-                      </a:r>
-                      <a:r>
-                        <a:rPr lang="en-IN" sz="1100" b="1" dirty="0" smtClean="0">
-                          <a:solidFill>
-                            <a:schemeClr val="tx1"/>
-                          </a:solidFill>
-                          <a:effectLst/>
-                        </a:rPr>
-                        <a:t>Supplier&lt;Student&gt;</a:t>
-                      </a:r>
-                      <a:endParaRPr lang="en-IN" sz="1100" b="1" dirty="0">
-                        <a:solidFill>
-                          <a:schemeClr val="tx1"/>
-                        </a:solidFill>
-                        <a:effectLst/>
-                        <a:latin typeface="Calibri" panose="020F0502020204030204" pitchFamily="34" charset="0"/>
-                        <a:ea typeface="Calibri" panose="020F0502020204030204" pitchFamily="34" charset="0"/>
-                        <a:cs typeface="Times New Roman" panose="02020603050405020304" pitchFamily="18" charset="0"/>
-                      </a:endParaRPr>
-                    </a:p>
-                  </a:txBody>
-                  <a:tcPr marL="68580" marR="68580" marT="0" marB="0">
-                    <a:solidFill>
-                      <a:schemeClr val="accent2">
-                        <a:lumMod val="60000"/>
-                        <a:lumOff val="40000"/>
-                      </a:schemeClr>
-                    </a:solidFill>
-                  </a:tcPr>
-                </a:tc>
-              </a:tr>
-              <a:tr h="1072741">
-                <a:tc>
-                  <a:txBody>
-                    <a:bodyPr/>
-                    <a:lstStyle/>
-                    <a:p>
-                      <a:pPr>
-                        <a:lnSpc>
-                          <a:spcPct val="107000"/>
-                        </a:lnSpc>
-                        <a:spcAft>
-                          <a:spcPts val="0"/>
-                        </a:spcAft>
-                      </a:pPr>
-                      <a:r>
-                        <a:rPr lang="en-IN" sz="1100" dirty="0">
-                          <a:effectLst/>
-                        </a:rPr>
-                        <a:t>(Student a1, Student a2) -&gt; a1.getTotalMarks().</a:t>
-                      </a:r>
-                      <a:r>
-                        <a:rPr lang="en-IN" sz="1100" dirty="0" err="1">
-                          <a:effectLst/>
-                        </a:rPr>
-                        <a:t>compareTo</a:t>
-                      </a:r>
-                      <a:r>
-                        <a:rPr lang="en-IN" sz="1100" dirty="0">
-                          <a:effectLst/>
-                        </a:rPr>
-                        <a:t> (a2. </a:t>
-                      </a:r>
-                      <a:r>
-                        <a:rPr lang="en-IN" sz="1100" dirty="0" err="1">
-                          <a:effectLst/>
-                        </a:rPr>
-                        <a:t>getTotalMarks</a:t>
-                      </a:r>
-                      <a:r>
-                        <a:rPr lang="en-IN" sz="1100" dirty="0">
-                          <a:effectLst/>
-                        </a:rPr>
-                        <a:t> ())</a:t>
-                      </a:r>
-                      <a:endParaRPr lang="en-IN" sz="1100" dirty="0">
-                        <a:effectLst/>
-                        <a:latin typeface="Calibri" panose="020F0502020204030204" pitchFamily="34" charset="0"/>
-                        <a:ea typeface="Calibri" panose="020F0502020204030204" pitchFamily="34" charset="0"/>
-                        <a:cs typeface="Times New Roman" panose="02020603050405020304" pitchFamily="18" charset="0"/>
-                      </a:endParaRPr>
-                    </a:p>
-                  </a:txBody>
-                  <a:tcPr marL="68580" marR="68580" marT="0" marB="0">
-                    <a:solidFill>
-                      <a:schemeClr val="accent2">
-                        <a:lumMod val="75000"/>
-                      </a:schemeClr>
-                    </a:solidFill>
-                  </a:tcPr>
-                </a:tc>
-                <a:tc>
-                  <a:txBody>
-                    <a:bodyPr/>
-                    <a:lstStyle/>
-                    <a:p>
-                      <a:pPr>
-                        <a:lnSpc>
-                          <a:spcPct val="107000"/>
-                        </a:lnSpc>
-                        <a:spcAft>
-                          <a:spcPts val="0"/>
-                        </a:spcAft>
-                      </a:pPr>
-                      <a:r>
-                        <a:rPr lang="en-IN" sz="1100" b="1" dirty="0">
-                          <a:solidFill>
-                            <a:schemeClr val="tx1"/>
-                          </a:solidFill>
-                          <a:effectLst/>
-                        </a:rPr>
-                        <a:t> Consumer&lt;Student&gt;</a:t>
-                      </a:r>
-                      <a:endParaRPr lang="en-IN" sz="1100" b="1" dirty="0">
-                        <a:solidFill>
-                          <a:schemeClr val="tx1"/>
-                        </a:solidFill>
-                        <a:effectLst/>
-                        <a:latin typeface="Calibri" panose="020F0502020204030204" pitchFamily="34" charset="0"/>
-                        <a:ea typeface="Calibri" panose="020F0502020204030204" pitchFamily="34" charset="0"/>
-                        <a:cs typeface="Times New Roman" panose="02020603050405020304" pitchFamily="18" charset="0"/>
-                      </a:endParaRPr>
-                    </a:p>
-                  </a:txBody>
-                  <a:tcPr marL="68580" marR="68580" marT="0" marB="0">
-                    <a:solidFill>
-                      <a:schemeClr val="accent2">
-                        <a:lumMod val="60000"/>
-                        <a:lumOff val="40000"/>
-                      </a:schemeClr>
-                    </a:solidFill>
-                  </a:tcPr>
-                </a:tc>
-              </a:tr>
-            </a:tbl>
-          </a:graphicData>
-        </a:graphic>
-      </p:graphicFrame>
-    </p:spTree>
-    <p:extLst>
-      <p:ext uri="{BB962C8B-B14F-4D97-AF65-F5344CB8AC3E}">
-        <p14:creationId xmlns:p14="http://schemas.microsoft.com/office/powerpoint/2010/main" val="2400842077"/>
-      </p:ext>
-    </p:extLst>
-  </p:cSld>
-  <p:clrMapOvr>
-    <a:masterClrMapping/>
-  </p:clrMapOvr>
-  <p:timing>
-    <p:tnLst>
-      <p:par>
-        <p:cTn id="1" dur="indefinite" restart="never" nodeType="tmRoot"/>
-      </p:par>
-    </p:tnLst>
-  </p:timing>
-</p:sld>
-</file>
-
-<file path=ppt/slides/slide15.xml><?xml version="1.0" encoding="utf-8"?>
-<p:sld xmlns:a="http://schemas.openxmlformats.org/drawingml/2006/main" xmlns:r="http://schemas.openxmlformats.org/officeDocument/2006/relationships" xmlns:p="http://schemas.openxmlformats.org/presentationml/2006/main">
-  <p:cSld>
-    <p:spTree>
-      <p:nvGrpSpPr>
-        <p:cNvPr id="1" name=""/>
-        <p:cNvGrpSpPr/>
-        <p:nvPr/>
-      </p:nvGrpSpPr>
-      <p:grpSpPr>
-        <a:xfrm>
-          <a:off x="0" y="0"/>
-          <a:ext cx="0" cy="0"/>
-          <a:chOff x="0" y="0"/>
-          <a:chExt cx="0" cy="0"/>
-        </a:xfrm>
-      </p:grpSpPr>
-      <p:sp>
-        <p:nvSpPr>
           <p:cNvPr id="3" name="Content Placeholder 2"/>
           <p:cNvSpPr>
             <a:spLocks noGrp="1"/>
@@ -8607,7 +6879,7 @@
 </p:sld>
 </file>
 
-<file path=ppt/slides/slide16.xml><?xml version="1.0" encoding="utf-8"?>
+<file path=ppt/slides/slide13.xml><?xml version="1.0" encoding="utf-8"?>
 <p:sld xmlns:a="http://schemas.openxmlformats.org/drawingml/2006/main" xmlns:r="http://schemas.openxmlformats.org/officeDocument/2006/relationships" xmlns:p="http://schemas.openxmlformats.org/presentationml/2006/main">
   <p:cSld>
     <p:spTree>
@@ -8960,7 +7232,7 @@
 </p:sld>
 </file>
 
-<file path=ppt/slides/slide17.xml><?xml version="1.0" encoding="utf-8"?>
+<file path=ppt/slides/slide14.xml><?xml version="1.0" encoding="utf-8"?>
 <p:sld xmlns:a="http://schemas.openxmlformats.org/drawingml/2006/main" xmlns:r="http://schemas.openxmlformats.org/officeDocument/2006/relationships" xmlns:p="http://schemas.openxmlformats.org/presentationml/2006/main">
   <p:cSld>
     <p:spTree>
@@ -9376,6 +7648,822 @@
       </p:par>
     </p:tnLst>
   </p:timing>
+</p:sld>
+</file>
+
+<file path=ppt/slides/slide15.xml><?xml version="1.0" encoding="utf-8"?>
+<p:sld xmlns:a="http://schemas.openxmlformats.org/drawingml/2006/main" xmlns:r="http://schemas.openxmlformats.org/officeDocument/2006/relationships" xmlns:p="http://schemas.openxmlformats.org/presentationml/2006/main">
+  <p:cSld>
+    <p:spTree>
+      <p:nvGrpSpPr>
+        <p:cNvPr id="1" name=""/>
+        <p:cNvGrpSpPr/>
+        <p:nvPr/>
+      </p:nvGrpSpPr>
+      <p:grpSpPr>
+        <a:xfrm>
+          <a:off x="0" y="0"/>
+          <a:ext cx="0" cy="0"/>
+          <a:chOff x="0" y="0"/>
+          <a:chExt cx="0" cy="0"/>
+        </a:xfrm>
+      </p:grpSpPr>
+      <p:sp>
+        <p:nvSpPr>
+          <p:cNvPr id="2" name="Title 1"/>
+          <p:cNvSpPr>
+            <a:spLocks noGrp="1"/>
+          </p:cNvSpPr>
+          <p:nvPr>
+            <p:ph type="title"/>
+          </p:nvPr>
+        </p:nvSpPr>
+        <p:spPr>
+          <a:xfrm>
+            <a:off x="677334" y="142504"/>
+            <a:ext cx="8596668" cy="878774"/>
+          </a:xfrm>
+        </p:spPr>
+        <p:txBody>
+          <a:bodyPr>
+            <a:normAutofit/>
+          </a:bodyPr>
+          <a:lstStyle/>
+          <a:p>
+            <a:r>
+              <a:rPr lang="en-IN" dirty="0" smtClean="0"/>
+              <a:t>Lambda summary till now.</a:t>
+            </a:r>
+            <a:endParaRPr lang="en-IN" dirty="0"/>
+          </a:p>
+        </p:txBody>
+      </p:sp>
+      <p:sp>
+        <p:nvSpPr>
+          <p:cNvPr id="3" name="Content Placeholder 2"/>
+          <p:cNvSpPr>
+            <a:spLocks noGrp="1"/>
+          </p:cNvSpPr>
+          <p:nvPr>
+            <p:ph idx="1"/>
+          </p:nvPr>
+        </p:nvSpPr>
+        <p:spPr>
+          <a:xfrm>
+            <a:off x="677334" y="1021279"/>
+            <a:ext cx="8739798" cy="5712030"/>
+          </a:xfrm>
+        </p:spPr>
+        <p:txBody>
+          <a:bodyPr>
+            <a:normAutofit fontScale="85000" lnSpcReduction="20000"/>
+          </a:bodyPr>
+          <a:lstStyle/>
+          <a:p>
+            <a:pPr marL="457200" lvl="1" indent="0">
+              <a:buNone/>
+            </a:pPr>
+            <a:r>
+              <a:rPr lang="en-IN" sz="1500" dirty="0"/>
+              <a:t>Why does the Java programming language need lambda expressions?</a:t>
+            </a:r>
+          </a:p>
+          <a:p>
+            <a:pPr marL="457200" lvl="1" indent="0">
+              <a:buNone/>
+            </a:pPr>
+            <a:r>
+              <a:rPr lang="en-IN" sz="1500" dirty="0"/>
+              <a:t> Because many modern programming languages have a similar language features., as a preparation for </a:t>
+            </a:r>
+            <a:r>
+              <a:rPr lang="en-IN" sz="1500" dirty="0" err="1"/>
+              <a:t>finegrained</a:t>
+            </a:r>
+            <a:r>
+              <a:rPr lang="en-IN" sz="1500" dirty="0"/>
+              <a:t> automated parallelization on multi-core hardware, in particular for bulk operations on collections</a:t>
+            </a:r>
+          </a:p>
+          <a:p>
+            <a:pPr marL="457200" lvl="1" indent="0">
+              <a:buNone/>
+            </a:pPr>
+            <a:r>
+              <a:rPr lang="en-IN" sz="1500" dirty="0"/>
+              <a:t>What is a lambda expression in Java? </a:t>
+            </a:r>
+          </a:p>
+          <a:p>
+            <a:pPr marL="457200" lvl="1" indent="0">
+              <a:buNone/>
+            </a:pPr>
+            <a:r>
+              <a:rPr lang="en-IN" sz="1500" dirty="0"/>
+              <a:t>A concise notation for a method without a name. </a:t>
+            </a:r>
+          </a:p>
+          <a:p>
+            <a:pPr marL="457200" lvl="1" indent="0">
+              <a:buNone/>
+            </a:pPr>
+            <a:r>
+              <a:rPr lang="en-IN" sz="1500" dirty="0"/>
+              <a:t>What do lambda expression and anonymous inner classes have in common? </a:t>
+            </a:r>
+          </a:p>
+          <a:p>
+            <a:pPr marL="457200" lvl="1" indent="0">
+              <a:buNone/>
+            </a:pPr>
+            <a:r>
+              <a:rPr lang="en-IN" sz="1500" dirty="0"/>
+              <a:t>Both are used to implement ad-hoc functionality aka anonymous methods. </a:t>
+            </a:r>
+          </a:p>
+          <a:p>
+            <a:pPr marL="457200" lvl="1" indent="0">
+              <a:buNone/>
+            </a:pPr>
+            <a:r>
+              <a:rPr lang="en-IN" sz="1500" dirty="0"/>
+              <a:t>What is a method? What is a function? How do they differ?</a:t>
+            </a:r>
+          </a:p>
+          <a:p>
+            <a:pPr marL="457200" lvl="1" indent="0">
+              <a:buNone/>
+            </a:pPr>
+            <a:r>
+              <a:rPr lang="en-IN" sz="1500" dirty="0"/>
+              <a:t> Functions are executed, but also passed around like data. They do not mutate data; they just produce new results. The order of their invocation does not matter. Methods are executed and may mutate data and produce side effects. The invocation order matters. </a:t>
+            </a:r>
+          </a:p>
+          <a:p>
+            <a:pPr marL="457200" lvl="1" indent="0">
+              <a:buNone/>
+            </a:pPr>
+            <a:r>
+              <a:rPr lang="en-IN" sz="1500" dirty="0"/>
+              <a:t> How is a lambda expression represented at runtime?</a:t>
+            </a:r>
+          </a:p>
+          <a:p>
+            <a:pPr marL="457200" lvl="1" indent="0">
+              <a:buNone/>
+            </a:pPr>
+            <a:r>
+              <a:rPr lang="en-IN" sz="1500" dirty="0"/>
+              <a:t>By a lambda object; both the lambda object and its type are dynamically created by the virtual machine at runtime. </a:t>
+            </a:r>
+          </a:p>
+          <a:p>
+            <a:pPr marL="457200" lvl="1" indent="0">
+              <a:buNone/>
+            </a:pPr>
+            <a:r>
+              <a:rPr lang="en-IN" sz="1500" dirty="0"/>
+              <a:t>6. What is the type of a lambda expression? </a:t>
+            </a:r>
+          </a:p>
+          <a:p>
+            <a:pPr marL="457200" lvl="1" indent="0">
+              <a:buNone/>
+            </a:pPr>
+            <a:r>
+              <a:rPr lang="en-IN" sz="1500" dirty="0"/>
+              <a:t>In isolation a lambda expression has no definite type; its type depends on the context in which it appears and is inferred by the compiler.</a:t>
+            </a:r>
+          </a:p>
+          <a:p>
+            <a:pPr marL="457200" lvl="1" indent="0">
+              <a:buNone/>
+            </a:pPr>
+            <a:r>
+              <a:rPr lang="en-IN" dirty="0"/>
+              <a:t>What is the target type of a lambda expression? </a:t>
+            </a:r>
+            <a:endParaRPr lang="en-IN" dirty="0" smtClean="0"/>
+          </a:p>
+          <a:p>
+            <a:pPr marL="457200" lvl="1" indent="0">
+              <a:buNone/>
+            </a:pPr>
+            <a:r>
+              <a:rPr lang="en-IN" dirty="0" smtClean="0"/>
+              <a:t>A </a:t>
+            </a:r>
+            <a:r>
+              <a:rPr lang="en-IN" dirty="0"/>
+              <a:t>type to which the lambda expression can be converted in a given context; the target type must be a functional interface type. </a:t>
+            </a:r>
+          </a:p>
+          <a:p>
+            <a:pPr marL="457200" lvl="1" indent="0">
+              <a:buNone/>
+            </a:pPr>
+            <a:r>
+              <a:rPr lang="en-IN" dirty="0" smtClean="0"/>
+              <a:t>What </a:t>
+            </a:r>
+            <a:r>
+              <a:rPr lang="en-IN" dirty="0"/>
+              <a:t>is a functional interface? </a:t>
+            </a:r>
+            <a:endParaRPr lang="en-IN" dirty="0" smtClean="0"/>
+          </a:p>
+          <a:p>
+            <a:pPr marL="457200" lvl="1" indent="0">
+              <a:buNone/>
+            </a:pPr>
+            <a:r>
+              <a:rPr lang="en-IN" dirty="0" smtClean="0"/>
+              <a:t>An </a:t>
+            </a:r>
+            <a:r>
+              <a:rPr lang="en-IN" dirty="0"/>
+              <a:t>interface with a single abstract method. </a:t>
+            </a:r>
+            <a:endParaRPr lang="en-IN" dirty="0" smtClean="0"/>
+          </a:p>
+          <a:p>
+            <a:pPr marL="457200" lvl="1" indent="0">
+              <a:buNone/>
+            </a:pPr>
+            <a:endParaRPr lang="en-IN" dirty="0" smtClean="0"/>
+          </a:p>
+          <a:p>
+            <a:pPr marL="400050" lvl="1" indent="0">
+              <a:buNone/>
+            </a:pPr>
+            <a:endParaRPr lang="en-IN" dirty="0"/>
+          </a:p>
+        </p:txBody>
+      </p:sp>
+    </p:spTree>
+    <p:extLst>
+      <p:ext uri="{BB962C8B-B14F-4D97-AF65-F5344CB8AC3E}">
+        <p14:creationId xmlns:p14="http://schemas.microsoft.com/office/powerpoint/2010/main" val="690529391"/>
+      </p:ext>
+    </p:extLst>
+  </p:cSld>
+  <p:clrMapOvr>
+    <a:masterClrMapping/>
+  </p:clrMapOvr>
+</p:sld>
+</file>
+
+<file path=ppt/slides/slide16.xml><?xml version="1.0" encoding="utf-8"?>
+<p:sld xmlns:a="http://schemas.openxmlformats.org/drawingml/2006/main" xmlns:r="http://schemas.openxmlformats.org/officeDocument/2006/relationships" xmlns:p="http://schemas.openxmlformats.org/presentationml/2006/main">
+  <p:cSld>
+    <p:spTree>
+      <p:nvGrpSpPr>
+        <p:cNvPr id="1" name=""/>
+        <p:cNvGrpSpPr/>
+        <p:nvPr/>
+      </p:nvGrpSpPr>
+      <p:grpSpPr>
+        <a:xfrm>
+          <a:off x="0" y="0"/>
+          <a:ext cx="0" cy="0"/>
+          <a:chOff x="0" y="0"/>
+          <a:chExt cx="0" cy="0"/>
+        </a:xfrm>
+      </p:grpSpPr>
+      <p:sp>
+        <p:nvSpPr>
+          <p:cNvPr id="2" name="Title 1"/>
+          <p:cNvSpPr>
+            <a:spLocks noGrp="1"/>
+          </p:cNvSpPr>
+          <p:nvPr>
+            <p:ph type="title"/>
+          </p:nvPr>
+        </p:nvSpPr>
+        <p:spPr>
+          <a:xfrm>
+            <a:off x="677334" y="142504"/>
+            <a:ext cx="8596668" cy="878774"/>
+          </a:xfrm>
+        </p:spPr>
+        <p:txBody>
+          <a:bodyPr>
+            <a:normAutofit/>
+          </a:bodyPr>
+          <a:lstStyle/>
+          <a:p>
+            <a:r>
+              <a:rPr lang="en-IN" dirty="0" smtClean="0"/>
+              <a:t>Lambda summary till now contd.</a:t>
+            </a:r>
+            <a:endParaRPr lang="en-IN" dirty="0"/>
+          </a:p>
+        </p:txBody>
+      </p:sp>
+      <p:sp>
+        <p:nvSpPr>
+          <p:cNvPr id="3" name="Content Placeholder 2"/>
+          <p:cNvSpPr>
+            <a:spLocks noGrp="1"/>
+          </p:cNvSpPr>
+          <p:nvPr>
+            <p:ph idx="1"/>
+          </p:nvPr>
+        </p:nvSpPr>
+        <p:spPr>
+          <a:xfrm>
+            <a:off x="677334" y="1021279"/>
+            <a:ext cx="8739798" cy="5712030"/>
+          </a:xfrm>
+        </p:spPr>
+        <p:txBody>
+          <a:bodyPr>
+            <a:normAutofit fontScale="85000" lnSpcReduction="20000"/>
+          </a:bodyPr>
+          <a:lstStyle/>
+          <a:p>
+            <a:pPr marL="457200" lvl="1" indent="0">
+              <a:buNone/>
+            </a:pPr>
+            <a:r>
+              <a:rPr lang="en-IN" sz="1500" dirty="0" smtClean="0"/>
+              <a:t> </a:t>
+            </a:r>
+          </a:p>
+          <a:p>
+            <a:pPr marL="457200" lvl="1" indent="0">
+              <a:buNone/>
+            </a:pPr>
+            <a:r>
+              <a:rPr lang="en-IN" dirty="0" smtClean="0"/>
+              <a:t>For </a:t>
+            </a:r>
+            <a:r>
+              <a:rPr lang="en-IN" dirty="0"/>
+              <a:t>an anonymous inner class type definition and instance creation are tied together. How are lambda expression translated? </a:t>
+            </a:r>
+            <a:endParaRPr lang="en-IN" dirty="0" smtClean="0"/>
+          </a:p>
+          <a:p>
+            <a:pPr marL="457200" lvl="1" indent="0">
+              <a:buNone/>
+            </a:pPr>
+            <a:r>
+              <a:rPr lang="en-IN" dirty="0" smtClean="0"/>
+              <a:t>Creation </a:t>
+            </a:r>
+            <a:r>
+              <a:rPr lang="en-IN" dirty="0"/>
+              <a:t>of the lambda object and its type  is implicitly taken care of by the virtual machine; it is done at runtime</a:t>
+            </a:r>
+            <a:endParaRPr lang="en-IN" dirty="0" smtClean="0"/>
+          </a:p>
+          <a:p>
+            <a:pPr marL="400050" lvl="1" indent="0">
+              <a:buNone/>
+            </a:pPr>
+            <a:r>
+              <a:rPr lang="en-IN" dirty="0"/>
+              <a:t>Anonymous inner class can have bindings to variables of the enclosing scope.  Is the same true for lambdas? </a:t>
+            </a:r>
+            <a:endParaRPr lang="en-IN" dirty="0" smtClean="0"/>
+          </a:p>
+          <a:p>
+            <a:pPr marL="400050" lvl="1" indent="0">
+              <a:buNone/>
+            </a:pPr>
+            <a:r>
+              <a:rPr lang="en-IN" dirty="0" smtClean="0"/>
+              <a:t>Yes</a:t>
+            </a:r>
+            <a:r>
+              <a:rPr lang="en-IN" dirty="0"/>
+              <a:t>, lambda expressions can capture effectively final variables from their enclosing scope and can bind to the </a:t>
+            </a:r>
+            <a:r>
+              <a:rPr lang="en-IN" dirty="0" smtClean="0"/>
+              <a:t>enclosing </a:t>
+            </a:r>
+            <a:r>
+              <a:rPr lang="en-IN" dirty="0"/>
+              <a:t>instance via this and super. </a:t>
+            </a:r>
+            <a:endParaRPr lang="en-IN" dirty="0" smtClean="0"/>
+          </a:p>
+          <a:p>
+            <a:pPr marL="400050" lvl="1" indent="0">
+              <a:buNone/>
+            </a:pPr>
+            <a:r>
+              <a:rPr lang="en-IN" dirty="0"/>
+              <a:t>An anonymous inner class is a name scope of its own. How about lambda expressions? Lambda expressions are part of the scope in which they appear; they are not scopes of their own. </a:t>
+            </a:r>
+            <a:endParaRPr lang="en-IN" dirty="0" smtClean="0"/>
+          </a:p>
+          <a:p>
+            <a:pPr marL="400050" lvl="1" indent="0">
+              <a:buNone/>
+            </a:pPr>
+            <a:r>
+              <a:rPr lang="en-IN" dirty="0"/>
+              <a:t>What does this refer to in a lambda expression</a:t>
+            </a:r>
+            <a:r>
+              <a:rPr lang="en-IN" dirty="0" smtClean="0"/>
+              <a:t>?</a:t>
+            </a:r>
+          </a:p>
+          <a:p>
+            <a:pPr marL="400050" lvl="1" indent="0">
+              <a:buNone/>
+            </a:pPr>
+            <a:r>
+              <a:rPr lang="en-IN" dirty="0" smtClean="0"/>
+              <a:t> </a:t>
+            </a:r>
+            <a:r>
+              <a:rPr lang="en-IN" dirty="0"/>
+              <a:t>It refers to the enclosing instance (different from an anonymous class where this refers to the inner class's </a:t>
+            </a:r>
+            <a:r>
+              <a:rPr lang="en-IN" dirty="0" smtClean="0"/>
+              <a:t>instance). </a:t>
+            </a:r>
+          </a:p>
+          <a:p>
+            <a:pPr marL="400050" lvl="1" indent="0">
+              <a:buNone/>
+            </a:pPr>
+            <a:r>
+              <a:rPr lang="en-IN" dirty="0"/>
+              <a:t>What do we need lambda expressions in Java for? </a:t>
+            </a:r>
+            <a:endParaRPr lang="en-IN" dirty="0" smtClean="0"/>
+          </a:p>
+          <a:p>
+            <a:pPr marL="400050" lvl="1" indent="0">
+              <a:buNone/>
+            </a:pPr>
+            <a:r>
+              <a:rPr lang="en-IN" dirty="0" smtClean="0"/>
+              <a:t>To </a:t>
+            </a:r>
+            <a:r>
+              <a:rPr lang="en-IN" dirty="0"/>
+              <a:t>enable convenient use of the overhauled collection framework in general and it parallel bulk operations in </a:t>
+            </a:r>
+            <a:r>
+              <a:rPr lang="en-IN" dirty="0" smtClean="0"/>
+              <a:t>particular</a:t>
+            </a:r>
+          </a:p>
+          <a:p>
+            <a:pPr marL="400050" lvl="1" indent="0">
+              <a:buNone/>
+            </a:pPr>
+            <a:r>
+              <a:rPr lang="en-IN" dirty="0"/>
+              <a:t>What is a bulk operation? </a:t>
+            </a:r>
+            <a:endParaRPr lang="en-IN" dirty="0" smtClean="0"/>
+          </a:p>
+          <a:p>
+            <a:pPr marL="400050" lvl="1" indent="0">
+              <a:buNone/>
+            </a:pPr>
+            <a:r>
+              <a:rPr lang="en-IN" dirty="0" smtClean="0"/>
+              <a:t>An </a:t>
+            </a:r>
+            <a:r>
+              <a:rPr lang="en-IN" dirty="0"/>
+              <a:t>operation that concern many or all elements in a </a:t>
+            </a:r>
+            <a:r>
+              <a:rPr lang="en-IN" dirty="0" smtClean="0"/>
+              <a:t>sequence</a:t>
+            </a:r>
+            <a:r>
+              <a:rPr lang="en-IN" dirty="0"/>
+              <a:t>. </a:t>
+            </a:r>
+            <a:endParaRPr lang="en-IN" dirty="0" smtClean="0"/>
+          </a:p>
+          <a:p>
+            <a:pPr marL="400050" lvl="1" indent="0">
+              <a:buNone/>
+            </a:pPr>
+            <a:r>
+              <a:rPr lang="en-IN" dirty="0"/>
+              <a:t>What is internal and external iteration</a:t>
+            </a:r>
+            <a:r>
+              <a:rPr lang="en-IN" dirty="0" smtClean="0"/>
+              <a:t>?</a:t>
+            </a:r>
+          </a:p>
+          <a:p>
+            <a:pPr marL="400050" lvl="1" indent="0">
+              <a:buNone/>
+            </a:pPr>
+            <a:r>
+              <a:rPr lang="en-IN" dirty="0" smtClean="0"/>
+              <a:t> </a:t>
+            </a:r>
+            <a:r>
+              <a:rPr lang="en-IN" dirty="0"/>
+              <a:t>External iteration uses an iterator for access to all sequence elements. Internal iteration is performed by the sequence itself; the user just supplies an operation to be applied to all sequence elements. </a:t>
+            </a:r>
+          </a:p>
+        </p:txBody>
+      </p:sp>
+    </p:spTree>
+    <p:extLst>
+      <p:ext uri="{BB962C8B-B14F-4D97-AF65-F5344CB8AC3E}">
+        <p14:creationId xmlns:p14="http://schemas.microsoft.com/office/powerpoint/2010/main" val="2373814068"/>
+      </p:ext>
+    </p:extLst>
+  </p:cSld>
+  <p:clrMapOvr>
+    <a:masterClrMapping/>
+  </p:clrMapOvr>
+</p:sld>
+</file>
+
+<file path=ppt/slides/slide17.xml><?xml version="1.0" encoding="utf-8"?>
+<p:sld xmlns:a="http://schemas.openxmlformats.org/drawingml/2006/main" xmlns:r="http://schemas.openxmlformats.org/officeDocument/2006/relationships" xmlns:p="http://schemas.openxmlformats.org/presentationml/2006/main">
+  <p:cSld>
+    <p:spTree>
+      <p:nvGrpSpPr>
+        <p:cNvPr id="1" name=""/>
+        <p:cNvGrpSpPr/>
+        <p:nvPr/>
+      </p:nvGrpSpPr>
+      <p:grpSpPr>
+        <a:xfrm>
+          <a:off x="0" y="0"/>
+          <a:ext cx="0" cy="0"/>
+          <a:chOff x="0" y="0"/>
+          <a:chExt cx="0" cy="0"/>
+        </a:xfrm>
+      </p:grpSpPr>
+      <p:sp>
+        <p:nvSpPr>
+          <p:cNvPr id="2" name="Title 1"/>
+          <p:cNvSpPr>
+            <a:spLocks noGrp="1"/>
+          </p:cNvSpPr>
+          <p:nvPr>
+            <p:ph type="title"/>
+          </p:nvPr>
+        </p:nvSpPr>
+        <p:spPr>
+          <a:xfrm>
+            <a:off x="677334" y="142504"/>
+            <a:ext cx="8596668" cy="878774"/>
+          </a:xfrm>
+        </p:spPr>
+        <p:txBody>
+          <a:bodyPr>
+            <a:normAutofit/>
+          </a:bodyPr>
+          <a:lstStyle/>
+          <a:p>
+            <a:r>
+              <a:rPr lang="en-IN" dirty="0" smtClean="0"/>
+              <a:t>Lambda summary till now contd.</a:t>
+            </a:r>
+            <a:endParaRPr lang="en-IN" dirty="0"/>
+          </a:p>
+        </p:txBody>
+      </p:sp>
+      <p:sp>
+        <p:nvSpPr>
+          <p:cNvPr id="3" name="Content Placeholder 2"/>
+          <p:cNvSpPr>
+            <a:spLocks noGrp="1"/>
+          </p:cNvSpPr>
+          <p:nvPr>
+            <p:ph idx="1"/>
+          </p:nvPr>
+        </p:nvSpPr>
+        <p:spPr>
+          <a:xfrm>
+            <a:off x="677334" y="1021279"/>
+            <a:ext cx="8739798" cy="5712030"/>
+          </a:xfrm>
+        </p:spPr>
+        <p:txBody>
+          <a:bodyPr>
+            <a:normAutofit fontScale="85000" lnSpcReduction="20000"/>
+          </a:bodyPr>
+          <a:lstStyle/>
+          <a:p>
+            <a:pPr marL="457200" lvl="1" indent="0">
+              <a:buNone/>
+            </a:pPr>
+            <a:r>
+              <a:rPr lang="en-IN" sz="1500" dirty="0" smtClean="0"/>
+              <a:t> </a:t>
+            </a:r>
+          </a:p>
+          <a:p>
+            <a:pPr marL="457200" lvl="1" indent="0">
+              <a:buNone/>
+            </a:pPr>
+            <a:r>
+              <a:rPr lang="en-IN" dirty="0" smtClean="0"/>
+              <a:t>For </a:t>
+            </a:r>
+            <a:r>
+              <a:rPr lang="en-IN" dirty="0"/>
+              <a:t>an anonymous inner class type definition and instance creation are tied together. How are lambda expression translated? </a:t>
+            </a:r>
+            <a:endParaRPr lang="en-IN" dirty="0" smtClean="0"/>
+          </a:p>
+          <a:p>
+            <a:pPr marL="457200" lvl="1" indent="0">
+              <a:buNone/>
+            </a:pPr>
+            <a:r>
+              <a:rPr lang="en-IN" dirty="0" smtClean="0"/>
+              <a:t>Creation </a:t>
+            </a:r>
+            <a:r>
+              <a:rPr lang="en-IN" dirty="0"/>
+              <a:t>of the lambda object and its type  is implicitly taken care of by the virtual machine; it is done at runtime</a:t>
+            </a:r>
+            <a:endParaRPr lang="en-IN" dirty="0" smtClean="0"/>
+          </a:p>
+          <a:p>
+            <a:pPr marL="400050" lvl="1" indent="0">
+              <a:buNone/>
+            </a:pPr>
+            <a:r>
+              <a:rPr lang="en-IN" dirty="0"/>
+              <a:t>Anonymous inner class can have bindings to variables of the enclosing scope.  Is the same true for lambdas? </a:t>
+            </a:r>
+            <a:endParaRPr lang="en-IN" dirty="0" smtClean="0"/>
+          </a:p>
+          <a:p>
+            <a:pPr marL="400050" lvl="1" indent="0">
+              <a:buNone/>
+            </a:pPr>
+            <a:r>
+              <a:rPr lang="en-IN" dirty="0" smtClean="0"/>
+              <a:t>Yes</a:t>
+            </a:r>
+            <a:r>
+              <a:rPr lang="en-IN" dirty="0"/>
+              <a:t>, lambda expressions can capture effectively final variables from their enclosing scope and can bind to the </a:t>
+            </a:r>
+            <a:r>
+              <a:rPr lang="en-IN" dirty="0" smtClean="0"/>
+              <a:t>enclosing </a:t>
+            </a:r>
+            <a:r>
+              <a:rPr lang="en-IN" dirty="0"/>
+              <a:t>instance via this and super. </a:t>
+            </a:r>
+            <a:endParaRPr lang="en-IN" dirty="0" smtClean="0"/>
+          </a:p>
+          <a:p>
+            <a:pPr marL="400050" lvl="1" indent="0">
+              <a:buNone/>
+            </a:pPr>
+            <a:r>
+              <a:rPr lang="en-IN" dirty="0"/>
+              <a:t>An anonymous inner class is a name scope of its own. How about lambda expressions? Lambda expressions are part of the scope in which they appear; they are not scopes of their own. </a:t>
+            </a:r>
+            <a:endParaRPr lang="en-IN" dirty="0" smtClean="0"/>
+          </a:p>
+          <a:p>
+            <a:pPr marL="400050" lvl="1" indent="0">
+              <a:buNone/>
+            </a:pPr>
+            <a:r>
+              <a:rPr lang="en-IN" dirty="0"/>
+              <a:t>What does this refer to in a lambda expression</a:t>
+            </a:r>
+            <a:r>
+              <a:rPr lang="en-IN" dirty="0" smtClean="0"/>
+              <a:t>?</a:t>
+            </a:r>
+          </a:p>
+          <a:p>
+            <a:pPr marL="400050" lvl="1" indent="0">
+              <a:buNone/>
+            </a:pPr>
+            <a:r>
+              <a:rPr lang="en-IN" dirty="0" smtClean="0"/>
+              <a:t> </a:t>
+            </a:r>
+            <a:r>
+              <a:rPr lang="en-IN" dirty="0"/>
+              <a:t>It refers to the enclosing instance (different from an anonymous class where this refers to the inner class's </a:t>
+            </a:r>
+            <a:r>
+              <a:rPr lang="en-IN" dirty="0" smtClean="0"/>
+              <a:t>instance). </a:t>
+            </a:r>
+          </a:p>
+          <a:p>
+            <a:pPr marL="400050" lvl="1" indent="0">
+              <a:buNone/>
+            </a:pPr>
+            <a:r>
+              <a:rPr lang="en-IN" dirty="0"/>
+              <a:t>What do we need lambda expressions in Java for? </a:t>
+            </a:r>
+            <a:endParaRPr lang="en-IN" dirty="0" smtClean="0"/>
+          </a:p>
+          <a:p>
+            <a:pPr marL="400050" lvl="1" indent="0">
+              <a:buNone/>
+            </a:pPr>
+            <a:r>
+              <a:rPr lang="en-IN" dirty="0" smtClean="0"/>
+              <a:t>To </a:t>
+            </a:r>
+            <a:r>
+              <a:rPr lang="en-IN" dirty="0"/>
+              <a:t>enable convenient use of the overhauled collection framework in general and it parallel bulk operations in </a:t>
+            </a:r>
+            <a:r>
+              <a:rPr lang="en-IN" dirty="0" smtClean="0"/>
+              <a:t>particular</a:t>
+            </a:r>
+          </a:p>
+          <a:p>
+            <a:pPr marL="400050" lvl="1" indent="0">
+              <a:buNone/>
+            </a:pPr>
+            <a:r>
+              <a:rPr lang="en-IN" dirty="0"/>
+              <a:t>What is a bulk operation? </a:t>
+            </a:r>
+            <a:endParaRPr lang="en-IN" dirty="0" smtClean="0"/>
+          </a:p>
+          <a:p>
+            <a:pPr marL="400050" lvl="1" indent="0">
+              <a:buNone/>
+            </a:pPr>
+            <a:r>
+              <a:rPr lang="en-IN" dirty="0" smtClean="0"/>
+              <a:t>An </a:t>
+            </a:r>
+            <a:r>
+              <a:rPr lang="en-IN" dirty="0"/>
+              <a:t>operation that concern many or all elements in a </a:t>
+            </a:r>
+            <a:r>
+              <a:rPr lang="en-IN" dirty="0" smtClean="0"/>
+              <a:t>sequence</a:t>
+            </a:r>
+            <a:r>
+              <a:rPr lang="en-IN" dirty="0"/>
+              <a:t>. </a:t>
+            </a:r>
+            <a:endParaRPr lang="en-IN" dirty="0" smtClean="0"/>
+          </a:p>
+          <a:p>
+            <a:pPr marL="400050" lvl="1" indent="0">
+              <a:buNone/>
+            </a:pPr>
+            <a:r>
+              <a:rPr lang="en-IN" dirty="0"/>
+              <a:t>What is internal and external iteration</a:t>
+            </a:r>
+            <a:r>
+              <a:rPr lang="en-IN" dirty="0" smtClean="0"/>
+              <a:t>?</a:t>
+            </a:r>
+          </a:p>
+          <a:p>
+            <a:pPr marL="400050" lvl="1" indent="0">
+              <a:buNone/>
+            </a:pPr>
+            <a:r>
+              <a:rPr lang="en-IN" dirty="0" smtClean="0"/>
+              <a:t> </a:t>
+            </a:r>
+            <a:r>
+              <a:rPr lang="en-IN" dirty="0"/>
+              <a:t>External iteration uses an iterator for access to all sequence elements. Internal iteration is performed by the sequence itself; the user just supplies an operation to be applied to all sequence elements. </a:t>
+            </a:r>
+          </a:p>
+        </p:txBody>
+      </p:sp>
+    </p:spTree>
+    <p:extLst>
+      <p:ext uri="{BB962C8B-B14F-4D97-AF65-F5344CB8AC3E}">
+        <p14:creationId xmlns:p14="http://schemas.microsoft.com/office/powerpoint/2010/main" val="4097610729"/>
+      </p:ext>
+    </p:extLst>
+  </p:cSld>
+  <p:clrMapOvr>
+    <a:masterClrMapping/>
+  </p:clrMapOvr>
 </p:sld>
 </file>
 
@@ -9420,7 +8508,7 @@
           <a:p>
             <a:r>
               <a:rPr lang="en-IN" dirty="0" smtClean="0"/>
-              <a:t>Lambda summary till now.</a:t>
+              <a:t>Lambda summary till now contd.</a:t>
             </a:r>
             <a:endParaRPr lang="en-IN" dirty="0"/>
           </a:p>
@@ -9452,8 +8540,8 @@
               <a:buNone/>
             </a:pPr>
             <a:r>
-              <a:rPr lang="en-IN" sz="1500" dirty="0"/>
-              <a:t>Why does the Java programming language need lambda expressions?</a:t>
+              <a:rPr lang="en-IN" sz="1500" dirty="0" smtClean="0"/>
+              <a:t> </a:t>
             </a:r>
           </a:p>
           <a:p>
@@ -9461,147 +8549,140 @@
               <a:buNone/>
             </a:pPr>
             <a:r>
-              <a:rPr lang="en-IN" sz="1500" dirty="0"/>
-              <a:t> Because many modern programming languages have a similar language features., as a preparation for </a:t>
-            </a:r>
-            <a:r>
-              <a:rPr lang="en-IN" sz="1500" dirty="0" err="1"/>
-              <a:t>finegrained</a:t>
-            </a:r>
-            <a:r>
-              <a:rPr lang="en-IN" sz="1500" dirty="0"/>
-              <a:t> automated parallelization on multi-core hardware, in particular for bulk operations on collections</a:t>
-            </a:r>
+              <a:rPr lang="en-IN" dirty="0" smtClean="0"/>
+              <a:t>For </a:t>
+            </a:r>
+            <a:r>
+              <a:rPr lang="en-IN" dirty="0"/>
+              <a:t>an anonymous inner class type definition and instance creation are tied together. How are lambda expression translated? </a:t>
+            </a:r>
+            <a:endParaRPr lang="en-IN" dirty="0" smtClean="0"/>
           </a:p>
           <a:p>
             <a:pPr marL="457200" lvl="1" indent="0">
               <a:buNone/>
             </a:pPr>
             <a:r>
-              <a:rPr lang="en-IN" sz="1500" dirty="0"/>
-              <a:t>What is a lambda expression in Java? </a:t>
-            </a:r>
-          </a:p>
-          <a:p>
-            <a:pPr marL="457200" lvl="1" indent="0">
-              <a:buNone/>
-            </a:pPr>
-            <a:r>
-              <a:rPr lang="en-IN" sz="1500" dirty="0"/>
-              <a:t>A concise notation for a method without a name. </a:t>
-            </a:r>
-          </a:p>
-          <a:p>
-            <a:pPr marL="457200" lvl="1" indent="0">
-              <a:buNone/>
-            </a:pPr>
-            <a:r>
-              <a:rPr lang="en-IN" sz="1500" dirty="0"/>
-              <a:t>What do lambda expression and anonymous inner classes have in common? </a:t>
-            </a:r>
-          </a:p>
-          <a:p>
-            <a:pPr marL="457200" lvl="1" indent="0">
-              <a:buNone/>
-            </a:pPr>
-            <a:r>
-              <a:rPr lang="en-IN" sz="1500" dirty="0"/>
-              <a:t>Both are used to implement ad-hoc functionality aka anonymous methods. </a:t>
-            </a:r>
-          </a:p>
-          <a:p>
-            <a:pPr marL="457200" lvl="1" indent="0">
-              <a:buNone/>
-            </a:pPr>
-            <a:r>
-              <a:rPr lang="en-IN" sz="1500" dirty="0"/>
-              <a:t>What is a method? What is a function? How do they differ?</a:t>
-            </a:r>
-          </a:p>
-          <a:p>
-            <a:pPr marL="457200" lvl="1" indent="0">
-              <a:buNone/>
-            </a:pPr>
-            <a:r>
-              <a:rPr lang="en-IN" sz="1500" dirty="0"/>
-              <a:t> Functions are executed, but also passed around like data. They do not mutate data; they just produce new results. The order of their invocation does not matter. Methods are executed and may mutate data and produce side effects. The invocation order matters. </a:t>
-            </a:r>
-          </a:p>
-          <a:p>
-            <a:pPr marL="457200" lvl="1" indent="0">
-              <a:buNone/>
-            </a:pPr>
-            <a:r>
-              <a:rPr lang="en-IN" sz="1500" dirty="0"/>
-              <a:t> How is a lambda expression represented at runtime?</a:t>
-            </a:r>
-          </a:p>
-          <a:p>
-            <a:pPr marL="457200" lvl="1" indent="0">
-              <a:buNone/>
-            </a:pPr>
-            <a:r>
-              <a:rPr lang="en-IN" sz="1500" dirty="0"/>
-              <a:t>By a lambda object; both the lambda object and its type are dynamically created by the virtual machine at runtime. </a:t>
-            </a:r>
-          </a:p>
-          <a:p>
-            <a:pPr marL="457200" lvl="1" indent="0">
-              <a:buNone/>
-            </a:pPr>
-            <a:r>
-              <a:rPr lang="en-IN" sz="1500" dirty="0"/>
-              <a:t>6. What is the type of a lambda expression? </a:t>
-            </a:r>
-          </a:p>
-          <a:p>
-            <a:pPr marL="457200" lvl="1" indent="0">
-              <a:buNone/>
-            </a:pPr>
-            <a:r>
-              <a:rPr lang="en-IN" sz="1500" dirty="0"/>
-              <a:t>In isolation a lambda expression has no definite type; its type depends on the context in which it appears and is inferred by the compiler.</a:t>
-            </a:r>
-          </a:p>
-          <a:p>
-            <a:pPr marL="457200" lvl="1" indent="0">
-              <a:buNone/>
-            </a:pPr>
-            <a:r>
-              <a:rPr lang="en-IN" dirty="0"/>
-              <a:t>What is the target type of a lambda expression? </a:t>
+              <a:rPr lang="en-IN" dirty="0" smtClean="0"/>
+              <a:t>Creation </a:t>
+            </a:r>
+            <a:r>
+              <a:rPr lang="en-IN" dirty="0"/>
+              <a:t>of the lambda object and its type  is implicitly taken care of by the virtual machine; it is done at runtime</a:t>
             </a:r>
             <a:endParaRPr lang="en-IN" dirty="0" smtClean="0"/>
           </a:p>
           <a:p>
-            <a:pPr marL="457200" lvl="1" indent="0">
-              <a:buNone/>
-            </a:pPr>
-            <a:r>
-              <a:rPr lang="en-IN" dirty="0" smtClean="0"/>
-              <a:t>A </a:t>
-            </a:r>
-            <a:r>
-              <a:rPr lang="en-IN" dirty="0"/>
-              <a:t>type to which the lambda expression can be converted in a given context; the target type must be a functional interface type. </a:t>
-            </a:r>
-          </a:p>
-          <a:p>
-            <a:pPr marL="457200" lvl="1" indent="0">
-              <a:buNone/>
-            </a:pPr>
-            <a:r>
-              <a:rPr lang="en-IN" dirty="0" smtClean="0"/>
-              <a:t>What </a:t>
-            </a:r>
-            <a:r>
-              <a:rPr lang="en-IN" dirty="0"/>
-              <a:t>is a functional interface? </a:t>
+            <a:pPr marL="400050" lvl="1" indent="0">
+              <a:buNone/>
+            </a:pPr>
+            <a:r>
+              <a:rPr lang="en-IN" dirty="0"/>
+              <a:t>Anonymous inner class can have bindings to variables of the enclosing scope.  Is the same true for lambdas? </a:t>
             </a:r>
             <a:endParaRPr lang="en-IN" dirty="0" smtClean="0"/>
           </a:p>
           <a:p>
-            <a:pPr marL="457200" lvl="1" indent="0">
+            <a:pPr marL="400050" lvl="1" indent="0">
+              <a:buNone/>
+            </a:pPr>
+            <a:r>
+              <a:rPr lang="en-IN" dirty="0" smtClean="0"/>
+              <a:t>Yes</a:t>
+            </a:r>
+            <a:r>
+              <a:rPr lang="en-IN" dirty="0"/>
+              <a:t>, lambda expressions can capture effectively final variables from their enclosing scope and can bind to the </a:t>
+            </a:r>
+            <a:r>
+              <a:rPr lang="en-IN" dirty="0" smtClean="0"/>
+              <a:t>enclosing </a:t>
+            </a:r>
+            <a:r>
+              <a:rPr lang="en-IN" dirty="0"/>
+              <a:t>instance via this and super. </a:t>
+            </a:r>
+            <a:endParaRPr lang="en-IN" dirty="0" smtClean="0"/>
+          </a:p>
+          <a:p>
+            <a:pPr marL="400050" lvl="1" indent="0">
+              <a:buNone/>
+            </a:pPr>
+            <a:r>
+              <a:rPr lang="en-IN" dirty="0"/>
+              <a:t>An anonymous inner class is a name scope of its own. How about lambda expressions? Lambda expressions are part of the scope in which they appear; they are not scopes of their own. </a:t>
+            </a:r>
+            <a:endParaRPr lang="en-IN" dirty="0" smtClean="0"/>
+          </a:p>
+          <a:p>
+            <a:pPr marL="400050" lvl="1" indent="0">
+              <a:buNone/>
+            </a:pPr>
+            <a:r>
+              <a:rPr lang="en-IN" dirty="0"/>
+              <a:t>What does this refer to in a lambda expression</a:t>
+            </a:r>
+            <a:r>
+              <a:rPr lang="en-IN" dirty="0" smtClean="0"/>
+              <a:t>?</a:t>
+            </a:r>
+          </a:p>
+          <a:p>
+            <a:pPr marL="400050" lvl="1" indent="0">
+              <a:buNone/>
+            </a:pPr>
+            <a:r>
+              <a:rPr lang="en-IN" dirty="0" smtClean="0"/>
+              <a:t> </a:t>
+            </a:r>
+            <a:r>
+              <a:rPr lang="en-IN" dirty="0"/>
+              <a:t>It refers to the enclosing instance (different from an anonymous class where this refers to the inner class's </a:t>
+            </a:r>
+            <a:r>
+              <a:rPr lang="en-IN" dirty="0" smtClean="0"/>
+              <a:t>instance). </a:t>
+            </a:r>
+          </a:p>
+          <a:p>
+            <a:pPr marL="400050" lvl="1" indent="0">
+              <a:buNone/>
+            </a:pPr>
+            <a:r>
+              <a:rPr lang="en-IN" dirty="0"/>
+              <a:t>What do we need lambda expressions in Java for? </a:t>
+            </a:r>
+            <a:endParaRPr lang="en-IN" dirty="0" smtClean="0"/>
+          </a:p>
+          <a:p>
+            <a:pPr marL="400050" lvl="1" indent="0">
+              <a:buNone/>
+            </a:pPr>
+            <a:r>
+              <a:rPr lang="en-IN" dirty="0" smtClean="0"/>
+              <a:t>To </a:t>
+            </a:r>
+            <a:r>
+              <a:rPr lang="en-IN" dirty="0"/>
+              <a:t>enable convenient use of the overhauled collection framework in general and it parallel bulk operations in </a:t>
+            </a:r>
+            <a:r>
+              <a:rPr lang="en-IN" dirty="0" smtClean="0"/>
+              <a:t>particular</a:t>
+            </a:r>
+          </a:p>
+          <a:p>
+            <a:pPr marL="400050" lvl="1" indent="0">
+              <a:buNone/>
+            </a:pPr>
+            <a:r>
+              <a:rPr lang="en-IN" dirty="0"/>
+              <a:t>What is a bulk operation? </a:t>
+            </a:r>
+            <a:endParaRPr lang="en-IN" dirty="0" smtClean="0"/>
+          </a:p>
+          <a:p>
+            <a:pPr marL="400050" lvl="1" indent="0">
               <a:buNone/>
             </a:pPr>
             <a:r>
@@ -9610,28 +8691,50 @@
             </a:r>
             <a:r>
               <a:rPr lang="en-IN" dirty="0"/>
-              <a:t>interface with a single abstract method. </a:t>
+              <a:t>operation that concern many or all elements in a </a:t>
+            </a:r>
+            <a:r>
+              <a:rPr lang="en-IN" dirty="0" smtClean="0"/>
+              <a:t>sequence</a:t>
+            </a:r>
+            <a:r>
+              <a:rPr lang="en-IN" dirty="0"/>
+              <a:t>. </a:t>
             </a:r>
             <a:endParaRPr lang="en-IN" dirty="0" smtClean="0"/>
           </a:p>
           <a:p>
-            <a:pPr marL="457200" lvl="1" indent="0">
-              <a:buNone/>
-            </a:pPr>
-            <a:endParaRPr lang="en-IN" dirty="0" smtClean="0"/>
-          </a:p>
-          <a:p>
             <a:pPr marL="400050" lvl="1" indent="0">
               <a:buNone/>
             </a:pPr>
-            <a:endParaRPr lang="en-IN" dirty="0"/>
+            <a:r>
+              <a:rPr lang="en-IN" dirty="0"/>
+              <a:t>What is internal and external iteration</a:t>
+            </a:r>
+            <a:r>
+              <a:rPr lang="en-IN" dirty="0" smtClean="0"/>
+              <a:t>?</a:t>
+            </a:r>
+          </a:p>
+          <a:p>
+            <a:pPr marL="400050" lvl="1" indent="0">
+              <a:buNone/>
+            </a:pPr>
+            <a:r>
+              <a:rPr lang="en-IN" dirty="0" smtClean="0"/>
+              <a:t> </a:t>
+            </a:r>
+            <a:r>
+              <a:rPr lang="en-IN" dirty="0"/>
+              <a:t>External iteration uses an iterator for access to all sequence elements. Internal iteration is performed by the sequence itself; the user just supplies an operation to be applied to all sequence elements. </a:t>
+            </a:r>
           </a:p>
         </p:txBody>
       </p:sp>
     </p:spTree>
     <p:extLst>
       <p:ext uri="{BB962C8B-B14F-4D97-AF65-F5344CB8AC3E}">
-        <p14:creationId xmlns:p14="http://schemas.microsoft.com/office/powerpoint/2010/main" val="690529391"/>
+        <p14:creationId xmlns:p14="http://schemas.microsoft.com/office/powerpoint/2010/main" val="1612764886"/>
       </p:ext>
     </p:extLst>
   </p:cSld>
@@ -9671,7 +8774,7 @@
         <p:spPr>
           <a:xfrm>
             <a:off x="677334" y="142504"/>
-            <a:ext cx="8596668" cy="878774"/>
+            <a:ext cx="8596668" cy="712519"/>
           </a:xfrm>
         </p:spPr>
         <p:txBody>
@@ -9706,7 +8809,7 @@
         </p:spPr>
         <p:txBody>
           <a:bodyPr>
-            <a:normAutofit fontScale="85000" lnSpcReduction="20000"/>
+            <a:normAutofit fontScale="70000" lnSpcReduction="20000"/>
           </a:bodyPr>
           <a:lstStyle/>
           <a:p>
@@ -9723,12 +8826,8 @@
               <a:buNone/>
             </a:pPr>
             <a:r>
-              <a:rPr lang="en-IN" dirty="0" smtClean="0"/>
-              <a:t>For </a:t>
-            </a:r>
-            <a:r>
-              <a:rPr lang="en-IN" dirty="0"/>
-              <a:t>an anonymous inner class type definition and instance creation are tied together. How are lambda expression translated? </a:t>
+              <a:rPr lang="en-IN" dirty="0"/>
+              <a:t>What is the syntax for a lambda expression? </a:t>
             </a:r>
             <a:endParaRPr lang="en-IN" dirty="0" smtClean="0"/>
           </a:p>
@@ -9738,63 +8837,156 @@
             </a:pPr>
             <a:r>
               <a:rPr lang="en-IN" dirty="0" smtClean="0"/>
-              <a:t>Creation </a:t>
-            </a:r>
-            <a:r>
-              <a:rPr lang="en-IN" dirty="0"/>
-              <a:t>of the lambda object and its type  is implicitly taken care of by the virtual machine; it is done at runtime</a:t>
+              <a:t>It </a:t>
+            </a:r>
+            <a:r>
+              <a:rPr lang="en-IN" dirty="0"/>
+              <a:t>consists of a parameter list, the "-&gt;" symbol, and a body. Anonymous inner class can have bindings to variables of the enclosing scope</a:t>
+            </a:r>
+            <a:r>
+              <a:rPr lang="en-IN" dirty="0" smtClean="0"/>
+              <a:t>.</a:t>
+            </a:r>
+          </a:p>
+          <a:p>
+            <a:pPr marL="457200" lvl="1" indent="0">
+              <a:buNone/>
+            </a:pPr>
+            <a:r>
+              <a:rPr lang="en-IN" dirty="0"/>
+              <a:t>What does the body of a lambda expression look like?  </a:t>
             </a:r>
             <a:endParaRPr lang="en-IN" dirty="0" smtClean="0"/>
           </a:p>
           <a:p>
-            <a:pPr marL="400050" lvl="1" indent="0">
-              <a:buNone/>
-            </a:pPr>
-            <a:r>
-              <a:rPr lang="en-IN" dirty="0"/>
-              <a:t>Anonymous inner class can have bindings to variables of the enclosing scope.  Is the same true for lambdas? </a:t>
+            <a:pPr marL="457200" lvl="1" indent="0">
+              <a:buNone/>
+            </a:pPr>
+            <a:r>
+              <a:rPr lang="en-IN" dirty="0" smtClean="0"/>
+              <a:t> </a:t>
+            </a:r>
+            <a:r>
+              <a:rPr lang="en-IN" dirty="0"/>
+              <a:t>It is either an expression or a sequence of statements</a:t>
+            </a:r>
+          </a:p>
+          <a:p>
+            <a:pPr marL="457200" lvl="1" indent="0">
+              <a:buNone/>
+            </a:pPr>
+            <a:r>
+              <a:rPr lang="en-IN" dirty="0"/>
+              <a:t>What does the parameter list of a lambda expression look like?  </a:t>
             </a:r>
             <a:endParaRPr lang="en-IN" dirty="0" smtClean="0"/>
           </a:p>
           <a:p>
-            <a:pPr marL="400050" lvl="1" indent="0">
-              <a:buNone/>
-            </a:pPr>
-            <a:r>
-              <a:rPr lang="en-IN" dirty="0" smtClean="0"/>
-              <a:t>Yes</a:t>
-            </a:r>
-            <a:r>
-              <a:rPr lang="en-IN" dirty="0"/>
-              <a:t>, lambda expressions can capture effectively final variables from their enclosing scope and can bind to the </a:t>
-            </a:r>
-            <a:r>
-              <a:rPr lang="en-IN" dirty="0" smtClean="0"/>
-              <a:t>enclosing </a:t>
-            </a:r>
-            <a:r>
-              <a:rPr lang="en-IN" dirty="0"/>
-              <a:t>instance via this and super. </a:t>
+            <a:pPr marL="457200" lvl="1" indent="0">
+              <a:buNone/>
+            </a:pPr>
+            <a:r>
+              <a:rPr lang="en-IN" dirty="0" smtClean="0"/>
+              <a:t> </a:t>
+            </a:r>
+            <a:r>
+              <a:rPr lang="en-IN" dirty="0"/>
+              <a:t>It consists of none, one, or several parameters.  Each parameter has a name and a type.  The name must be specified; the type can be specified or omitted. </a:t>
             </a:r>
             <a:endParaRPr lang="en-IN" dirty="0" smtClean="0"/>
           </a:p>
           <a:p>
-            <a:pPr marL="400050" lvl="1" indent="0">
-              <a:buNone/>
-            </a:pPr>
-            <a:r>
-              <a:rPr lang="en-IN" dirty="0"/>
-              <a:t>An anonymous inner class is a name scope of its own. How about lambda expressions? Lambda expressions are part of the scope in which they appear; they are not scopes of their own. </a:t>
+            <a:pPr marL="457200" lvl="1" indent="0">
+              <a:buNone/>
+            </a:pPr>
+            <a:r>
+              <a:rPr lang="en-IN" dirty="0"/>
+              <a:t>How do I specify return type and exceptions of a lambda?  </a:t>
             </a:r>
             <a:endParaRPr lang="en-IN" dirty="0" smtClean="0"/>
           </a:p>
           <a:p>
-            <a:pPr marL="400050" lvl="1" indent="0">
-              <a:buNone/>
-            </a:pPr>
-            <a:r>
-              <a:rPr lang="en-IN" dirty="0"/>
-              <a:t>What does this refer to in a lambda expression</a:t>
+            <a:pPr marL="457200" lvl="1" indent="0">
+              <a:buNone/>
+            </a:pPr>
+            <a:r>
+              <a:rPr lang="en-IN" dirty="0" smtClean="0"/>
+              <a:t> </a:t>
+            </a:r>
+            <a:r>
+              <a:rPr lang="en-IN" dirty="0"/>
+              <a:t>Not at all; the return type is always inferred. </a:t>
+            </a:r>
+            <a:endParaRPr lang="en-IN" dirty="0" smtClean="0"/>
+          </a:p>
+          <a:p>
+            <a:pPr marL="457200" lvl="1" indent="0">
+              <a:buNone/>
+            </a:pPr>
+            <a:r>
+              <a:rPr lang="en-IN" dirty="0"/>
+              <a:t>What happens if a lambda expression declares the same name as its enclosing class?   The inner name shadows the outer name. </a:t>
+            </a:r>
+            <a:endParaRPr lang="en-IN" dirty="0" smtClean="0"/>
+          </a:p>
+          <a:p>
+            <a:pPr marL="457200" lvl="1" indent="0">
+              <a:buNone/>
+            </a:pPr>
+            <a:r>
+              <a:rPr lang="en-IN" dirty="0"/>
+              <a:t>What happens if a local or anonymous inner class declares the same name as its enclosing method?  </a:t>
+            </a:r>
+            <a:endParaRPr lang="en-IN" dirty="0" smtClean="0"/>
+          </a:p>
+          <a:p>
+            <a:pPr marL="457200" lvl="1" indent="0">
+              <a:buNone/>
+            </a:pPr>
+            <a:r>
+              <a:rPr lang="en-IN" dirty="0" smtClean="0"/>
+              <a:t> </a:t>
+            </a:r>
+            <a:r>
+              <a:rPr lang="en-IN" dirty="0"/>
+              <a:t>The inner class defines new variables in its class scope that shadow variable with identical names in the enclosing method scope </a:t>
+            </a:r>
+            <a:endParaRPr lang="en-IN" dirty="0" smtClean="0"/>
+          </a:p>
+          <a:p>
+            <a:pPr marL="457200" lvl="1" indent="0">
+              <a:buNone/>
+            </a:pPr>
+            <a:r>
+              <a:rPr lang="en-IN" dirty="0"/>
+              <a:t>What happens if a lambda expression declares the same name as its enclosing method?  </a:t>
+            </a:r>
+            <a:endParaRPr lang="en-IN" dirty="0" smtClean="0"/>
+          </a:p>
+          <a:p>
+            <a:pPr marL="457200" lvl="1" indent="0">
+              <a:buNone/>
+            </a:pPr>
+            <a:r>
+              <a:rPr lang="en-IN" dirty="0" smtClean="0"/>
+              <a:t> </a:t>
+            </a:r>
+            <a:r>
+              <a:rPr lang="en-IN" dirty="0"/>
+              <a:t>The compiler will complain about a duplicate definition because every name used inside a lambda expression has the same meaning as in the enclosing </a:t>
+            </a:r>
+            <a:r>
+              <a:rPr lang="en-IN" dirty="0" smtClean="0"/>
+              <a:t>scope</a:t>
+            </a:r>
+          </a:p>
+          <a:p>
+            <a:pPr marL="457200" lvl="1" indent="0">
+              <a:buNone/>
+            </a:pPr>
+            <a:r>
+              <a:rPr lang="en-IN" dirty="0"/>
+              <a:t>What is lexical scoping</a:t>
             </a:r>
             <a:r>
               <a:rPr lang="en-IN" dirty="0" smtClean="0"/>
@@ -9802,7 +8994,7 @@
             </a:r>
           </a:p>
           <a:p>
-            <a:pPr marL="400050" lvl="1" indent="0">
+            <a:pPr marL="457200" lvl="1" indent="0">
               <a:buNone/>
             </a:pPr>
             <a:r>
@@ -9811,104 +9003,44 @@
             </a:r>
             <a:r>
               <a:rPr lang="en-IN" dirty="0"/>
-              <a:t>It refers to the enclosing instance (different from an anonymous class where this refers to the inner class's </a:t>
-            </a:r>
-            <a:r>
-              <a:rPr lang="en-IN" dirty="0" smtClean="0"/>
-              <a:t>instance). </a:t>
-            </a:r>
-          </a:p>
-          <a:p>
-            <a:pPr marL="400050" lvl="1" indent="0">
-              <a:buNone/>
-            </a:pPr>
-            <a:r>
-              <a:rPr lang="en-IN" dirty="0"/>
-              <a:t>What do we need lambda expressions in Java for? </a:t>
+              <a:t>If a scope is part of its enclosing scope, i.e., if an unqualified name used in the inner scope refers to a name defined in the outer scope. </a:t>
+            </a:r>
+          </a:p>
+          <a:p>
+            <a:pPr marL="457200" lvl="1" indent="0">
+              <a:buNone/>
+            </a:pPr>
+            <a:r>
+              <a:rPr lang="en-IN" dirty="0"/>
+              <a:t>What do this and super mean in a lambda expression?   </a:t>
             </a:r>
             <a:endParaRPr lang="en-IN" dirty="0" smtClean="0"/>
           </a:p>
           <a:p>
-            <a:pPr marL="400050" lvl="1" indent="0">
-              <a:buNone/>
-            </a:pPr>
-            <a:r>
-              <a:rPr lang="en-IN" dirty="0" smtClean="0"/>
-              <a:t>To </a:t>
-            </a:r>
-            <a:r>
-              <a:rPr lang="en-IN" dirty="0"/>
-              <a:t>enable convenient use of the overhauled collection framework in general and it parallel bulk operations in </a:t>
-            </a:r>
-            <a:r>
-              <a:rPr lang="en-IN" dirty="0" smtClean="0"/>
-              <a:t>particular</a:t>
-            </a:r>
-          </a:p>
-          <a:p>
-            <a:pPr marL="400050" lvl="1" indent="0">
-              <a:buNone/>
-            </a:pPr>
-            <a:r>
-              <a:rPr lang="en-IN" dirty="0"/>
-              <a:t>What is a bulk operation? </a:t>
-            </a:r>
+            <a:pPr marL="457200" lvl="1" indent="0">
+              <a:buNone/>
+            </a:pPr>
+            <a:r>
+              <a:rPr lang="en-IN" dirty="0" smtClean="0"/>
+              <a:t>They </a:t>
+            </a:r>
+            <a:r>
+              <a:rPr lang="en-IN" dirty="0"/>
+              <a:t>mean the same as in the enclosing scope</a:t>
+            </a:r>
+          </a:p>
+          <a:p>
+            <a:pPr marL="457200" lvl="1" indent="0">
+              <a:buNone/>
+            </a:pPr>
             <a:endParaRPr lang="en-IN" dirty="0" smtClean="0"/>
-          </a:p>
-          <a:p>
-            <a:pPr marL="400050" lvl="1" indent="0">
-              <a:buNone/>
-            </a:pPr>
-            <a:r>
-              <a:rPr lang="en-IN" dirty="0" smtClean="0"/>
-              <a:t>An </a:t>
-            </a:r>
-            <a:r>
-              <a:rPr lang="en-IN" dirty="0"/>
-              <a:t>operation that concern many or all elements in a </a:t>
-            </a:r>
-            <a:r>
-              <a:rPr lang="en-IN" dirty="0" smtClean="0"/>
-              <a:t>sequence</a:t>
-            </a:r>
-            <a:r>
-              <a:rPr lang="en-IN" dirty="0"/>
-              <a:t>. </a:t>
-            </a:r>
-            <a:endParaRPr lang="en-IN" dirty="0" smtClean="0"/>
-          </a:p>
-          <a:p>
-            <a:pPr marL="400050" lvl="1" indent="0">
-              <a:buNone/>
-            </a:pPr>
-            <a:r>
-              <a:rPr lang="en-IN" dirty="0"/>
-              <a:t>What is internal and external iteration</a:t>
-            </a:r>
-            <a:r>
-              <a:rPr lang="en-IN" dirty="0" smtClean="0"/>
-              <a:t>?</a:t>
-            </a:r>
-          </a:p>
-          <a:p>
-            <a:pPr marL="400050" lvl="1" indent="0">
-              <a:buNone/>
-            </a:pPr>
-            <a:r>
-              <a:rPr lang="en-IN" dirty="0" smtClean="0"/>
-              <a:t> </a:t>
-            </a:r>
-            <a:r>
-              <a:rPr lang="en-IN" dirty="0"/>
-              <a:t>External iteration uses an iterator for access to all sequence elements. Internal iteration is performed by the sequence itself; the user just supplies an operation to be applied to all sequence elements. </a:t>
-            </a:r>
           </a:p>
         </p:txBody>
       </p:sp>
     </p:spTree>
     <p:extLst>
       <p:ext uri="{BB962C8B-B14F-4D97-AF65-F5344CB8AC3E}">
-        <p14:creationId xmlns:p14="http://schemas.microsoft.com/office/powerpoint/2010/main" val="2373814068"/>
+        <p14:creationId xmlns:p14="http://schemas.microsoft.com/office/powerpoint/2010/main" val="2894727186"/>
       </p:ext>
     </p:extLst>
   </p:cSld>
@@ -10329,7 +9461,7 @@
         <p:spPr>
           <a:xfrm>
             <a:off x="677334" y="142504"/>
-            <a:ext cx="8596668" cy="878774"/>
+            <a:ext cx="8596668" cy="712519"/>
           </a:xfrm>
         </p:spPr>
         <p:txBody>
@@ -10364,7 +9496,7 @@
         </p:spPr>
         <p:txBody>
           <a:bodyPr>
-            <a:normAutofit fontScale="85000" lnSpcReduction="20000"/>
+            <a:normAutofit fontScale="77500" lnSpcReduction="20000"/>
           </a:bodyPr>
           <a:lstStyle/>
           <a:p>
@@ -10381,12 +9513,8 @@
               <a:buNone/>
             </a:pPr>
             <a:r>
-              <a:rPr lang="en-IN" dirty="0" smtClean="0"/>
-              <a:t>For </a:t>
-            </a:r>
-            <a:r>
-              <a:rPr lang="en-IN" dirty="0"/>
-              <a:t>an anonymous inner class type definition and instance creation are tied together. How are lambda expression translated? </a:t>
+              <a:rPr lang="en-IN" dirty="0"/>
+              <a:t> Why is name binding in a lambda expression restricted to implicitly final variables of the enclosing scope?  </a:t>
             </a:r>
             <a:endParaRPr lang="en-IN" dirty="0" smtClean="0"/>
           </a:p>
@@ -10396,26 +9524,91 @@
             </a:pPr>
             <a:r>
               <a:rPr lang="en-IN" dirty="0" smtClean="0"/>
-              <a:t>Creation </a:t>
-            </a:r>
-            <a:r>
-              <a:rPr lang="en-IN" dirty="0"/>
-              <a:t>of the lambda object and its type  is implicitly taken care of by the virtual machine; it is done at runtime</a:t>
+              <a:t> </a:t>
+            </a:r>
+            <a:r>
+              <a:rPr lang="en-IN" dirty="0"/>
+              <a:t>In order to preserve the properties of local variables regarding lifetime and </a:t>
+            </a:r>
+            <a:r>
+              <a:rPr lang="en-IN" dirty="0" err="1"/>
+              <a:t>threadsafety</a:t>
+            </a:r>
+            <a:r>
+              <a:rPr lang="en-IN" dirty="0"/>
+              <a:t>. </a:t>
+            </a:r>
+          </a:p>
+          <a:p>
+            <a:pPr marL="457200" lvl="1" indent="0">
+              <a:buNone/>
+            </a:pPr>
+            <a:r>
+              <a:rPr lang="en-IN" dirty="0"/>
+              <a:t>Can a name in a lambda bind to a primitive type local variable of the enclosing scope?   Yes, but the lambda cannot modify the primitive type local variable. </a:t>
             </a:r>
             <a:endParaRPr lang="en-IN" dirty="0" smtClean="0"/>
           </a:p>
           <a:p>
-            <a:pPr marL="400050" lvl="1" indent="0">
-              <a:buNone/>
-            </a:pPr>
-            <a:r>
-              <a:rPr lang="en-IN" dirty="0"/>
-              <a:t>Anonymous inner class can have bindings to variables of the enclosing scope.  Is the same true for lambdas? </a:t>
+            <a:pPr marL="457200" lvl="1" indent="0">
+              <a:buNone/>
+            </a:pPr>
+            <a:r>
+              <a:rPr lang="en-IN" dirty="0"/>
+              <a:t>Can a name in a lambda bind to a reference type local variable of the enclosing scope?   Yes, and the lambda may modify the referenced object, but must not modify the reference variable </a:t>
+            </a:r>
+            <a:r>
+              <a:rPr lang="en-IN" dirty="0" smtClean="0"/>
+              <a:t>itself</a:t>
+            </a:r>
+          </a:p>
+          <a:p>
+            <a:pPr marL="457200" lvl="1" indent="0">
+              <a:buNone/>
+            </a:pPr>
+            <a:r>
+              <a:rPr lang="en-IN" dirty="0"/>
+              <a:t>Do anonymous and local inner classes - like lambdas - have access to effectively final variables?  </a:t>
             </a:r>
             <a:endParaRPr lang="en-IN" dirty="0" smtClean="0"/>
           </a:p>
           <a:p>
-            <a:pPr marL="400050" lvl="1" indent="0">
+            <a:pPr marL="457200" lvl="1" indent="0">
+              <a:buNone/>
+            </a:pPr>
+            <a:r>
+              <a:rPr lang="en-IN" dirty="0" smtClean="0"/>
+              <a:t> </a:t>
+            </a:r>
+            <a:r>
+              <a:rPr lang="en-IN" dirty="0"/>
+              <a:t>Yes, since </a:t>
+            </a:r>
+            <a:r>
+              <a:rPr lang="en-IN" dirty="0" smtClean="0"/>
+              <a:t>Java 8 </a:t>
+            </a:r>
+            <a:r>
+              <a:rPr lang="en-IN" dirty="0"/>
+              <a:t>the explicit final declaration can be omitted. </a:t>
+            </a:r>
+            <a:endParaRPr lang="en-IN" dirty="0" smtClean="0"/>
+          </a:p>
+          <a:p>
+            <a:pPr marL="457200" lvl="1" indent="0">
+              <a:buNone/>
+            </a:pPr>
+            <a:r>
+              <a:rPr lang="en-IN" dirty="0"/>
+              <a:t>Can a lambda have bindings to non-final fields of the enclosing scope</a:t>
+            </a:r>
+            <a:r>
+              <a:rPr lang="en-IN" dirty="0" smtClean="0"/>
+              <a:t>?</a:t>
+            </a:r>
+          </a:p>
+          <a:p>
+            <a:pPr marL="457200" lvl="1" indent="0">
               <a:buNone/>
             </a:pPr>
             <a:r>
@@ -10424,43 +9617,114 @@
             </a:r>
             <a:r>
               <a:rPr lang="en-IN" dirty="0"/>
-              <a:t>, lambda expressions can capture effectively final variables from their enclosing scope and can bind to the </a:t>
-            </a:r>
-            <a:r>
-              <a:rPr lang="en-IN" dirty="0" smtClean="0"/>
-              <a:t>enclosing </a:t>
-            </a:r>
-            <a:r>
-              <a:rPr lang="en-IN" dirty="0"/>
-              <a:t>instance via this and super. </a:t>
+              <a:t>, fields accessed in a lambda </a:t>
+            </a:r>
+            <a:r>
+              <a:rPr lang="en-IN" dirty="0" smtClean="0"/>
+              <a:t>can </a:t>
+            </a:r>
+            <a:r>
+              <a:rPr lang="en-IN" dirty="0"/>
+              <a:t>be </a:t>
+            </a:r>
+            <a:r>
+              <a:rPr lang="en-IN" dirty="0" smtClean="0"/>
+              <a:t>modified</a:t>
+            </a:r>
+          </a:p>
+          <a:p>
+            <a:pPr marL="457200" lvl="1" indent="0">
+              <a:buNone/>
+            </a:pPr>
+            <a:r>
+              <a:rPr lang="en-IN" dirty="0"/>
+              <a:t>What does return or throw mean in the body of a lambda</a:t>
+            </a:r>
+            <a:r>
+              <a:rPr lang="en-IN" dirty="0" smtClean="0"/>
+              <a:t>?</a:t>
+            </a:r>
+          </a:p>
+          <a:p>
+            <a:pPr marL="457200" lvl="1" indent="0">
+              <a:buNone/>
+            </a:pPr>
+            <a:r>
+              <a:rPr lang="en-IN" dirty="0" smtClean="0"/>
+              <a:t>It </a:t>
+            </a:r>
+            <a:r>
+              <a:rPr lang="en-IN" dirty="0"/>
+              <a:t>means a regular or exceptional return from the lambda. </a:t>
             </a:r>
             <a:endParaRPr lang="en-IN" dirty="0" smtClean="0"/>
           </a:p>
           <a:p>
-            <a:pPr marL="400050" lvl="1" indent="0">
-              <a:buNone/>
-            </a:pPr>
-            <a:r>
-              <a:rPr lang="en-IN" dirty="0"/>
-              <a:t>An anonymous inner class is a name scope of its own. How about lambda expressions? Lambda expressions are part of the scope in which they appear; they are not scopes of their own. </a:t>
+            <a:pPr marL="457200" lvl="1" indent="0">
+              <a:buNone/>
+            </a:pPr>
+            <a:r>
+              <a:rPr lang="en-IN" dirty="0"/>
+              <a:t>Can lambda expressions be recursive</a:t>
+            </a:r>
+            <a:r>
+              <a:rPr lang="en-IN" dirty="0" smtClean="0"/>
+              <a:t>?</a:t>
+            </a:r>
+          </a:p>
+          <a:p>
+            <a:pPr marL="457200" lvl="1" indent="0">
+              <a:buNone/>
+            </a:pPr>
+            <a:r>
+              <a:rPr lang="en-IN" dirty="0" smtClean="0"/>
+              <a:t> </a:t>
+            </a:r>
+            <a:r>
+              <a:rPr lang="en-IN" dirty="0"/>
+              <a:t>No, they can't.  Use anonymous inner classes </a:t>
+            </a:r>
+            <a:r>
+              <a:rPr lang="en-IN" dirty="0" smtClean="0"/>
+              <a:t>instead</a:t>
+            </a:r>
+          </a:p>
+          <a:p>
+            <a:pPr marL="457200" lvl="1" indent="0">
+              <a:buNone/>
+            </a:pPr>
+            <a:r>
+              <a:rPr lang="en-IN" dirty="0"/>
+              <a:t>Can lambda expressions be generic?  </a:t>
             </a:r>
             <a:endParaRPr lang="en-IN" dirty="0" smtClean="0"/>
           </a:p>
           <a:p>
-            <a:pPr marL="400050" lvl="1" indent="0">
-              <a:buNone/>
-            </a:pPr>
-            <a:r>
-              <a:rPr lang="en-IN" dirty="0"/>
-              <a:t>What does this refer to in a lambda expression</a:t>
-            </a:r>
-            <a:r>
-              <a:rPr lang="en-IN" dirty="0" smtClean="0"/>
-              <a:t>?</a:t>
-            </a:r>
-          </a:p>
-          <a:p>
-            <a:pPr marL="400050" lvl="1" indent="0">
+            <a:pPr marL="457200" lvl="1" indent="0">
+              <a:buNone/>
+            </a:pPr>
+            <a:r>
+              <a:rPr lang="en-IN" dirty="0" smtClean="0"/>
+              <a:t>No</a:t>
+            </a:r>
+            <a:r>
+              <a:rPr lang="en-IN" dirty="0"/>
+              <a:t>, they can't.  Use method references instead. </a:t>
+            </a:r>
+            <a:endParaRPr lang="en-IN" dirty="0" smtClean="0"/>
+          </a:p>
+          <a:p>
+            <a:pPr marL="457200" lvl="1" indent="0">
+              <a:buNone/>
+            </a:pPr>
+            <a:r>
+              <a:rPr lang="en-IN" dirty="0"/>
+              <a:t>What is a method or constructor reference?  </a:t>
+            </a:r>
+            <a:endParaRPr lang="en-IN" dirty="0" smtClean="0"/>
+          </a:p>
+          <a:p>
+            <a:pPr marL="457200" lvl="1" indent="0">
               <a:buNone/>
             </a:pPr>
             <a:r>
@@ -10469,104 +9733,56 @@
             </a:r>
             <a:r>
               <a:rPr lang="en-IN" dirty="0"/>
-              <a:t>It refers to the enclosing instance (different from an anonymous class where this refers to the inner class's </a:t>
-            </a:r>
-            <a:r>
-              <a:rPr lang="en-IN" dirty="0" smtClean="0"/>
-              <a:t>instance). </a:t>
-            </a:r>
-          </a:p>
-          <a:p>
-            <a:pPr marL="400050" lvl="1" indent="0">
-              <a:buNone/>
-            </a:pPr>
-            <a:r>
-              <a:rPr lang="en-IN" dirty="0"/>
-              <a:t>What do we need lambda expressions in Java for? </a:t>
+              <a:t>A shortcut notation for a lambda created from an existing method or </a:t>
+            </a:r>
+            <a:r>
+              <a:rPr lang="en-IN" dirty="0" smtClean="0"/>
+              <a:t>constructor</a:t>
+            </a:r>
+          </a:p>
+          <a:p>
+            <a:pPr marL="457200" lvl="1" indent="0">
+              <a:buNone/>
+            </a:pPr>
+            <a:r>
+              <a:rPr lang="en-IN" dirty="0"/>
+              <a:t>How do I refer to the constructor of a class or array?  </a:t>
             </a:r>
             <a:endParaRPr lang="en-IN" dirty="0" smtClean="0"/>
           </a:p>
           <a:p>
-            <a:pPr marL="400050" lvl="1" indent="0">
-              <a:buNone/>
-            </a:pPr>
-            <a:r>
-              <a:rPr lang="en-IN" dirty="0" smtClean="0"/>
-              <a:t>To </a:t>
-            </a:r>
-            <a:r>
-              <a:rPr lang="en-IN" dirty="0"/>
-              <a:t>enable convenient use of the overhauled collection framework in general and it parallel bulk operations in </a:t>
-            </a:r>
-            <a:r>
-              <a:rPr lang="en-IN" dirty="0" smtClean="0"/>
-              <a:t>particular</a:t>
-            </a:r>
-          </a:p>
-          <a:p>
-            <a:pPr marL="400050" lvl="1" indent="0">
-              <a:buNone/>
-            </a:pPr>
-            <a:r>
-              <a:rPr lang="en-IN" dirty="0"/>
-              <a:t>What is a bulk operation? </a:t>
-            </a:r>
+            <a:pPr marL="457200" lvl="1" indent="0">
+              <a:buNone/>
+            </a:pPr>
+            <a:r>
+              <a:rPr lang="en-IN" dirty="0" smtClean="0"/>
+              <a:t> </a:t>
+            </a:r>
+            <a:r>
+              <a:rPr lang="en-IN" dirty="0"/>
+              <a:t>Via </a:t>
+            </a:r>
+            <a:r>
+              <a:rPr lang="en-IN" dirty="0" err="1"/>
+              <a:t>typename</a:t>
+            </a:r>
+            <a:r>
+              <a:rPr lang="en-IN" dirty="0"/>
+              <a:t>::new. </a:t>
+            </a:r>
+          </a:p>
+          <a:p>
+            <a:pPr marL="457200" lvl="1" indent="0">
+              <a:buNone/>
+            </a:pPr>
             <a:endParaRPr lang="en-IN" dirty="0" smtClean="0"/>
-          </a:p>
-          <a:p>
-            <a:pPr marL="400050" lvl="1" indent="0">
-              <a:buNone/>
-            </a:pPr>
-            <a:r>
-              <a:rPr lang="en-IN" dirty="0" smtClean="0"/>
-              <a:t>An </a:t>
-            </a:r>
-            <a:r>
-              <a:rPr lang="en-IN" dirty="0"/>
-              <a:t>operation that concern many or all elements in a </a:t>
-            </a:r>
-            <a:r>
-              <a:rPr lang="en-IN" dirty="0" smtClean="0"/>
-              <a:t>sequence</a:t>
-            </a:r>
-            <a:r>
-              <a:rPr lang="en-IN" dirty="0"/>
-              <a:t>. </a:t>
-            </a:r>
-            <a:endParaRPr lang="en-IN" dirty="0" smtClean="0"/>
-          </a:p>
-          <a:p>
-            <a:pPr marL="400050" lvl="1" indent="0">
-              <a:buNone/>
-            </a:pPr>
-            <a:r>
-              <a:rPr lang="en-IN" dirty="0"/>
-              <a:t>What is internal and external iteration</a:t>
-            </a:r>
-            <a:r>
-              <a:rPr lang="en-IN" dirty="0" smtClean="0"/>
-              <a:t>?</a:t>
-            </a:r>
-          </a:p>
-          <a:p>
-            <a:pPr marL="400050" lvl="1" indent="0">
-              <a:buNone/>
-            </a:pPr>
-            <a:r>
-              <a:rPr lang="en-IN" dirty="0" smtClean="0"/>
-              <a:t> </a:t>
-            </a:r>
-            <a:r>
-              <a:rPr lang="en-IN" dirty="0"/>
-              <a:t>External iteration uses an iterator for access to all sequence elements. Internal iteration is performed by the sequence itself; the user just supplies an operation to be applied to all sequence elements. </a:t>
-            </a:r>
           </a:p>
         </p:txBody>
       </p:sp>
     </p:spTree>
     <p:extLst>
       <p:ext uri="{BB962C8B-B14F-4D97-AF65-F5344CB8AC3E}">
-        <p14:creationId xmlns:p14="http://schemas.microsoft.com/office/powerpoint/2010/main" val="4097610729"/>
+        <p14:creationId xmlns:p14="http://schemas.microsoft.com/office/powerpoint/2010/main" val="3865170547"/>
       </p:ext>
     </p:extLst>
   </p:cSld>
@@ -10606,7 +9822,7 @@
         <p:spPr>
           <a:xfrm>
             <a:off x="677334" y="142504"/>
-            <a:ext cx="8596668" cy="878774"/>
+            <a:ext cx="8596668" cy="712519"/>
           </a:xfrm>
         </p:spPr>
         <p:txBody>
@@ -10641,7 +9857,7 @@
         </p:spPr>
         <p:txBody>
           <a:bodyPr>
-            <a:normAutofit fontScale="85000" lnSpcReduction="20000"/>
+            <a:normAutofit fontScale="70000" lnSpcReduction="20000"/>
           </a:bodyPr>
           <a:lstStyle/>
           <a:p>
@@ -10659,11 +9875,154 @@
             </a:pPr>
             <a:r>
               <a:rPr lang="en-IN" dirty="0" smtClean="0"/>
-              <a:t>For </a:t>
-            </a:r>
-            <a:r>
-              <a:rPr lang="en-IN" dirty="0"/>
-              <a:t>an anonymous inner class type definition and instance creation are tied together. How are lambda expression translated? </a:t>
+              <a:t> Can I refer to a particular signature of an overloaded constructor? </a:t>
+            </a:r>
+          </a:p>
+          <a:p>
+            <a:pPr marL="457200" lvl="1" indent="0">
+              <a:buNone/>
+            </a:pPr>
+            <a:r>
+              <a:rPr lang="en-IN" dirty="0" smtClean="0"/>
+              <a:t>  No, you can only refer to a name, but not to a signature. </a:t>
+            </a:r>
+          </a:p>
+          <a:p>
+            <a:pPr marL="457200" lvl="1" indent="0">
+              <a:buNone/>
+            </a:pPr>
+            <a:r>
+              <a:rPr lang="en-IN" dirty="0" smtClean="0"/>
+              <a:t>How do I refer to a generic constructor of a class?  </a:t>
+            </a:r>
+          </a:p>
+          <a:p>
+            <a:pPr marL="457200" lvl="1" indent="0">
+              <a:buNone/>
+            </a:pPr>
+            <a:r>
+              <a:rPr lang="en-IN" dirty="0" smtClean="0"/>
+              <a:t> There is no difference between a reference to a generic or non-generic constructor; the generic constructor's type parameters are always inferred. </a:t>
+            </a:r>
+          </a:p>
+          <a:p>
+            <a:pPr marL="457200" lvl="1" indent="0">
+              <a:buNone/>
+            </a:pPr>
+            <a:r>
+              <a:rPr lang="en-IN" dirty="0" smtClean="0"/>
+              <a:t>reference </a:t>
+            </a:r>
+          </a:p>
+          <a:p>
+            <a:pPr marL="457200" lvl="1" indent="0">
+              <a:buNone/>
+            </a:pPr>
+            <a:r>
+              <a:rPr lang="en-IN" dirty="0" smtClean="0"/>
+              <a:t>How do I refer to a static method?  </a:t>
+            </a:r>
+          </a:p>
+          <a:p>
+            <a:pPr marL="457200" lvl="1" indent="0">
+              <a:buNone/>
+            </a:pPr>
+            <a:r>
+              <a:rPr lang="en-IN" dirty="0" smtClean="0"/>
+              <a:t> Via </a:t>
+            </a:r>
+            <a:r>
+              <a:rPr lang="en-IN" dirty="0" err="1" smtClean="0"/>
+              <a:t>typename</a:t>
+            </a:r>
+            <a:r>
+              <a:rPr lang="en-IN" dirty="0" smtClean="0"/>
+              <a:t> :: </a:t>
+            </a:r>
+            <a:r>
+              <a:rPr lang="en-IN" dirty="0" err="1" smtClean="0"/>
+              <a:t>methodname</a:t>
+            </a:r>
+            <a:r>
+              <a:rPr lang="en-IN" dirty="0" smtClean="0"/>
+              <a:t>. </a:t>
+            </a:r>
+          </a:p>
+          <a:p>
+            <a:pPr marL="457200" lvl="1" indent="0">
+              <a:buNone/>
+            </a:pPr>
+            <a:r>
+              <a:rPr lang="en-IN" dirty="0" smtClean="0"/>
+              <a:t>How do I refer to a non-static method?   </a:t>
+            </a:r>
+          </a:p>
+          <a:p>
+            <a:pPr marL="457200" lvl="1" indent="0">
+              <a:buNone/>
+            </a:pPr>
+            <a:r>
+              <a:rPr lang="en-IN" dirty="0" smtClean="0"/>
+              <a:t>Via </a:t>
+            </a:r>
+            <a:r>
+              <a:rPr lang="en-IN" dirty="0" err="1" smtClean="0"/>
+              <a:t>typename</a:t>
+            </a:r>
+            <a:r>
+              <a:rPr lang="en-IN" dirty="0" smtClean="0"/>
+              <a:t> :: </a:t>
+            </a:r>
+            <a:r>
+              <a:rPr lang="en-IN" dirty="0" err="1" smtClean="0"/>
+              <a:t>methodname</a:t>
+            </a:r>
+            <a:r>
+              <a:rPr lang="en-IN" dirty="0" smtClean="0"/>
+              <a:t> if the receiver is unspecified. Via expression :: </a:t>
+            </a:r>
+            <a:r>
+              <a:rPr lang="en-IN" dirty="0" err="1" smtClean="0"/>
+              <a:t>methodname</a:t>
+            </a:r>
+            <a:r>
+              <a:rPr lang="en-IN" dirty="0" smtClean="0"/>
+              <a:t> where the expression is the receiver</a:t>
+            </a:r>
+          </a:p>
+          <a:p>
+            <a:pPr marL="457200" lvl="1" indent="0">
+              <a:buNone/>
+            </a:pPr>
+            <a:r>
+              <a:rPr lang="en-IN" dirty="0" smtClean="0"/>
+              <a:t>What are functional interfaces needed for? </a:t>
+            </a:r>
+          </a:p>
+          <a:p>
+            <a:pPr marL="457200" lvl="1" indent="0">
+              <a:buNone/>
+            </a:pPr>
+            <a:r>
+              <a:rPr lang="en-IN" dirty="0" smtClean="0"/>
+              <a:t>  Functional interfaces are needed as the target type of a lambda expression or method / constructor reference</a:t>
+            </a:r>
+          </a:p>
+          <a:p>
+            <a:pPr marL="457200" lvl="1" indent="0">
+              <a:buNone/>
+            </a:pPr>
+            <a:r>
+              <a:rPr lang="en-IN" dirty="0"/>
+              <a:t>Can a functional interface have </a:t>
+            </a:r>
+            <a:r>
+              <a:rPr lang="en-IN" dirty="0" err="1"/>
+              <a:t>nonabstract</a:t>
+            </a:r>
+            <a:r>
+              <a:rPr lang="en-IN" dirty="0"/>
+              <a:t> methods?  </a:t>
             </a:r>
             <a:endParaRPr lang="en-IN" dirty="0" smtClean="0"/>
           </a:p>
@@ -10673,177 +10032,85 @@
             </a:pPr>
             <a:r>
               <a:rPr lang="en-IN" dirty="0" smtClean="0"/>
-              <a:t>Creation </a:t>
-            </a:r>
-            <a:r>
-              <a:rPr lang="en-IN" dirty="0"/>
-              <a:t>of the lambda object and its type  is implicitly taken care of by the virtual machine; it is done at runtime</a:t>
+              <a:t> </a:t>
+            </a:r>
+            <a:r>
+              <a:rPr lang="en-IN" dirty="0"/>
+              <a:t>Yes, it can have default methods and methods inherited from Object</a:t>
+            </a:r>
+            <a:r>
+              <a:rPr lang="en-IN" dirty="0" smtClean="0"/>
+              <a:t>.</a:t>
+            </a:r>
+          </a:p>
+          <a:p>
+            <a:pPr marL="457200" lvl="1" indent="0">
+              <a:buNone/>
+            </a:pPr>
+            <a:r>
+              <a:rPr lang="en-IN" dirty="0"/>
+              <a:t>What is the purpose of the @Functional Interface annotation</a:t>
+            </a:r>
+            <a:r>
+              <a:rPr lang="en-IN" dirty="0" smtClean="0"/>
+              <a:t>?</a:t>
+            </a:r>
+          </a:p>
+          <a:p>
+            <a:pPr marL="457200" lvl="1" indent="0">
+              <a:buNone/>
+            </a:pPr>
+            <a:r>
+              <a:rPr lang="en-IN" dirty="0" smtClean="0"/>
+              <a:t>   </a:t>
+            </a:r>
+            <a:r>
+              <a:rPr lang="en-IN" dirty="0"/>
+              <a:t>It indicates that an interface is intended as a functional interface and triggers certain compiler checks. </a:t>
             </a:r>
             <a:endParaRPr lang="en-IN" dirty="0" smtClean="0"/>
           </a:p>
           <a:p>
-            <a:pPr marL="400050" lvl="1" indent="0">
-              <a:buNone/>
-            </a:pPr>
-            <a:r>
-              <a:rPr lang="en-IN" dirty="0"/>
-              <a:t>Anonymous inner class can have bindings to variables of the enclosing scope.  Is the same true for lambdas? </a:t>
+            <a:pPr marL="457200" lvl="1" indent="0">
+              <a:buNone/>
+            </a:pPr>
+            <a:r>
+              <a:rPr lang="en-IN" dirty="0"/>
+              <a:t> Can functional interfaces be generic?   Yes. </a:t>
             </a:r>
             <a:endParaRPr lang="en-IN" dirty="0" smtClean="0"/>
           </a:p>
           <a:p>
-            <a:pPr marL="400050" lvl="1" indent="0">
-              <a:buNone/>
-            </a:pPr>
-            <a:r>
-              <a:rPr lang="en-IN" dirty="0" smtClean="0"/>
-              <a:t>Yes</a:t>
-            </a:r>
-            <a:r>
-              <a:rPr lang="en-IN" dirty="0"/>
-              <a:t>, lambda expressions can capture effectively final variables from their enclosing scope and can bind to the </a:t>
-            </a:r>
-            <a:r>
-              <a:rPr lang="en-IN" dirty="0" smtClean="0"/>
-              <a:t>enclosing </a:t>
-            </a:r>
-            <a:r>
-              <a:rPr lang="en-IN" dirty="0"/>
-              <a:t>instance via this and super. </a:t>
+            <a:pPr marL="457200" lvl="1" indent="0">
+              <a:buNone/>
+            </a:pPr>
+            <a:r>
+              <a:rPr lang="en-IN" dirty="0"/>
+              <a:t>Is the intersection of several functional interfaces functional, too?   Yes, if the intersection contains a single abstract method. </a:t>
             </a:r>
             <a:endParaRPr lang="en-IN" dirty="0" smtClean="0"/>
           </a:p>
           <a:p>
-            <a:pPr marL="400050" lvl="1" indent="0">
-              <a:buNone/>
-            </a:pPr>
-            <a:r>
-              <a:rPr lang="en-IN" dirty="0"/>
-              <a:t>An anonymous inner class is a name scope of its own. How about lambda expressions? Lambda expressions are part of the scope in which they appear; they are not scopes of their own. </a:t>
-            </a:r>
+            <a:pPr marL="457200" lvl="1" indent="0">
+              <a:buNone/>
+            </a:pPr>
+            <a:r>
+              <a:rPr lang="en-IN" dirty="0"/>
+              <a:t>What can I do if I pass a lambda to an overloaded method and the compiler rejects it due to an ambiguity? Specify the lambda's arguments types explicitly</a:t>
+            </a:r>
+          </a:p>
+          <a:p>
+            <a:pPr marL="457200" lvl="1" indent="0">
+              <a:buNone/>
+            </a:pPr>
             <a:endParaRPr lang="en-IN" dirty="0" smtClean="0"/>
-          </a:p>
-          <a:p>
-            <a:pPr marL="400050" lvl="1" indent="0">
-              <a:buNone/>
-            </a:pPr>
-            <a:r>
-              <a:rPr lang="en-IN" dirty="0"/>
-              <a:t>What does this refer to in a lambda expression</a:t>
-            </a:r>
-            <a:r>
-              <a:rPr lang="en-IN" dirty="0" smtClean="0"/>
-              <a:t>?</a:t>
-            </a:r>
-          </a:p>
-          <a:p>
-            <a:pPr marL="400050" lvl="1" indent="0">
-              <a:buNone/>
-            </a:pPr>
-            <a:r>
-              <a:rPr lang="en-IN" dirty="0" smtClean="0"/>
-              <a:t> </a:t>
-            </a:r>
-            <a:r>
-              <a:rPr lang="en-IN" dirty="0"/>
-              <a:t>It refers to the enclosing instance (different from an anonymous class where this refers to the inner class's </a:t>
-            </a:r>
-            <a:r>
-              <a:rPr lang="en-IN" dirty="0" smtClean="0"/>
-              <a:t>instance). </a:t>
-            </a:r>
-          </a:p>
-          <a:p>
-            <a:pPr marL="400050" lvl="1" indent="0">
-              <a:buNone/>
-            </a:pPr>
-            <a:r>
-              <a:rPr lang="en-IN" dirty="0"/>
-              <a:t>What do we need lambda expressions in Java for? </a:t>
-            </a:r>
-            <a:endParaRPr lang="en-IN" dirty="0" smtClean="0"/>
-          </a:p>
-          <a:p>
-            <a:pPr marL="400050" lvl="1" indent="0">
-              <a:buNone/>
-            </a:pPr>
-            <a:r>
-              <a:rPr lang="en-IN" dirty="0" smtClean="0"/>
-              <a:t>To </a:t>
-            </a:r>
-            <a:r>
-              <a:rPr lang="en-IN" dirty="0"/>
-              <a:t>enable convenient use of the overhauled collection framework in general and it parallel bulk operations in </a:t>
-            </a:r>
-            <a:r>
-              <a:rPr lang="en-IN" dirty="0" smtClean="0"/>
-              <a:t>particular</a:t>
-            </a:r>
-          </a:p>
-          <a:p>
-            <a:pPr marL="400050" lvl="1" indent="0">
-              <a:buNone/>
-            </a:pPr>
-            <a:r>
-              <a:rPr lang="en-IN" dirty="0"/>
-              <a:t>What is a bulk operation? </a:t>
-            </a:r>
-            <a:endParaRPr lang="en-IN" dirty="0" smtClean="0"/>
-          </a:p>
-          <a:p>
-            <a:pPr marL="400050" lvl="1" indent="0">
-              <a:buNone/>
-            </a:pPr>
-            <a:r>
-              <a:rPr lang="en-IN" dirty="0" smtClean="0"/>
-              <a:t>An </a:t>
-            </a:r>
-            <a:r>
-              <a:rPr lang="en-IN" dirty="0"/>
-              <a:t>operation that concern many or all elements in a </a:t>
-            </a:r>
-            <a:r>
-              <a:rPr lang="en-IN" dirty="0" smtClean="0"/>
-              <a:t>sequence</a:t>
-            </a:r>
-            <a:r>
-              <a:rPr lang="en-IN" dirty="0"/>
-              <a:t>. </a:t>
-            </a:r>
-            <a:endParaRPr lang="en-IN" dirty="0" smtClean="0"/>
-          </a:p>
-          <a:p>
-            <a:pPr marL="400050" lvl="1" indent="0">
-              <a:buNone/>
-            </a:pPr>
-            <a:r>
-              <a:rPr lang="en-IN" dirty="0"/>
-              <a:t>What is internal and external iteration</a:t>
-            </a:r>
-            <a:r>
-              <a:rPr lang="en-IN" dirty="0" smtClean="0"/>
-              <a:t>?</a:t>
-            </a:r>
-          </a:p>
-          <a:p>
-            <a:pPr marL="400050" lvl="1" indent="0">
-              <a:buNone/>
-            </a:pPr>
-            <a:r>
-              <a:rPr lang="en-IN" dirty="0" smtClean="0"/>
-              <a:t> </a:t>
-            </a:r>
-            <a:r>
-              <a:rPr lang="en-IN" dirty="0"/>
-              <a:t>External iteration uses an iterator for access to all sequence elements. Internal iteration is performed by the sequence itself; the user just supplies an operation to be applied to all sequence elements. </a:t>
-            </a:r>
           </a:p>
         </p:txBody>
       </p:sp>
     </p:spTree>
     <p:extLst>
       <p:ext uri="{BB962C8B-B14F-4D97-AF65-F5344CB8AC3E}">
-        <p14:creationId xmlns:p14="http://schemas.microsoft.com/office/powerpoint/2010/main" val="1612764886"/>
+        <p14:creationId xmlns:p14="http://schemas.microsoft.com/office/powerpoint/2010/main" val="801930932"/>
       </p:ext>
     </p:extLst>
   </p:cSld>
@@ -10882,1001 +10149,6 @@
         </p:nvSpPr>
         <p:spPr>
           <a:xfrm>
-            <a:off x="677334" y="142504"/>
-            <a:ext cx="8596668" cy="712519"/>
-          </a:xfrm>
-        </p:spPr>
-        <p:txBody>
-          <a:bodyPr>
-            <a:normAutofit/>
-          </a:bodyPr>
-          <a:lstStyle/>
-          <a:p>
-            <a:r>
-              <a:rPr lang="en-IN" dirty="0" smtClean="0"/>
-              <a:t>Lambda summary till now contd.</a:t>
-            </a:r>
-            <a:endParaRPr lang="en-IN" dirty="0"/>
-          </a:p>
-        </p:txBody>
-      </p:sp>
-      <p:sp>
-        <p:nvSpPr>
-          <p:cNvPr id="3" name="Content Placeholder 2"/>
-          <p:cNvSpPr>
-            <a:spLocks noGrp="1"/>
-          </p:cNvSpPr>
-          <p:nvPr>
-            <p:ph idx="1"/>
-          </p:nvPr>
-        </p:nvSpPr>
-        <p:spPr>
-          <a:xfrm>
-            <a:off x="677334" y="1021279"/>
-            <a:ext cx="8739798" cy="5712030"/>
-          </a:xfrm>
-        </p:spPr>
-        <p:txBody>
-          <a:bodyPr>
-            <a:normAutofit fontScale="70000" lnSpcReduction="20000"/>
-          </a:bodyPr>
-          <a:lstStyle/>
-          <a:p>
-            <a:pPr marL="457200" lvl="1" indent="0">
-              <a:buNone/>
-            </a:pPr>
-            <a:r>
-              <a:rPr lang="en-IN" sz="1500" dirty="0" smtClean="0"/>
-              <a:t> </a:t>
-            </a:r>
-          </a:p>
-          <a:p>
-            <a:pPr marL="457200" lvl="1" indent="0">
-              <a:buNone/>
-            </a:pPr>
-            <a:r>
-              <a:rPr lang="en-IN" dirty="0"/>
-              <a:t>What is the syntax for a lambda expression? </a:t>
-            </a:r>
-            <a:endParaRPr lang="en-IN" dirty="0" smtClean="0"/>
-          </a:p>
-          <a:p>
-            <a:pPr marL="457200" lvl="1" indent="0">
-              <a:buNone/>
-            </a:pPr>
-            <a:r>
-              <a:rPr lang="en-IN" dirty="0" smtClean="0"/>
-              <a:t>It </a:t>
-            </a:r>
-            <a:r>
-              <a:rPr lang="en-IN" dirty="0"/>
-              <a:t>consists of a parameter list, the "-&gt;" symbol, and a body. Anonymous inner class can have bindings to variables of the enclosing scope</a:t>
-            </a:r>
-            <a:r>
-              <a:rPr lang="en-IN" dirty="0" smtClean="0"/>
-              <a:t>.</a:t>
-            </a:r>
-          </a:p>
-          <a:p>
-            <a:pPr marL="457200" lvl="1" indent="0">
-              <a:buNone/>
-            </a:pPr>
-            <a:r>
-              <a:rPr lang="en-IN" dirty="0"/>
-              <a:t>What does the body of a lambda expression look like?  </a:t>
-            </a:r>
-            <a:endParaRPr lang="en-IN" dirty="0" smtClean="0"/>
-          </a:p>
-          <a:p>
-            <a:pPr marL="457200" lvl="1" indent="0">
-              <a:buNone/>
-            </a:pPr>
-            <a:r>
-              <a:rPr lang="en-IN" dirty="0" smtClean="0"/>
-              <a:t> </a:t>
-            </a:r>
-            <a:r>
-              <a:rPr lang="en-IN" dirty="0"/>
-              <a:t>It is either an expression or a sequence of statements</a:t>
-            </a:r>
-          </a:p>
-          <a:p>
-            <a:pPr marL="457200" lvl="1" indent="0">
-              <a:buNone/>
-            </a:pPr>
-            <a:r>
-              <a:rPr lang="en-IN" dirty="0"/>
-              <a:t>What does the parameter list of a lambda expression look like?  </a:t>
-            </a:r>
-            <a:endParaRPr lang="en-IN" dirty="0" smtClean="0"/>
-          </a:p>
-          <a:p>
-            <a:pPr marL="457200" lvl="1" indent="0">
-              <a:buNone/>
-            </a:pPr>
-            <a:r>
-              <a:rPr lang="en-IN" dirty="0" smtClean="0"/>
-              <a:t> </a:t>
-            </a:r>
-            <a:r>
-              <a:rPr lang="en-IN" dirty="0"/>
-              <a:t>It consists of none, one, or several parameters.  Each parameter has a name and a type.  The name must be specified; the type can be specified or omitted. </a:t>
-            </a:r>
-            <a:endParaRPr lang="en-IN" dirty="0" smtClean="0"/>
-          </a:p>
-          <a:p>
-            <a:pPr marL="457200" lvl="1" indent="0">
-              <a:buNone/>
-            </a:pPr>
-            <a:r>
-              <a:rPr lang="en-IN" dirty="0"/>
-              <a:t>How do I specify return type and exceptions of a lambda?  </a:t>
-            </a:r>
-            <a:endParaRPr lang="en-IN" dirty="0" smtClean="0"/>
-          </a:p>
-          <a:p>
-            <a:pPr marL="457200" lvl="1" indent="0">
-              <a:buNone/>
-            </a:pPr>
-            <a:r>
-              <a:rPr lang="en-IN" dirty="0" smtClean="0"/>
-              <a:t> </a:t>
-            </a:r>
-            <a:r>
-              <a:rPr lang="en-IN" dirty="0"/>
-              <a:t>Not at all; the return type is always inferred. </a:t>
-            </a:r>
-            <a:endParaRPr lang="en-IN" dirty="0" smtClean="0"/>
-          </a:p>
-          <a:p>
-            <a:pPr marL="457200" lvl="1" indent="0">
-              <a:buNone/>
-            </a:pPr>
-            <a:r>
-              <a:rPr lang="en-IN" dirty="0"/>
-              <a:t>What happens if a lambda expression declares the same name as its enclosing class?   The inner name shadows the outer name. </a:t>
-            </a:r>
-            <a:endParaRPr lang="en-IN" dirty="0" smtClean="0"/>
-          </a:p>
-          <a:p>
-            <a:pPr marL="457200" lvl="1" indent="0">
-              <a:buNone/>
-            </a:pPr>
-            <a:r>
-              <a:rPr lang="en-IN" dirty="0"/>
-              <a:t>What happens if a local or anonymous inner class declares the same name as its enclosing method?  </a:t>
-            </a:r>
-            <a:endParaRPr lang="en-IN" dirty="0" smtClean="0"/>
-          </a:p>
-          <a:p>
-            <a:pPr marL="457200" lvl="1" indent="0">
-              <a:buNone/>
-            </a:pPr>
-            <a:r>
-              <a:rPr lang="en-IN" dirty="0" smtClean="0"/>
-              <a:t> </a:t>
-            </a:r>
-            <a:r>
-              <a:rPr lang="en-IN" dirty="0"/>
-              <a:t>The inner class defines new variables in its class scope that shadow variable with identical names in the enclosing method scope </a:t>
-            </a:r>
-            <a:endParaRPr lang="en-IN" dirty="0" smtClean="0"/>
-          </a:p>
-          <a:p>
-            <a:pPr marL="457200" lvl="1" indent="0">
-              <a:buNone/>
-            </a:pPr>
-            <a:r>
-              <a:rPr lang="en-IN" dirty="0"/>
-              <a:t>What happens if a lambda expression declares the same name as its enclosing method?  </a:t>
-            </a:r>
-            <a:endParaRPr lang="en-IN" dirty="0" smtClean="0"/>
-          </a:p>
-          <a:p>
-            <a:pPr marL="457200" lvl="1" indent="0">
-              <a:buNone/>
-            </a:pPr>
-            <a:r>
-              <a:rPr lang="en-IN" dirty="0" smtClean="0"/>
-              <a:t> </a:t>
-            </a:r>
-            <a:r>
-              <a:rPr lang="en-IN" dirty="0"/>
-              <a:t>The compiler will complain about a duplicate definition because every name used inside a lambda expression has the same meaning as in the enclosing </a:t>
-            </a:r>
-            <a:r>
-              <a:rPr lang="en-IN" dirty="0" smtClean="0"/>
-              <a:t>scope</a:t>
-            </a:r>
-          </a:p>
-          <a:p>
-            <a:pPr marL="457200" lvl="1" indent="0">
-              <a:buNone/>
-            </a:pPr>
-            <a:r>
-              <a:rPr lang="en-IN" dirty="0"/>
-              <a:t>What is lexical scoping</a:t>
-            </a:r>
-            <a:r>
-              <a:rPr lang="en-IN" dirty="0" smtClean="0"/>
-              <a:t>?</a:t>
-            </a:r>
-          </a:p>
-          <a:p>
-            <a:pPr marL="457200" lvl="1" indent="0">
-              <a:buNone/>
-            </a:pPr>
-            <a:r>
-              <a:rPr lang="en-IN" dirty="0" smtClean="0"/>
-              <a:t> </a:t>
-            </a:r>
-            <a:r>
-              <a:rPr lang="en-IN" dirty="0"/>
-              <a:t>If a scope is part of its enclosing scope, i.e., if an unqualified name used in the inner scope refers to a name defined in the outer scope. </a:t>
-            </a:r>
-          </a:p>
-          <a:p>
-            <a:pPr marL="457200" lvl="1" indent="0">
-              <a:buNone/>
-            </a:pPr>
-            <a:r>
-              <a:rPr lang="en-IN" dirty="0"/>
-              <a:t>What do this and super mean in a lambda expression?   </a:t>
-            </a:r>
-            <a:endParaRPr lang="en-IN" dirty="0" smtClean="0"/>
-          </a:p>
-          <a:p>
-            <a:pPr marL="457200" lvl="1" indent="0">
-              <a:buNone/>
-            </a:pPr>
-            <a:r>
-              <a:rPr lang="en-IN" dirty="0" smtClean="0"/>
-              <a:t>They </a:t>
-            </a:r>
-            <a:r>
-              <a:rPr lang="en-IN" dirty="0"/>
-              <a:t>mean the same as in the enclosing scope</a:t>
-            </a:r>
-          </a:p>
-          <a:p>
-            <a:pPr marL="457200" lvl="1" indent="0">
-              <a:buNone/>
-            </a:pPr>
-            <a:endParaRPr lang="en-IN" dirty="0" smtClean="0"/>
-          </a:p>
-        </p:txBody>
-      </p:sp>
-    </p:spTree>
-    <p:extLst>
-      <p:ext uri="{BB962C8B-B14F-4D97-AF65-F5344CB8AC3E}">
-        <p14:creationId xmlns:p14="http://schemas.microsoft.com/office/powerpoint/2010/main" val="2894727186"/>
-      </p:ext>
-    </p:extLst>
-  </p:cSld>
-  <p:clrMapOvr>
-    <a:masterClrMapping/>
-  </p:clrMapOvr>
-</p:sld>
-</file>
-
-<file path=ppt/slides/slide23.xml><?xml version="1.0" encoding="utf-8"?>
-<p:sld xmlns:a="http://schemas.openxmlformats.org/drawingml/2006/main" xmlns:r="http://schemas.openxmlformats.org/officeDocument/2006/relationships" xmlns:p="http://schemas.openxmlformats.org/presentationml/2006/main">
-  <p:cSld>
-    <p:spTree>
-      <p:nvGrpSpPr>
-        <p:cNvPr id="1" name=""/>
-        <p:cNvGrpSpPr/>
-        <p:nvPr/>
-      </p:nvGrpSpPr>
-      <p:grpSpPr>
-        <a:xfrm>
-          <a:off x="0" y="0"/>
-          <a:ext cx="0" cy="0"/>
-          <a:chOff x="0" y="0"/>
-          <a:chExt cx="0" cy="0"/>
-        </a:xfrm>
-      </p:grpSpPr>
-      <p:sp>
-        <p:nvSpPr>
-          <p:cNvPr id="2" name="Title 1"/>
-          <p:cNvSpPr>
-            <a:spLocks noGrp="1"/>
-          </p:cNvSpPr>
-          <p:nvPr>
-            <p:ph type="title"/>
-          </p:nvPr>
-        </p:nvSpPr>
-        <p:spPr>
-          <a:xfrm>
-            <a:off x="677334" y="142504"/>
-            <a:ext cx="8596668" cy="712519"/>
-          </a:xfrm>
-        </p:spPr>
-        <p:txBody>
-          <a:bodyPr>
-            <a:normAutofit/>
-          </a:bodyPr>
-          <a:lstStyle/>
-          <a:p>
-            <a:r>
-              <a:rPr lang="en-IN" dirty="0" smtClean="0"/>
-              <a:t>Lambda summary till now contd.</a:t>
-            </a:r>
-            <a:endParaRPr lang="en-IN" dirty="0"/>
-          </a:p>
-        </p:txBody>
-      </p:sp>
-      <p:sp>
-        <p:nvSpPr>
-          <p:cNvPr id="3" name="Content Placeholder 2"/>
-          <p:cNvSpPr>
-            <a:spLocks noGrp="1"/>
-          </p:cNvSpPr>
-          <p:nvPr>
-            <p:ph idx="1"/>
-          </p:nvPr>
-        </p:nvSpPr>
-        <p:spPr>
-          <a:xfrm>
-            <a:off x="677334" y="1021279"/>
-            <a:ext cx="8739798" cy="5712030"/>
-          </a:xfrm>
-        </p:spPr>
-        <p:txBody>
-          <a:bodyPr>
-            <a:normAutofit fontScale="77500" lnSpcReduction="20000"/>
-          </a:bodyPr>
-          <a:lstStyle/>
-          <a:p>
-            <a:pPr marL="457200" lvl="1" indent="0">
-              <a:buNone/>
-            </a:pPr>
-            <a:r>
-              <a:rPr lang="en-IN" sz="1500" dirty="0" smtClean="0"/>
-              <a:t> </a:t>
-            </a:r>
-          </a:p>
-          <a:p>
-            <a:pPr marL="457200" lvl="1" indent="0">
-              <a:buNone/>
-            </a:pPr>
-            <a:r>
-              <a:rPr lang="en-IN" dirty="0"/>
-              <a:t> Why is name binding in a lambda expression restricted to implicitly final variables of the enclosing scope?  </a:t>
-            </a:r>
-            <a:endParaRPr lang="en-IN" dirty="0" smtClean="0"/>
-          </a:p>
-          <a:p>
-            <a:pPr marL="457200" lvl="1" indent="0">
-              <a:buNone/>
-            </a:pPr>
-            <a:r>
-              <a:rPr lang="en-IN" dirty="0" smtClean="0"/>
-              <a:t> </a:t>
-            </a:r>
-            <a:r>
-              <a:rPr lang="en-IN" dirty="0"/>
-              <a:t>In order to preserve the properties of local variables regarding lifetime and </a:t>
-            </a:r>
-            <a:r>
-              <a:rPr lang="en-IN" dirty="0" err="1"/>
-              <a:t>threadsafety</a:t>
-            </a:r>
-            <a:r>
-              <a:rPr lang="en-IN" dirty="0"/>
-              <a:t>. </a:t>
-            </a:r>
-          </a:p>
-          <a:p>
-            <a:pPr marL="457200" lvl="1" indent="0">
-              <a:buNone/>
-            </a:pPr>
-            <a:r>
-              <a:rPr lang="en-IN" dirty="0"/>
-              <a:t>Can a name in a lambda bind to a primitive type local variable of the enclosing scope?   Yes, but the lambda cannot modify the primitive type local variable. </a:t>
-            </a:r>
-            <a:endParaRPr lang="en-IN" dirty="0" smtClean="0"/>
-          </a:p>
-          <a:p>
-            <a:pPr marL="457200" lvl="1" indent="0">
-              <a:buNone/>
-            </a:pPr>
-            <a:r>
-              <a:rPr lang="en-IN" dirty="0"/>
-              <a:t>Can a name in a lambda bind to a reference type local variable of the enclosing scope?   Yes, and the lambda may modify the referenced object, but must not modify the reference variable </a:t>
-            </a:r>
-            <a:r>
-              <a:rPr lang="en-IN" dirty="0" smtClean="0"/>
-              <a:t>itself</a:t>
-            </a:r>
-          </a:p>
-          <a:p>
-            <a:pPr marL="457200" lvl="1" indent="0">
-              <a:buNone/>
-            </a:pPr>
-            <a:r>
-              <a:rPr lang="en-IN" dirty="0"/>
-              <a:t>Do anonymous and local inner classes - like lambdas - have access to effectively final variables?  </a:t>
-            </a:r>
-            <a:endParaRPr lang="en-IN" dirty="0" smtClean="0"/>
-          </a:p>
-          <a:p>
-            <a:pPr marL="457200" lvl="1" indent="0">
-              <a:buNone/>
-            </a:pPr>
-            <a:r>
-              <a:rPr lang="en-IN" dirty="0" smtClean="0"/>
-              <a:t> </a:t>
-            </a:r>
-            <a:r>
-              <a:rPr lang="en-IN" dirty="0"/>
-              <a:t>Yes, since </a:t>
-            </a:r>
-            <a:r>
-              <a:rPr lang="en-IN" dirty="0" smtClean="0"/>
-              <a:t>Java 8 </a:t>
-            </a:r>
-            <a:r>
-              <a:rPr lang="en-IN" dirty="0"/>
-              <a:t>the explicit final declaration can be omitted. </a:t>
-            </a:r>
-            <a:endParaRPr lang="en-IN" dirty="0" smtClean="0"/>
-          </a:p>
-          <a:p>
-            <a:pPr marL="457200" lvl="1" indent="0">
-              <a:buNone/>
-            </a:pPr>
-            <a:r>
-              <a:rPr lang="en-IN" dirty="0"/>
-              <a:t>Can a lambda have bindings to non-final fields of the enclosing scope</a:t>
-            </a:r>
-            <a:r>
-              <a:rPr lang="en-IN" dirty="0" smtClean="0"/>
-              <a:t>?</a:t>
-            </a:r>
-          </a:p>
-          <a:p>
-            <a:pPr marL="457200" lvl="1" indent="0">
-              <a:buNone/>
-            </a:pPr>
-            <a:r>
-              <a:rPr lang="en-IN" dirty="0" smtClean="0"/>
-              <a:t>Yes</a:t>
-            </a:r>
-            <a:r>
-              <a:rPr lang="en-IN" dirty="0"/>
-              <a:t>, fields accessed in a lambda </a:t>
-            </a:r>
-            <a:r>
-              <a:rPr lang="en-IN" dirty="0" smtClean="0"/>
-              <a:t>can </a:t>
-            </a:r>
-            <a:r>
-              <a:rPr lang="en-IN" dirty="0"/>
-              <a:t>be </a:t>
-            </a:r>
-            <a:r>
-              <a:rPr lang="en-IN" dirty="0" smtClean="0"/>
-              <a:t>modified</a:t>
-            </a:r>
-          </a:p>
-          <a:p>
-            <a:pPr marL="457200" lvl="1" indent="0">
-              <a:buNone/>
-            </a:pPr>
-            <a:r>
-              <a:rPr lang="en-IN" dirty="0"/>
-              <a:t>What does return or throw mean in the body of a lambda</a:t>
-            </a:r>
-            <a:r>
-              <a:rPr lang="en-IN" dirty="0" smtClean="0"/>
-              <a:t>?</a:t>
-            </a:r>
-          </a:p>
-          <a:p>
-            <a:pPr marL="457200" lvl="1" indent="0">
-              <a:buNone/>
-            </a:pPr>
-            <a:r>
-              <a:rPr lang="en-IN" dirty="0" smtClean="0"/>
-              <a:t>It </a:t>
-            </a:r>
-            <a:r>
-              <a:rPr lang="en-IN" dirty="0"/>
-              <a:t>means a regular or exceptional return from the lambda. </a:t>
-            </a:r>
-            <a:endParaRPr lang="en-IN" dirty="0" smtClean="0"/>
-          </a:p>
-          <a:p>
-            <a:pPr marL="457200" lvl="1" indent="0">
-              <a:buNone/>
-            </a:pPr>
-            <a:r>
-              <a:rPr lang="en-IN" dirty="0"/>
-              <a:t>Can lambda expressions be recursive</a:t>
-            </a:r>
-            <a:r>
-              <a:rPr lang="en-IN" dirty="0" smtClean="0"/>
-              <a:t>?</a:t>
-            </a:r>
-          </a:p>
-          <a:p>
-            <a:pPr marL="457200" lvl="1" indent="0">
-              <a:buNone/>
-            </a:pPr>
-            <a:r>
-              <a:rPr lang="en-IN" dirty="0" smtClean="0"/>
-              <a:t> </a:t>
-            </a:r>
-            <a:r>
-              <a:rPr lang="en-IN" dirty="0"/>
-              <a:t>No, they can't.  Use anonymous inner classes </a:t>
-            </a:r>
-            <a:r>
-              <a:rPr lang="en-IN" dirty="0" smtClean="0"/>
-              <a:t>instead</a:t>
-            </a:r>
-          </a:p>
-          <a:p>
-            <a:pPr marL="457200" lvl="1" indent="0">
-              <a:buNone/>
-            </a:pPr>
-            <a:r>
-              <a:rPr lang="en-IN" dirty="0"/>
-              <a:t>Can lambda expressions be generic?  </a:t>
-            </a:r>
-            <a:endParaRPr lang="en-IN" dirty="0" smtClean="0"/>
-          </a:p>
-          <a:p>
-            <a:pPr marL="457200" lvl="1" indent="0">
-              <a:buNone/>
-            </a:pPr>
-            <a:r>
-              <a:rPr lang="en-IN" dirty="0" smtClean="0"/>
-              <a:t>No</a:t>
-            </a:r>
-            <a:r>
-              <a:rPr lang="en-IN" dirty="0"/>
-              <a:t>, they can't.  Use method references instead. </a:t>
-            </a:r>
-            <a:endParaRPr lang="en-IN" dirty="0" smtClean="0"/>
-          </a:p>
-          <a:p>
-            <a:pPr marL="457200" lvl="1" indent="0">
-              <a:buNone/>
-            </a:pPr>
-            <a:r>
-              <a:rPr lang="en-IN" dirty="0"/>
-              <a:t>What is a method or constructor reference?  </a:t>
-            </a:r>
-            <a:endParaRPr lang="en-IN" dirty="0" smtClean="0"/>
-          </a:p>
-          <a:p>
-            <a:pPr marL="457200" lvl="1" indent="0">
-              <a:buNone/>
-            </a:pPr>
-            <a:r>
-              <a:rPr lang="en-IN" dirty="0" smtClean="0"/>
-              <a:t> </a:t>
-            </a:r>
-            <a:r>
-              <a:rPr lang="en-IN" dirty="0"/>
-              <a:t>A shortcut notation for a lambda created from an existing method or </a:t>
-            </a:r>
-            <a:r>
-              <a:rPr lang="en-IN" dirty="0" smtClean="0"/>
-              <a:t>constructor</a:t>
-            </a:r>
-          </a:p>
-          <a:p>
-            <a:pPr marL="457200" lvl="1" indent="0">
-              <a:buNone/>
-            </a:pPr>
-            <a:r>
-              <a:rPr lang="en-IN" dirty="0"/>
-              <a:t>How do I refer to the constructor of a class or array?  </a:t>
-            </a:r>
-            <a:endParaRPr lang="en-IN" dirty="0" smtClean="0"/>
-          </a:p>
-          <a:p>
-            <a:pPr marL="457200" lvl="1" indent="0">
-              <a:buNone/>
-            </a:pPr>
-            <a:r>
-              <a:rPr lang="en-IN" dirty="0" smtClean="0"/>
-              <a:t> </a:t>
-            </a:r>
-            <a:r>
-              <a:rPr lang="en-IN" dirty="0"/>
-              <a:t>Via </a:t>
-            </a:r>
-            <a:r>
-              <a:rPr lang="en-IN" dirty="0" err="1"/>
-              <a:t>typename</a:t>
-            </a:r>
-            <a:r>
-              <a:rPr lang="en-IN" dirty="0"/>
-              <a:t>::new. </a:t>
-            </a:r>
-          </a:p>
-          <a:p>
-            <a:pPr marL="457200" lvl="1" indent="0">
-              <a:buNone/>
-            </a:pPr>
-            <a:endParaRPr lang="en-IN" dirty="0" smtClean="0"/>
-          </a:p>
-        </p:txBody>
-      </p:sp>
-    </p:spTree>
-    <p:extLst>
-      <p:ext uri="{BB962C8B-B14F-4D97-AF65-F5344CB8AC3E}">
-        <p14:creationId xmlns:p14="http://schemas.microsoft.com/office/powerpoint/2010/main" val="3865170547"/>
-      </p:ext>
-    </p:extLst>
-  </p:cSld>
-  <p:clrMapOvr>
-    <a:masterClrMapping/>
-  </p:clrMapOvr>
-</p:sld>
-</file>
-
-<file path=ppt/slides/slide24.xml><?xml version="1.0" encoding="utf-8"?>
-<p:sld xmlns:a="http://schemas.openxmlformats.org/drawingml/2006/main" xmlns:r="http://schemas.openxmlformats.org/officeDocument/2006/relationships" xmlns:p="http://schemas.openxmlformats.org/presentationml/2006/main">
-  <p:cSld>
-    <p:spTree>
-      <p:nvGrpSpPr>
-        <p:cNvPr id="1" name=""/>
-        <p:cNvGrpSpPr/>
-        <p:nvPr/>
-      </p:nvGrpSpPr>
-      <p:grpSpPr>
-        <a:xfrm>
-          <a:off x="0" y="0"/>
-          <a:ext cx="0" cy="0"/>
-          <a:chOff x="0" y="0"/>
-          <a:chExt cx="0" cy="0"/>
-        </a:xfrm>
-      </p:grpSpPr>
-      <p:sp>
-        <p:nvSpPr>
-          <p:cNvPr id="2" name="Title 1"/>
-          <p:cNvSpPr>
-            <a:spLocks noGrp="1"/>
-          </p:cNvSpPr>
-          <p:nvPr>
-            <p:ph type="title"/>
-          </p:nvPr>
-        </p:nvSpPr>
-        <p:spPr>
-          <a:xfrm>
-            <a:off x="677334" y="142504"/>
-            <a:ext cx="8596668" cy="712519"/>
-          </a:xfrm>
-        </p:spPr>
-        <p:txBody>
-          <a:bodyPr>
-            <a:normAutofit/>
-          </a:bodyPr>
-          <a:lstStyle/>
-          <a:p>
-            <a:r>
-              <a:rPr lang="en-IN" dirty="0" smtClean="0"/>
-              <a:t>Lambda summary till now contd.</a:t>
-            </a:r>
-            <a:endParaRPr lang="en-IN" dirty="0"/>
-          </a:p>
-        </p:txBody>
-      </p:sp>
-      <p:sp>
-        <p:nvSpPr>
-          <p:cNvPr id="3" name="Content Placeholder 2"/>
-          <p:cNvSpPr>
-            <a:spLocks noGrp="1"/>
-          </p:cNvSpPr>
-          <p:nvPr>
-            <p:ph idx="1"/>
-          </p:nvPr>
-        </p:nvSpPr>
-        <p:spPr>
-          <a:xfrm>
-            <a:off x="677334" y="1021279"/>
-            <a:ext cx="8739798" cy="5712030"/>
-          </a:xfrm>
-        </p:spPr>
-        <p:txBody>
-          <a:bodyPr>
-            <a:normAutofit fontScale="70000" lnSpcReduction="20000"/>
-          </a:bodyPr>
-          <a:lstStyle/>
-          <a:p>
-            <a:pPr marL="457200" lvl="1" indent="0">
-              <a:buNone/>
-            </a:pPr>
-            <a:r>
-              <a:rPr lang="en-IN" sz="1500" dirty="0" smtClean="0"/>
-              <a:t> </a:t>
-            </a:r>
-          </a:p>
-          <a:p>
-            <a:pPr marL="457200" lvl="1" indent="0">
-              <a:buNone/>
-            </a:pPr>
-            <a:r>
-              <a:rPr lang="en-IN" dirty="0" smtClean="0"/>
-              <a:t> Can I refer to a particular signature of an overloaded constructor? </a:t>
-            </a:r>
-          </a:p>
-          <a:p>
-            <a:pPr marL="457200" lvl="1" indent="0">
-              <a:buNone/>
-            </a:pPr>
-            <a:r>
-              <a:rPr lang="en-IN" dirty="0" smtClean="0"/>
-              <a:t>  No, you can only refer to a name, but not to a signature. </a:t>
-            </a:r>
-          </a:p>
-          <a:p>
-            <a:pPr marL="457200" lvl="1" indent="0">
-              <a:buNone/>
-            </a:pPr>
-            <a:r>
-              <a:rPr lang="en-IN" dirty="0" smtClean="0"/>
-              <a:t>How do I refer to a generic constructor of a class?  </a:t>
-            </a:r>
-          </a:p>
-          <a:p>
-            <a:pPr marL="457200" lvl="1" indent="0">
-              <a:buNone/>
-            </a:pPr>
-            <a:r>
-              <a:rPr lang="en-IN" dirty="0" smtClean="0"/>
-              <a:t> There is no difference between a reference to a generic or non-generic constructor; the generic constructor's type parameters are always inferred. </a:t>
-            </a:r>
-          </a:p>
-          <a:p>
-            <a:pPr marL="457200" lvl="1" indent="0">
-              <a:buNone/>
-            </a:pPr>
-            <a:r>
-              <a:rPr lang="en-IN" dirty="0" smtClean="0"/>
-              <a:t>reference </a:t>
-            </a:r>
-          </a:p>
-          <a:p>
-            <a:pPr marL="457200" lvl="1" indent="0">
-              <a:buNone/>
-            </a:pPr>
-            <a:r>
-              <a:rPr lang="en-IN" dirty="0" smtClean="0"/>
-              <a:t>How do I refer to a static method?  </a:t>
-            </a:r>
-          </a:p>
-          <a:p>
-            <a:pPr marL="457200" lvl="1" indent="0">
-              <a:buNone/>
-            </a:pPr>
-            <a:r>
-              <a:rPr lang="en-IN" dirty="0" smtClean="0"/>
-              <a:t> Via </a:t>
-            </a:r>
-            <a:r>
-              <a:rPr lang="en-IN" dirty="0" err="1" smtClean="0"/>
-              <a:t>typename</a:t>
-            </a:r>
-            <a:r>
-              <a:rPr lang="en-IN" dirty="0" smtClean="0"/>
-              <a:t> :: </a:t>
-            </a:r>
-            <a:r>
-              <a:rPr lang="en-IN" dirty="0" err="1" smtClean="0"/>
-              <a:t>methodname</a:t>
-            </a:r>
-            <a:r>
-              <a:rPr lang="en-IN" dirty="0" smtClean="0"/>
-              <a:t>. </a:t>
-            </a:r>
-          </a:p>
-          <a:p>
-            <a:pPr marL="457200" lvl="1" indent="0">
-              <a:buNone/>
-            </a:pPr>
-            <a:r>
-              <a:rPr lang="en-IN" dirty="0" smtClean="0"/>
-              <a:t>How do I refer to a non-static method?   </a:t>
-            </a:r>
-          </a:p>
-          <a:p>
-            <a:pPr marL="457200" lvl="1" indent="0">
-              <a:buNone/>
-            </a:pPr>
-            <a:r>
-              <a:rPr lang="en-IN" dirty="0" smtClean="0"/>
-              <a:t>Via </a:t>
-            </a:r>
-            <a:r>
-              <a:rPr lang="en-IN" dirty="0" err="1" smtClean="0"/>
-              <a:t>typename</a:t>
-            </a:r>
-            <a:r>
-              <a:rPr lang="en-IN" dirty="0" smtClean="0"/>
-              <a:t> :: </a:t>
-            </a:r>
-            <a:r>
-              <a:rPr lang="en-IN" dirty="0" err="1" smtClean="0"/>
-              <a:t>methodname</a:t>
-            </a:r>
-            <a:r>
-              <a:rPr lang="en-IN" dirty="0" smtClean="0"/>
-              <a:t> if the receiver is unspecified. Via expression :: </a:t>
-            </a:r>
-            <a:r>
-              <a:rPr lang="en-IN" dirty="0" err="1" smtClean="0"/>
-              <a:t>methodname</a:t>
-            </a:r>
-            <a:r>
-              <a:rPr lang="en-IN" dirty="0" smtClean="0"/>
-              <a:t> where the expression is the receiver</a:t>
-            </a:r>
-          </a:p>
-          <a:p>
-            <a:pPr marL="457200" lvl="1" indent="0">
-              <a:buNone/>
-            </a:pPr>
-            <a:r>
-              <a:rPr lang="en-IN" dirty="0" smtClean="0"/>
-              <a:t>What are functional interfaces needed for? </a:t>
-            </a:r>
-          </a:p>
-          <a:p>
-            <a:pPr marL="457200" lvl="1" indent="0">
-              <a:buNone/>
-            </a:pPr>
-            <a:r>
-              <a:rPr lang="en-IN" dirty="0" smtClean="0"/>
-              <a:t>  Functional interfaces are needed as the target type of a lambda expression or method / constructor reference</a:t>
-            </a:r>
-          </a:p>
-          <a:p>
-            <a:pPr marL="457200" lvl="1" indent="0">
-              <a:buNone/>
-            </a:pPr>
-            <a:r>
-              <a:rPr lang="en-IN" dirty="0"/>
-              <a:t>Can a functional interface have </a:t>
-            </a:r>
-            <a:r>
-              <a:rPr lang="en-IN" dirty="0" err="1"/>
-              <a:t>nonabstract</a:t>
-            </a:r>
-            <a:r>
-              <a:rPr lang="en-IN" dirty="0"/>
-              <a:t> methods?  </a:t>
-            </a:r>
-            <a:endParaRPr lang="en-IN" dirty="0" smtClean="0"/>
-          </a:p>
-          <a:p>
-            <a:pPr marL="457200" lvl="1" indent="0">
-              <a:buNone/>
-            </a:pPr>
-            <a:r>
-              <a:rPr lang="en-IN" dirty="0" smtClean="0"/>
-              <a:t> </a:t>
-            </a:r>
-            <a:r>
-              <a:rPr lang="en-IN" dirty="0"/>
-              <a:t>Yes, it can have default methods and methods inherited from Object</a:t>
-            </a:r>
-            <a:r>
-              <a:rPr lang="en-IN" dirty="0" smtClean="0"/>
-              <a:t>.</a:t>
-            </a:r>
-          </a:p>
-          <a:p>
-            <a:pPr marL="457200" lvl="1" indent="0">
-              <a:buNone/>
-            </a:pPr>
-            <a:r>
-              <a:rPr lang="en-IN" dirty="0"/>
-              <a:t>What is the purpose of the @Functional Interface annotation</a:t>
-            </a:r>
-            <a:r>
-              <a:rPr lang="en-IN" dirty="0" smtClean="0"/>
-              <a:t>?</a:t>
-            </a:r>
-          </a:p>
-          <a:p>
-            <a:pPr marL="457200" lvl="1" indent="0">
-              <a:buNone/>
-            </a:pPr>
-            <a:r>
-              <a:rPr lang="en-IN" dirty="0" smtClean="0"/>
-              <a:t>   </a:t>
-            </a:r>
-            <a:r>
-              <a:rPr lang="en-IN" dirty="0"/>
-              <a:t>It indicates that an interface is intended as a functional interface and triggers certain compiler checks. </a:t>
-            </a:r>
-            <a:endParaRPr lang="en-IN" dirty="0" smtClean="0"/>
-          </a:p>
-          <a:p>
-            <a:pPr marL="457200" lvl="1" indent="0">
-              <a:buNone/>
-            </a:pPr>
-            <a:r>
-              <a:rPr lang="en-IN" dirty="0"/>
-              <a:t> Can functional interfaces be generic?   Yes. </a:t>
-            </a:r>
-            <a:endParaRPr lang="en-IN" dirty="0" smtClean="0"/>
-          </a:p>
-          <a:p>
-            <a:pPr marL="457200" lvl="1" indent="0">
-              <a:buNone/>
-            </a:pPr>
-            <a:r>
-              <a:rPr lang="en-IN" dirty="0"/>
-              <a:t>Is the intersection of several functional interfaces functional, too?   Yes, if the intersection contains a single abstract method. </a:t>
-            </a:r>
-            <a:endParaRPr lang="en-IN" dirty="0" smtClean="0"/>
-          </a:p>
-          <a:p>
-            <a:pPr marL="457200" lvl="1" indent="0">
-              <a:buNone/>
-            </a:pPr>
-            <a:r>
-              <a:rPr lang="en-IN" dirty="0"/>
-              <a:t>What can I do if I pass a lambda to an overloaded method and the compiler rejects it due to an ambiguity? Specify the lambda's arguments types explicitly</a:t>
-            </a:r>
-          </a:p>
-          <a:p>
-            <a:pPr marL="457200" lvl="1" indent="0">
-              <a:buNone/>
-            </a:pPr>
-            <a:endParaRPr lang="en-IN" dirty="0" smtClean="0"/>
-          </a:p>
-        </p:txBody>
-      </p:sp>
-    </p:spTree>
-    <p:extLst>
-      <p:ext uri="{BB962C8B-B14F-4D97-AF65-F5344CB8AC3E}">
-        <p14:creationId xmlns:p14="http://schemas.microsoft.com/office/powerpoint/2010/main" val="801930932"/>
-      </p:ext>
-    </p:extLst>
-  </p:cSld>
-  <p:clrMapOvr>
-    <a:masterClrMapping/>
-  </p:clrMapOvr>
-</p:sld>
-</file>
-
-<file path=ppt/slides/slide25.xml><?xml version="1.0" encoding="utf-8"?>
-<p:sld xmlns:a="http://schemas.openxmlformats.org/drawingml/2006/main" xmlns:r="http://schemas.openxmlformats.org/officeDocument/2006/relationships" xmlns:p="http://schemas.openxmlformats.org/presentationml/2006/main">
-  <p:cSld>
-    <p:spTree>
-      <p:nvGrpSpPr>
-        <p:cNvPr id="1" name=""/>
-        <p:cNvGrpSpPr/>
-        <p:nvPr/>
-      </p:nvGrpSpPr>
-      <p:grpSpPr>
-        <a:xfrm>
-          <a:off x="0" y="0"/>
-          <a:ext cx="0" cy="0"/>
-          <a:chOff x="0" y="0"/>
-          <a:chExt cx="0" cy="0"/>
-        </a:xfrm>
-      </p:grpSpPr>
-      <p:sp>
-        <p:nvSpPr>
-          <p:cNvPr id="2" name="Title 1"/>
-          <p:cNvSpPr>
-            <a:spLocks noGrp="1"/>
-          </p:cNvSpPr>
-          <p:nvPr>
-            <p:ph type="title"/>
-          </p:nvPr>
-        </p:nvSpPr>
-        <p:spPr>
-          <a:xfrm>
             <a:off x="838200" y="225631"/>
             <a:ext cx="10515600" cy="985653"/>
           </a:xfrm>
@@ -12285,7 +10557,7 @@
 </p:sld>
 </file>
 
-<file path=ppt/slides/slide26.xml><?xml version="1.0" encoding="utf-8"?>
+<file path=ppt/slides/slide23.xml><?xml version="1.0" encoding="utf-8"?>
 <p:sld xmlns:a="http://schemas.openxmlformats.org/drawingml/2006/main" xmlns:r="http://schemas.openxmlformats.org/officeDocument/2006/relationships" xmlns:p="http://schemas.openxmlformats.org/presentationml/2006/main">
   <p:cSld>
     <p:spTree>
@@ -12620,7 +10892,7 @@
 </p:sld>
 </file>
 
-<file path=ppt/slides/slide27.xml><?xml version="1.0" encoding="utf-8"?>
+<file path=ppt/slides/slide24.xml><?xml version="1.0" encoding="utf-8"?>
 <p:sld xmlns:a="http://schemas.openxmlformats.org/drawingml/2006/main" xmlns:r="http://schemas.openxmlformats.org/officeDocument/2006/relationships" xmlns:p="http://schemas.openxmlformats.org/presentationml/2006/main">
   <p:cSld>
     <p:spTree>
@@ -12931,7 +11203,7 @@
 </p:sld>
 </file>
 
-<file path=ppt/slides/slide28.xml><?xml version="1.0" encoding="utf-8"?>
+<file path=ppt/slides/slide25.xml><?xml version="1.0" encoding="utf-8"?>
 <p:sld xmlns:a="http://schemas.openxmlformats.org/drawingml/2006/main" xmlns:r="http://schemas.openxmlformats.org/officeDocument/2006/relationships" xmlns:p="http://schemas.openxmlformats.org/presentationml/2006/main">
   <p:cSld>
     <p:spTree>
@@ -13330,6 +11602,606 @@
     <p:extLst>
       <p:ext uri="{BB962C8B-B14F-4D97-AF65-F5344CB8AC3E}">
         <p14:creationId xmlns:p14="http://schemas.microsoft.com/office/powerpoint/2010/main" val="2774598361"/>
+      </p:ext>
+    </p:extLst>
+  </p:cSld>
+  <p:clrMapOvr>
+    <a:masterClrMapping/>
+  </p:clrMapOvr>
+  <p:timing>
+    <p:tnLst>
+      <p:par>
+        <p:cTn id="1" dur="indefinite" restart="never" nodeType="tmRoot"/>
+      </p:par>
+    </p:tnLst>
+  </p:timing>
+</p:sld>
+</file>
+
+<file path=ppt/slides/slide26.xml><?xml version="1.0" encoding="utf-8"?>
+<p:sld xmlns:a="http://schemas.openxmlformats.org/drawingml/2006/main" xmlns:r="http://schemas.openxmlformats.org/officeDocument/2006/relationships" xmlns:p="http://schemas.openxmlformats.org/presentationml/2006/main">
+  <p:cSld>
+    <p:spTree>
+      <p:nvGrpSpPr>
+        <p:cNvPr id="1" name=""/>
+        <p:cNvGrpSpPr/>
+        <p:nvPr/>
+      </p:nvGrpSpPr>
+      <p:grpSpPr>
+        <a:xfrm>
+          <a:off x="0" y="0"/>
+          <a:ext cx="0" cy="0"/>
+          <a:chOff x="0" y="0"/>
+          <a:chExt cx="0" cy="0"/>
+        </a:xfrm>
+      </p:grpSpPr>
+      <p:sp>
+        <p:nvSpPr>
+          <p:cNvPr id="3" name="Content Placeholder 2"/>
+          <p:cNvSpPr>
+            <a:spLocks noGrp="1"/>
+          </p:cNvSpPr>
+          <p:nvPr>
+            <p:ph idx="1"/>
+          </p:nvPr>
+        </p:nvSpPr>
+        <p:spPr>
+          <a:xfrm>
+            <a:off x="838200" y="676894"/>
+            <a:ext cx="10515600" cy="5500069"/>
+          </a:xfrm>
+        </p:spPr>
+        <p:txBody>
+          <a:bodyPr/>
+          <a:lstStyle/>
+          <a:p>
+            <a:pPr marL="0" indent="0">
+              <a:buNone/>
+            </a:pPr>
+            <a:r>
+              <a:rPr lang="en-IN" dirty="0" smtClean="0"/>
+              <a:t>The syntax for a method reference also supports specifying the actual type parameters for generic types. </a:t>
+            </a:r>
+          </a:p>
+          <a:p>
+            <a:pPr marL="0" indent="0">
+              <a:buNone/>
+            </a:pPr>
+            <a:r>
+              <a:rPr lang="en-IN" dirty="0" smtClean="0"/>
+              <a:t>the actual type parameters are specified just before the two consecutive colons. For example, the constructor reference </a:t>
+            </a:r>
+            <a:r>
+              <a:rPr lang="en-IN" dirty="0" err="1" smtClean="0"/>
+              <a:t>ArrayList</a:t>
+            </a:r>
+            <a:r>
+              <a:rPr lang="en-IN" dirty="0" smtClean="0"/>
+              <a:t>&lt;Long&gt;::new specifies Long as the actual type parameter for the generic </a:t>
+            </a:r>
+            <a:r>
+              <a:rPr lang="en-IN" dirty="0" err="1" smtClean="0"/>
+              <a:t>ArrayList</a:t>
+            </a:r>
+            <a:r>
+              <a:rPr lang="en-IN" dirty="0" smtClean="0"/>
+              <a:t>&lt;T&gt; class.</a:t>
+            </a:r>
+          </a:p>
+          <a:p>
+            <a:pPr marL="0" indent="0">
+              <a:buNone/>
+            </a:pPr>
+            <a:r>
+              <a:rPr lang="en-IN" dirty="0" smtClean="0"/>
+              <a:t>static &lt;T&gt; List&lt;T&gt; </a:t>
+            </a:r>
+            <a:r>
+              <a:rPr lang="en-IN" dirty="0" err="1" smtClean="0"/>
+              <a:t>asList</a:t>
+            </a:r>
+            <a:r>
+              <a:rPr lang="en-IN" dirty="0" smtClean="0"/>
+              <a:t>(T... a)</a:t>
+            </a:r>
+          </a:p>
+          <a:p>
+            <a:pPr marL="0" indent="0">
+              <a:buNone/>
+            </a:pPr>
+            <a:r>
+              <a:rPr lang="en-IN" dirty="0" smtClean="0"/>
+              <a:t>Arrays::&lt;String&gt;</a:t>
+            </a:r>
+            <a:r>
+              <a:rPr lang="en-IN" dirty="0" err="1" smtClean="0"/>
+              <a:t>asList</a:t>
+            </a:r>
+            <a:r>
+              <a:rPr lang="en-IN" dirty="0" smtClean="0"/>
+              <a:t>. </a:t>
+            </a:r>
+            <a:endParaRPr lang="en-IN" dirty="0"/>
+          </a:p>
+        </p:txBody>
+      </p:sp>
+    </p:spTree>
+    <p:extLst>
+      <p:ext uri="{BB962C8B-B14F-4D97-AF65-F5344CB8AC3E}">
+        <p14:creationId xmlns:p14="http://schemas.microsoft.com/office/powerpoint/2010/main" val="2054911579"/>
+      </p:ext>
+    </p:extLst>
+  </p:cSld>
+  <p:clrMapOvr>
+    <a:masterClrMapping/>
+  </p:clrMapOvr>
+  <p:timing>
+    <p:tnLst>
+      <p:par>
+        <p:cTn id="1" dur="indefinite" restart="never" nodeType="tmRoot"/>
+      </p:par>
+    </p:tnLst>
+  </p:timing>
+</p:sld>
+</file>
+
+<file path=ppt/slides/slide27.xml><?xml version="1.0" encoding="utf-8"?>
+<p:sld xmlns:a="http://schemas.openxmlformats.org/drawingml/2006/main" xmlns:r="http://schemas.openxmlformats.org/officeDocument/2006/relationships" xmlns:p="http://schemas.openxmlformats.org/presentationml/2006/main">
+  <p:cSld>
+    <p:spTree>
+      <p:nvGrpSpPr>
+        <p:cNvPr id="1" name=""/>
+        <p:cNvGrpSpPr/>
+        <p:nvPr/>
+      </p:nvGrpSpPr>
+      <p:grpSpPr>
+        <a:xfrm>
+          <a:off x="0" y="0"/>
+          <a:ext cx="0" cy="0"/>
+          <a:chOff x="0" y="0"/>
+          <a:chExt cx="0" cy="0"/>
+        </a:xfrm>
+      </p:grpSpPr>
+      <p:sp>
+        <p:nvSpPr>
+          <p:cNvPr id="3" name="Content Placeholder 2"/>
+          <p:cNvSpPr>
+            <a:spLocks noGrp="1"/>
+          </p:cNvSpPr>
+          <p:nvPr>
+            <p:ph idx="1"/>
+          </p:nvPr>
+        </p:nvSpPr>
+        <p:spPr>
+          <a:xfrm>
+            <a:off x="838200" y="213756"/>
+            <a:ext cx="10515600" cy="5963207"/>
+          </a:xfrm>
+        </p:spPr>
+        <p:txBody>
+          <a:bodyPr>
+            <a:normAutofit/>
+          </a:bodyPr>
+          <a:lstStyle/>
+          <a:p>
+            <a:r>
+              <a:rPr lang="en-IN" dirty="0" err="1" smtClean="0"/>
+              <a:t>Exercize</a:t>
+            </a:r>
+            <a:endParaRPr lang="en-IN" dirty="0" smtClean="0"/>
+          </a:p>
+          <a:p>
+            <a:r>
+              <a:rPr lang="en-IN" dirty="0"/>
+              <a:t>void sort(Comparator&lt;? super E&gt; c)</a:t>
+            </a:r>
+          </a:p>
+          <a:p>
+            <a:r>
+              <a:rPr lang="en-IN" dirty="0" smtClean="0"/>
+              <a:t>I have List&lt;Student&gt;</a:t>
+            </a:r>
+          </a:p>
+          <a:p>
+            <a:r>
+              <a:rPr lang="en-IN" dirty="0"/>
+              <a:t>public class </a:t>
+            </a:r>
+            <a:r>
+              <a:rPr lang="en-IN" dirty="0" err="1" smtClean="0"/>
+              <a:t>StudentComparator</a:t>
+            </a:r>
+            <a:r>
+              <a:rPr lang="en-IN" dirty="0" smtClean="0"/>
+              <a:t> </a:t>
+            </a:r>
+            <a:r>
+              <a:rPr lang="en-IN" dirty="0"/>
+              <a:t>implements </a:t>
+            </a:r>
+            <a:r>
+              <a:rPr lang="en-IN" dirty="0" smtClean="0"/>
+              <a:t>Comparator&lt;Student&gt; </a:t>
+            </a:r>
+            <a:r>
+              <a:rPr lang="en-IN" dirty="0"/>
+              <a:t>{ public </a:t>
+            </a:r>
+            <a:r>
+              <a:rPr lang="en-IN" dirty="0" err="1"/>
+              <a:t>int</a:t>
+            </a:r>
+            <a:r>
+              <a:rPr lang="en-IN" dirty="0"/>
+              <a:t> </a:t>
+            </a:r>
+            <a:r>
+              <a:rPr lang="en-IN" dirty="0" smtClean="0"/>
+              <a:t>compare(Student </a:t>
+            </a:r>
+            <a:r>
+              <a:rPr lang="en-IN" dirty="0"/>
+              <a:t>a1, </a:t>
+            </a:r>
+            <a:r>
+              <a:rPr lang="en-IN" dirty="0" smtClean="0"/>
+              <a:t>Student a2)</a:t>
+            </a:r>
+          </a:p>
+          <a:p>
+            <a:pPr marL="0" indent="0">
+              <a:buNone/>
+            </a:pPr>
+            <a:r>
+              <a:rPr lang="en-IN" dirty="0"/>
+              <a:t> </a:t>
+            </a:r>
+            <a:r>
+              <a:rPr lang="en-IN" dirty="0" smtClean="0"/>
+              <a:t>  { </a:t>
+            </a:r>
+          </a:p>
+          <a:p>
+            <a:pPr marL="0" indent="0">
+              <a:buNone/>
+            </a:pPr>
+            <a:r>
+              <a:rPr lang="en-IN" dirty="0"/>
+              <a:t> </a:t>
+            </a:r>
+            <a:r>
+              <a:rPr lang="en-IN" dirty="0" smtClean="0"/>
+              <a:t>   return a1.getTotal().</a:t>
+            </a:r>
+            <a:r>
+              <a:rPr lang="en-IN" dirty="0" err="1" smtClean="0"/>
+              <a:t>compareTo</a:t>
+            </a:r>
+            <a:r>
+              <a:rPr lang="en-IN" dirty="0" smtClean="0"/>
+              <a:t>(a2.getTotal()); </a:t>
+            </a:r>
+            <a:r>
+              <a:rPr lang="en-IN" dirty="0"/>
+              <a:t>} </a:t>
+            </a:r>
+            <a:endParaRPr lang="en-IN" dirty="0" smtClean="0"/>
+          </a:p>
+          <a:p>
+            <a:pPr marL="0" indent="0">
+              <a:buNone/>
+            </a:pPr>
+            <a:r>
+              <a:rPr lang="en-IN" dirty="0"/>
+              <a:t> </a:t>
+            </a:r>
+            <a:r>
+              <a:rPr lang="en-IN" dirty="0" smtClean="0"/>
+              <a:t>  }</a:t>
+            </a:r>
+          </a:p>
+          <a:p>
+            <a:pPr marL="0" indent="0">
+              <a:buNone/>
+            </a:pPr>
+            <a:r>
+              <a:rPr lang="en-IN" dirty="0" smtClean="0"/>
+              <a:t>   </a:t>
+            </a:r>
+            <a:r>
+              <a:rPr lang="en-IN" dirty="0" err="1" smtClean="0"/>
+              <a:t>students.sort</a:t>
+            </a:r>
+            <a:r>
+              <a:rPr lang="en-IN" dirty="0" smtClean="0"/>
+              <a:t>(new </a:t>
+            </a:r>
+            <a:r>
+              <a:rPr lang="en-IN" dirty="0" err="1" smtClean="0"/>
+              <a:t>StudentComparator</a:t>
+            </a:r>
+            <a:r>
+              <a:rPr lang="en-IN" dirty="0" smtClean="0"/>
+              <a:t>());</a:t>
+            </a:r>
+          </a:p>
+          <a:p>
+            <a:pPr marL="0" indent="0">
+              <a:buNone/>
+            </a:pPr>
+            <a:r>
+              <a:rPr lang="en-IN" dirty="0"/>
+              <a:t> </a:t>
+            </a:r>
+            <a:r>
+              <a:rPr lang="en-IN" dirty="0" smtClean="0"/>
+              <a:t>or use anonymous </a:t>
+            </a:r>
+          </a:p>
+          <a:p>
+            <a:pPr marL="0" indent="0">
+              <a:buNone/>
+            </a:pPr>
+            <a:r>
+              <a:rPr lang="en-IN" dirty="0" smtClean="0"/>
+              <a:t>Or </a:t>
+            </a:r>
+            <a:r>
+              <a:rPr lang="en-IN" dirty="0" err="1" smtClean="0"/>
+              <a:t>students.sort</a:t>
+            </a:r>
+            <a:r>
+              <a:rPr lang="en-IN" dirty="0" smtClean="0"/>
+              <a:t>((Student s1,Student s2)-&gt;s1.getTotal().</a:t>
+            </a:r>
+            <a:r>
+              <a:rPr lang="en-IN" dirty="0" err="1" smtClean="0"/>
+              <a:t>compareTo</a:t>
+            </a:r>
+            <a:r>
+              <a:rPr lang="en-IN" dirty="0" smtClean="0"/>
+              <a:t>….</a:t>
+            </a:r>
+          </a:p>
+          <a:p>
+            <a:pPr marL="0" indent="0">
+              <a:buNone/>
+            </a:pPr>
+            <a:r>
+              <a:rPr lang="en-IN" dirty="0" err="1" smtClean="0"/>
+              <a:t>Students.sort</a:t>
+            </a:r>
+            <a:r>
+              <a:rPr lang="en-IN" dirty="0" smtClean="0"/>
+              <a:t>(comparing((s1)-&gt;s1.getTotal()))</a:t>
+            </a:r>
+          </a:p>
+          <a:p>
+            <a:pPr marL="0" indent="0">
+              <a:buNone/>
+            </a:pPr>
+            <a:r>
+              <a:rPr lang="en-IN" dirty="0" err="1" smtClean="0"/>
+              <a:t>Comparator.comparing</a:t>
+            </a:r>
+            <a:r>
+              <a:rPr lang="en-IN" dirty="0" smtClean="0"/>
+              <a:t> static method</a:t>
+            </a:r>
+            <a:endParaRPr lang="en-IN" dirty="0"/>
+          </a:p>
+          <a:p>
+            <a:r>
+              <a:rPr lang="en-IN" dirty="0" err="1" smtClean="0"/>
+              <a:t>Students.sort</a:t>
+            </a:r>
+            <a:r>
+              <a:rPr lang="en-IN" dirty="0" smtClean="0"/>
+              <a:t>(comparing(Student::</a:t>
+            </a:r>
+            <a:r>
+              <a:rPr lang="en-IN" dirty="0" err="1" smtClean="0"/>
+              <a:t>getTotal</a:t>
+            </a:r>
+            <a:r>
+              <a:rPr lang="en-IN" dirty="0" smtClean="0"/>
+              <a:t>)</a:t>
+            </a:r>
+            <a:endParaRPr lang="en-IN" dirty="0"/>
+          </a:p>
+        </p:txBody>
+      </p:sp>
+    </p:spTree>
+    <p:extLst>
+      <p:ext uri="{BB962C8B-B14F-4D97-AF65-F5344CB8AC3E}">
+        <p14:creationId xmlns:p14="http://schemas.microsoft.com/office/powerpoint/2010/main" val="2022260281"/>
+      </p:ext>
+    </p:extLst>
+  </p:cSld>
+  <p:clrMapOvr>
+    <a:masterClrMapping/>
+  </p:clrMapOvr>
+  <p:timing>
+    <p:tnLst>
+      <p:par>
+        <p:cTn id="1" dur="indefinite" restart="never" nodeType="tmRoot"/>
+      </p:par>
+    </p:tnLst>
+  </p:timing>
+</p:sld>
+</file>
+
+<file path=ppt/slides/slide28.xml><?xml version="1.0" encoding="utf-8"?>
+<p:sld xmlns:a="http://schemas.openxmlformats.org/drawingml/2006/main" xmlns:r="http://schemas.openxmlformats.org/officeDocument/2006/relationships" xmlns:p="http://schemas.openxmlformats.org/presentationml/2006/main">
+  <p:cSld>
+    <p:spTree>
+      <p:nvGrpSpPr>
+        <p:cNvPr id="1" name=""/>
+        <p:cNvGrpSpPr/>
+        <p:nvPr/>
+      </p:nvGrpSpPr>
+      <p:grpSpPr>
+        <a:xfrm>
+          <a:off x="0" y="0"/>
+          <a:ext cx="0" cy="0"/>
+          <a:chOff x="0" y="0"/>
+          <a:chExt cx="0" cy="0"/>
+        </a:xfrm>
+      </p:grpSpPr>
+      <p:sp>
+        <p:nvSpPr>
+          <p:cNvPr id="2" name="Title 1"/>
+          <p:cNvSpPr>
+            <a:spLocks noGrp="1"/>
+          </p:cNvSpPr>
+          <p:nvPr>
+            <p:ph type="title"/>
+          </p:nvPr>
+        </p:nvSpPr>
+        <p:spPr/>
+        <p:txBody>
+          <a:bodyPr/>
+          <a:lstStyle/>
+          <a:p>
+            <a:r>
+              <a:rPr lang="en-IN" dirty="0" smtClean="0"/>
+              <a:t>Quiz method reference</a:t>
+            </a:r>
+            <a:endParaRPr lang="en-IN" dirty="0"/>
+          </a:p>
+        </p:txBody>
+      </p:sp>
+      <p:sp>
+        <p:nvSpPr>
+          <p:cNvPr id="3" name="Content Placeholder 2"/>
+          <p:cNvSpPr>
+            <a:spLocks noGrp="1"/>
+          </p:cNvSpPr>
+          <p:nvPr>
+            <p:ph idx="1"/>
+          </p:nvPr>
+        </p:nvSpPr>
+        <p:spPr/>
+        <p:txBody>
+          <a:bodyPr/>
+          <a:lstStyle/>
+          <a:p>
+            <a:r>
+              <a:rPr lang="en-IN" dirty="0"/>
+              <a:t>What are equivalent method references for the following lambda expressions?</a:t>
+            </a:r>
+          </a:p>
+          <a:p>
+            <a:r>
+              <a:rPr lang="en-IN" dirty="0"/>
+              <a:t>1</a:t>
+            </a:r>
+            <a:r>
+              <a:rPr lang="en-IN" dirty="0" smtClean="0"/>
+              <a:t>. Function&lt;String</a:t>
+            </a:r>
+            <a:r>
+              <a:rPr lang="en-IN" dirty="0"/>
+              <a:t>, Integer&gt; </a:t>
+            </a:r>
+            <a:r>
+              <a:rPr lang="en-IN" dirty="0" err="1"/>
+              <a:t>stringToInteger</a:t>
+            </a:r>
+            <a:r>
+              <a:rPr lang="en-IN" dirty="0"/>
+              <a:t> = (String s) -&gt; </a:t>
+            </a:r>
+            <a:r>
+              <a:rPr lang="en-IN" dirty="0" err="1"/>
+              <a:t>Integer.parseInt</a:t>
+            </a:r>
+            <a:r>
+              <a:rPr lang="en-IN" dirty="0"/>
+              <a:t>(s);</a:t>
+            </a:r>
+          </a:p>
+          <a:p>
+            <a:r>
+              <a:rPr lang="en-IN" dirty="0"/>
+              <a:t>2</a:t>
+            </a:r>
+            <a:r>
+              <a:rPr lang="en-IN" dirty="0" smtClean="0"/>
+              <a:t>. </a:t>
+            </a:r>
+            <a:r>
+              <a:rPr lang="en-IN" dirty="0" err="1" smtClean="0"/>
+              <a:t>BiPredicate</a:t>
+            </a:r>
+            <a:r>
+              <a:rPr lang="en-IN" dirty="0" smtClean="0"/>
+              <a:t>&lt;List&lt;String</a:t>
+            </a:r>
+            <a:r>
+              <a:rPr lang="en-IN" dirty="0"/>
+              <a:t>&gt;, String&gt; contains = (list, element) -&gt; </a:t>
+            </a:r>
+            <a:r>
+              <a:rPr lang="en-IN" dirty="0" err="1"/>
+              <a:t>list.contains</a:t>
+            </a:r>
+            <a:r>
+              <a:rPr lang="en-IN" dirty="0"/>
+              <a:t>(element</a:t>
+            </a:r>
+            <a:r>
+              <a:rPr lang="en-IN" dirty="0" smtClean="0"/>
+              <a:t>);</a:t>
+            </a:r>
+          </a:p>
+          <a:p>
+            <a:r>
+              <a:rPr lang="en-IN" dirty="0"/>
+              <a:t>3 You saw how to transform zero-, one-, and two-argument constructors into constructor references. What would you need to do in order to use a constructor reference for a three-argument constructor such as </a:t>
+            </a:r>
+            <a:r>
+              <a:rPr lang="en-IN" dirty="0" err="1"/>
+              <a:t>Color</a:t>
+            </a:r>
+            <a:r>
+              <a:rPr lang="en-IN" dirty="0"/>
+              <a:t>(</a:t>
+            </a:r>
+            <a:r>
+              <a:rPr lang="en-IN" dirty="0" err="1"/>
+              <a:t>int</a:t>
+            </a:r>
+            <a:r>
+              <a:rPr lang="en-IN" dirty="0"/>
+              <a:t>, </a:t>
+            </a:r>
+            <a:r>
+              <a:rPr lang="en-IN" dirty="0" err="1"/>
+              <a:t>int</a:t>
+            </a:r>
+            <a:r>
+              <a:rPr lang="en-IN" dirty="0"/>
+              <a:t>, </a:t>
+            </a:r>
+            <a:r>
+              <a:rPr lang="en-IN" dirty="0" err="1"/>
+              <a:t>int</a:t>
+            </a:r>
+            <a:r>
+              <a:rPr lang="en-IN" dirty="0"/>
+              <a:t>)?</a:t>
+            </a:r>
+          </a:p>
+          <a:p>
+            <a:endParaRPr lang="en-IN" dirty="0"/>
+          </a:p>
+        </p:txBody>
+      </p:sp>
+    </p:spTree>
+    <p:extLst>
+      <p:ext uri="{BB962C8B-B14F-4D97-AF65-F5344CB8AC3E}">
+        <p14:creationId xmlns:p14="http://schemas.microsoft.com/office/powerpoint/2010/main" val="3818410760"/>
       </p:ext>
     </p:extLst>
   </p:cSld>
@@ -13375,80 +12247,370 @@
         </p:nvSpPr>
         <p:spPr>
           <a:xfrm>
-            <a:off x="838200" y="676894"/>
-            <a:ext cx="10515600" cy="5500069"/>
+            <a:off x="677334" y="439387"/>
+            <a:ext cx="8596668" cy="5601975"/>
           </a:xfrm>
         </p:spPr>
         <p:txBody>
-          <a:bodyPr/>
+          <a:bodyPr>
+            <a:normAutofit fontScale="85000" lnSpcReduction="20000"/>
+          </a:bodyPr>
           <a:lstStyle/>
           <a:p>
             <a:pPr marL="0" indent="0">
               <a:buNone/>
             </a:pPr>
             <a:r>
-              <a:rPr lang="en-IN" dirty="0" smtClean="0"/>
-              <a:t>The syntax for a method reference also supports specifying the actual type parameters for generic types. </a:t>
-            </a:r>
-          </a:p>
-          <a:p>
-            <a:pPr marL="0" indent="0">
-              <a:buNone/>
-            </a:pPr>
-            <a:r>
-              <a:rPr lang="en-IN" dirty="0" smtClean="0"/>
-              <a:t>the actual type parameters are specified just before the two consecutive colons. For example, the constructor reference </a:t>
-            </a:r>
-            <a:r>
-              <a:rPr lang="en-IN" dirty="0" err="1" smtClean="0"/>
-              <a:t>ArrayList</a:t>
-            </a:r>
-            <a:r>
-              <a:rPr lang="en-IN" dirty="0" smtClean="0"/>
-              <a:t>&lt;Long&gt;::new specifies Long as the actual type parameter for the generic </a:t>
-            </a:r>
-            <a:r>
-              <a:rPr lang="en-IN" dirty="0" err="1" smtClean="0"/>
-              <a:t>ArrayList</a:t>
-            </a:r>
-            <a:r>
-              <a:rPr lang="en-IN" dirty="0" smtClean="0"/>
-              <a:t>&lt;T&gt; class.</a:t>
-            </a:r>
-          </a:p>
-          <a:p>
-            <a:pPr marL="0" indent="0">
-              <a:buNone/>
-            </a:pPr>
-            <a:r>
-              <a:rPr lang="en-IN" dirty="0" smtClean="0"/>
-              <a:t>static &lt;T&gt; List&lt;T&gt; </a:t>
-            </a:r>
-            <a:r>
-              <a:rPr lang="en-IN" dirty="0" err="1" smtClean="0"/>
-              <a:t>asList</a:t>
-            </a:r>
-            <a:r>
-              <a:rPr lang="en-IN" dirty="0" smtClean="0"/>
-              <a:t>(T... a)</a:t>
-            </a:r>
-          </a:p>
-          <a:p>
-            <a:pPr marL="0" indent="0">
-              <a:buNone/>
-            </a:pPr>
-            <a:r>
-              <a:rPr lang="en-IN" dirty="0" smtClean="0"/>
-              <a:t>Arrays::&lt;String&gt;</a:t>
-            </a:r>
-            <a:r>
-              <a:rPr lang="en-IN" dirty="0" err="1" smtClean="0"/>
-              <a:t>asList</a:t>
-            </a:r>
-            <a:r>
-              <a:rPr lang="en-IN" dirty="0" smtClean="0"/>
-              <a:t>. </a:t>
-            </a:r>
+              <a:rPr lang="en-IN" dirty="0"/>
+              <a:t>public class Test {  </a:t>
+            </a:r>
+          </a:p>
+          <a:p>
+            <a:pPr marL="0" indent="0">
+              <a:buNone/>
+            </a:pPr>
+            <a:r>
+              <a:rPr lang="en-IN" dirty="0"/>
+              <a:t>      public static void main(String[] </a:t>
+            </a:r>
+            <a:r>
+              <a:rPr lang="en-IN" dirty="0" err="1"/>
+              <a:t>args</a:t>
+            </a:r>
+            <a:r>
+              <a:rPr lang="en-IN" dirty="0"/>
+              <a:t>) {  </a:t>
+            </a:r>
+          </a:p>
+          <a:p>
+            <a:pPr marL="0" indent="0">
+              <a:buNone/>
+            </a:pPr>
+            <a:r>
+              <a:rPr lang="en-IN" dirty="0"/>
+              <a:t>               String </a:t>
+            </a:r>
+            <a:r>
+              <a:rPr lang="en-IN" dirty="0" err="1">
+                <a:solidFill>
+                  <a:srgbClr val="FF0000"/>
+                </a:solidFill>
+              </a:rPr>
+              <a:t>msg</a:t>
+            </a:r>
+            <a:r>
+              <a:rPr lang="en-IN" dirty="0">
+                <a:solidFill>
+                  <a:srgbClr val="FF0000"/>
+                </a:solidFill>
+              </a:rPr>
+              <a:t> </a:t>
+            </a:r>
+            <a:r>
+              <a:rPr lang="en-IN" dirty="0"/>
+              <a:t>= "Hello";                                 // A compile-time error. </a:t>
+            </a:r>
+          </a:p>
+          <a:p>
+            <a:pPr marL="0" indent="0">
+              <a:buNone/>
+            </a:pPr>
+            <a:r>
+              <a:rPr lang="en-IN" dirty="0"/>
+              <a:t>            Printer </a:t>
+            </a:r>
+            <a:r>
+              <a:rPr lang="en-IN" dirty="0" err="1"/>
+              <a:t>printer</a:t>
+            </a:r>
+            <a:r>
+              <a:rPr lang="en-IN" dirty="0"/>
+              <a:t> = </a:t>
+            </a:r>
+            <a:r>
+              <a:rPr lang="en-IN" dirty="0" err="1">
+                <a:solidFill>
+                  <a:srgbClr val="FF0000"/>
+                </a:solidFill>
+              </a:rPr>
+              <a:t>msg</a:t>
+            </a:r>
+            <a:r>
+              <a:rPr lang="en-IN" dirty="0">
+                <a:solidFill>
+                  <a:srgbClr val="FF0000"/>
+                </a:solidFill>
+              </a:rPr>
+              <a:t> </a:t>
+            </a:r>
+            <a:r>
+              <a:rPr lang="en-IN" dirty="0"/>
+              <a:t>-&gt; </a:t>
+            </a:r>
+            <a:r>
+              <a:rPr lang="en-IN" dirty="0" err="1"/>
+              <a:t>System.out.println</a:t>
+            </a:r>
+            <a:r>
+              <a:rPr lang="en-IN" dirty="0"/>
+              <a:t>(</a:t>
+            </a:r>
+            <a:r>
+              <a:rPr lang="en-IN" dirty="0" err="1"/>
+              <a:t>msg</a:t>
+            </a:r>
+            <a:r>
+              <a:rPr lang="en-IN" dirty="0"/>
+              <a:t>);               </a:t>
+            </a:r>
+          </a:p>
+          <a:p>
+            <a:pPr marL="0" indent="0">
+              <a:buNone/>
+            </a:pPr>
+            <a:r>
+              <a:rPr lang="en-IN" dirty="0"/>
+              <a:t>         }     </a:t>
+            </a:r>
+          </a:p>
+          <a:p>
+            <a:pPr marL="0" indent="0">
+              <a:buNone/>
+            </a:pPr>
+            <a:r>
+              <a:rPr lang="en-IN" dirty="0"/>
+              <a:t>   </a:t>
+            </a:r>
+            <a:r>
+              <a:rPr lang="en-IN" dirty="0" smtClean="0"/>
+              <a:t>}</a:t>
+            </a:r>
+          </a:p>
+          <a:p>
+            <a:pPr marL="0" indent="0">
+              <a:buNone/>
+            </a:pPr>
+            <a:r>
+              <a:rPr lang="en-IN" dirty="0" smtClean="0"/>
+              <a:t>class </a:t>
+            </a:r>
+            <a:r>
+              <a:rPr lang="en-IN" dirty="0" err="1"/>
+              <a:t>UnrestrictedAccessToFields</a:t>
+            </a:r>
+            <a:r>
+              <a:rPr lang="en-IN" dirty="0"/>
+              <a:t> {  </a:t>
+            </a:r>
+            <a:endParaRPr lang="en-IN" dirty="0" smtClean="0"/>
+          </a:p>
+          <a:p>
+            <a:pPr marL="0" indent="0">
+              <a:buNone/>
+            </a:pPr>
+            <a:r>
+              <a:rPr lang="en-IN" dirty="0" smtClean="0"/>
+              <a:t> </a:t>
+            </a:r>
+            <a:r>
+              <a:rPr lang="en-IN" dirty="0"/>
+              <a:t>private static </a:t>
+            </a:r>
+            <a:r>
+              <a:rPr lang="en-IN" dirty="0" err="1"/>
+              <a:t>int</a:t>
+            </a:r>
+            <a:r>
+              <a:rPr lang="en-IN" dirty="0"/>
+              <a:t> </a:t>
+            </a:r>
+            <a:r>
+              <a:rPr lang="en-IN" dirty="0" err="1"/>
+              <a:t>staticField</a:t>
+            </a:r>
+            <a:r>
+              <a:rPr lang="en-IN" dirty="0"/>
+              <a:t> = 0; </a:t>
+            </a:r>
+            <a:endParaRPr lang="en-IN" dirty="0" smtClean="0"/>
+          </a:p>
+          <a:p>
+            <a:pPr marL="0" indent="0">
+              <a:buNone/>
+            </a:pPr>
+            <a:r>
+              <a:rPr lang="en-IN" dirty="0" smtClean="0"/>
+              <a:t>  </a:t>
+            </a:r>
+            <a:r>
+              <a:rPr lang="en-IN" dirty="0"/>
+              <a:t>private        </a:t>
+            </a:r>
+            <a:r>
+              <a:rPr lang="en-IN" dirty="0" err="1"/>
+              <a:t>int</a:t>
+            </a:r>
+            <a:r>
+              <a:rPr lang="en-IN" dirty="0"/>
+              <a:t> </a:t>
+            </a:r>
+            <a:r>
+              <a:rPr lang="en-IN" dirty="0" err="1"/>
+              <a:t>nonStaticField</a:t>
+            </a:r>
+            <a:r>
+              <a:rPr lang="en-IN" dirty="0"/>
+              <a:t> = 0; </a:t>
+            </a:r>
+            <a:endParaRPr lang="en-IN" dirty="0" smtClean="0"/>
+          </a:p>
+          <a:p>
+            <a:pPr marL="0" indent="0">
+              <a:buNone/>
+            </a:pPr>
+            <a:r>
+              <a:rPr lang="en-IN" dirty="0" smtClean="0"/>
+              <a:t>           </a:t>
+            </a:r>
+            <a:r>
+              <a:rPr lang="en-IN" dirty="0"/>
+              <a:t>public void demonstrate() { </a:t>
+            </a:r>
+            <a:endParaRPr lang="en-IN" dirty="0" smtClean="0"/>
+          </a:p>
+          <a:p>
+            <a:pPr marL="0" indent="0">
+              <a:buNone/>
+            </a:pPr>
+            <a:r>
+              <a:rPr lang="en-IN" dirty="0" smtClean="0"/>
+              <a:t>    </a:t>
+            </a:r>
+            <a:r>
+              <a:rPr lang="en-IN" dirty="0" err="1"/>
+              <a:t>int</a:t>
+            </a:r>
+            <a:r>
+              <a:rPr lang="en-IN" dirty="0"/>
+              <a:t> </a:t>
+            </a:r>
+            <a:r>
+              <a:rPr lang="en-IN" dirty="0" err="1"/>
+              <a:t>localVariable</a:t>
+            </a:r>
+            <a:r>
+              <a:rPr lang="en-IN" dirty="0"/>
+              <a:t> = 0;   </a:t>
+            </a:r>
+            <a:endParaRPr lang="en-IN" dirty="0" smtClean="0"/>
+          </a:p>
+          <a:p>
+            <a:pPr marL="0" indent="0">
+              <a:buNone/>
+            </a:pPr>
+            <a:r>
+              <a:rPr lang="en-IN" dirty="0" smtClean="0"/>
+              <a:t>  </a:t>
+            </a:r>
+            <a:r>
+              <a:rPr lang="en-IN" dirty="0"/>
+              <a:t>new Thread(()-&gt; {      </a:t>
+            </a:r>
+            <a:endParaRPr lang="en-IN" dirty="0" smtClean="0"/>
+          </a:p>
+          <a:p>
+            <a:pPr marL="0" indent="0">
+              <a:buNone/>
+            </a:pPr>
+            <a:r>
+              <a:rPr lang="en-IN" dirty="0" smtClean="0"/>
+              <a:t> </a:t>
+            </a:r>
+            <a:r>
+              <a:rPr lang="en-IN" dirty="0" err="1"/>
+              <a:t>staticField</a:t>
+            </a:r>
+            <a:r>
+              <a:rPr lang="en-IN" dirty="0"/>
+              <a:t>++;    // fine    </a:t>
+            </a:r>
+            <a:endParaRPr lang="en-IN" dirty="0" smtClean="0"/>
+          </a:p>
+          <a:p>
+            <a:pPr marL="0" indent="0">
+              <a:buNone/>
+            </a:pPr>
+            <a:r>
+              <a:rPr lang="en-IN" dirty="0" smtClean="0"/>
+              <a:t>   </a:t>
+            </a:r>
+            <a:r>
+              <a:rPr lang="en-IN" dirty="0" err="1"/>
+              <a:t>nonStaticField</a:t>
+            </a:r>
+            <a:r>
+              <a:rPr lang="en-IN" dirty="0"/>
+              <a:t>--; // fine    </a:t>
+            </a:r>
+            <a:endParaRPr lang="en-IN" dirty="0" smtClean="0"/>
+          </a:p>
+          <a:p>
+            <a:pPr marL="0" indent="0">
+              <a:buNone/>
+            </a:pPr>
+            <a:r>
+              <a:rPr lang="en-IN" dirty="0" smtClean="0"/>
+              <a:t>   </a:t>
+            </a:r>
+            <a:r>
+              <a:rPr lang="en-IN" dirty="0" err="1"/>
+              <a:t>localVariable</a:t>
+            </a:r>
+            <a:r>
+              <a:rPr lang="en-IN" dirty="0"/>
+              <a:t>++;  // error: local variable must be final     </a:t>
+            </a:r>
+            <a:endParaRPr lang="en-IN" dirty="0" smtClean="0"/>
+          </a:p>
+          <a:p>
+            <a:pPr marL="0" indent="0">
+              <a:buNone/>
+            </a:pPr>
+            <a:r>
+              <a:rPr lang="en-IN" dirty="0" smtClean="0"/>
+              <a:t>}).</a:t>
+            </a:r>
+            <a:r>
+              <a:rPr lang="en-IN" dirty="0"/>
+              <a:t>start();  </a:t>
+            </a:r>
+            <a:endParaRPr lang="en-IN" dirty="0" smtClean="0"/>
+          </a:p>
+          <a:p>
+            <a:pPr marL="0" indent="0">
+              <a:buNone/>
+            </a:pPr>
+            <a:r>
+              <a:rPr lang="en-IN" dirty="0" smtClean="0"/>
+              <a:t> </a:t>
+            </a:r>
+            <a:r>
+              <a:rPr lang="en-IN" dirty="0"/>
+              <a:t>} </a:t>
+            </a:r>
+            <a:endParaRPr lang="en-IN" dirty="0" smtClean="0"/>
+          </a:p>
+          <a:p>
+            <a:pPr marL="0" indent="0">
+              <a:buNone/>
+            </a:pPr>
+            <a:r>
+              <a:rPr lang="en-IN" dirty="0" smtClean="0"/>
+              <a:t>} </a:t>
+            </a:r>
+            <a:endParaRPr lang="en-IN" dirty="0"/>
+          </a:p>
+          <a:p>
             <a:endParaRPr lang="en-IN" dirty="0"/>
           </a:p>
         </p:txBody>
@@ -13456,20 +12618,13 @@
     </p:spTree>
     <p:extLst>
       <p:ext uri="{BB962C8B-B14F-4D97-AF65-F5344CB8AC3E}">
-        <p14:creationId xmlns:p14="http://schemas.microsoft.com/office/powerpoint/2010/main" val="2054911579"/>
+        <p14:creationId xmlns:p14="http://schemas.microsoft.com/office/powerpoint/2010/main" val="1602497628"/>
       </p:ext>
     </p:extLst>
   </p:cSld>
   <p:clrMapOvr>
     <a:masterClrMapping/>
   </p:clrMapOvr>
-  <p:timing>
-    <p:tnLst>
-      <p:par>
-        <p:cTn id="1" dur="indefinite" restart="never" nodeType="tmRoot"/>
-      </p:par>
-    </p:tnLst>
-  </p:timing>
 </p:sld>
 </file>
 
@@ -14137,999 +13292,6 @@
 </file>
 
 <file path=ppt/slides/slide30.xml><?xml version="1.0" encoding="utf-8"?>
-<p:sld xmlns:a="http://schemas.openxmlformats.org/drawingml/2006/main" xmlns:r="http://schemas.openxmlformats.org/officeDocument/2006/relationships" xmlns:p="http://schemas.openxmlformats.org/presentationml/2006/main">
-  <p:cSld>
-    <p:spTree>
-      <p:nvGrpSpPr>
-        <p:cNvPr id="1" name=""/>
-        <p:cNvGrpSpPr/>
-        <p:nvPr/>
-      </p:nvGrpSpPr>
-      <p:grpSpPr>
-        <a:xfrm>
-          <a:off x="0" y="0"/>
-          <a:ext cx="0" cy="0"/>
-          <a:chOff x="0" y="0"/>
-          <a:chExt cx="0" cy="0"/>
-        </a:xfrm>
-      </p:grpSpPr>
-      <p:sp>
-        <p:nvSpPr>
-          <p:cNvPr id="3" name="Content Placeholder 2"/>
-          <p:cNvSpPr>
-            <a:spLocks noGrp="1"/>
-          </p:cNvSpPr>
-          <p:nvPr>
-            <p:ph idx="1"/>
-          </p:nvPr>
-        </p:nvSpPr>
-        <p:spPr>
-          <a:xfrm>
-            <a:off x="838200" y="213756"/>
-            <a:ext cx="10515600" cy="5963207"/>
-          </a:xfrm>
-        </p:spPr>
-        <p:txBody>
-          <a:bodyPr>
-            <a:normAutofit/>
-          </a:bodyPr>
-          <a:lstStyle/>
-          <a:p>
-            <a:r>
-              <a:rPr lang="en-IN" dirty="0" err="1" smtClean="0"/>
-              <a:t>Exercize</a:t>
-            </a:r>
-            <a:endParaRPr lang="en-IN" dirty="0" smtClean="0"/>
-          </a:p>
-          <a:p>
-            <a:r>
-              <a:rPr lang="en-IN" dirty="0"/>
-              <a:t>void sort(Comparator&lt;? super E&gt; c)</a:t>
-            </a:r>
-          </a:p>
-          <a:p>
-            <a:r>
-              <a:rPr lang="en-IN" dirty="0" smtClean="0"/>
-              <a:t>I have List&lt;Student&gt;</a:t>
-            </a:r>
-          </a:p>
-          <a:p>
-            <a:r>
-              <a:rPr lang="en-IN" dirty="0"/>
-              <a:t>public class </a:t>
-            </a:r>
-            <a:r>
-              <a:rPr lang="en-IN" dirty="0" err="1" smtClean="0"/>
-              <a:t>StudentComparator</a:t>
-            </a:r>
-            <a:r>
-              <a:rPr lang="en-IN" dirty="0" smtClean="0"/>
-              <a:t> </a:t>
-            </a:r>
-            <a:r>
-              <a:rPr lang="en-IN" dirty="0"/>
-              <a:t>implements </a:t>
-            </a:r>
-            <a:r>
-              <a:rPr lang="en-IN" dirty="0" smtClean="0"/>
-              <a:t>Comparator&lt;Student&gt; </a:t>
-            </a:r>
-            <a:r>
-              <a:rPr lang="en-IN" dirty="0"/>
-              <a:t>{ public </a:t>
-            </a:r>
-            <a:r>
-              <a:rPr lang="en-IN" dirty="0" err="1"/>
-              <a:t>int</a:t>
-            </a:r>
-            <a:r>
-              <a:rPr lang="en-IN" dirty="0"/>
-              <a:t> </a:t>
-            </a:r>
-            <a:r>
-              <a:rPr lang="en-IN" dirty="0" smtClean="0"/>
-              <a:t>compare(Student </a:t>
-            </a:r>
-            <a:r>
-              <a:rPr lang="en-IN" dirty="0"/>
-              <a:t>a1, </a:t>
-            </a:r>
-            <a:r>
-              <a:rPr lang="en-IN" dirty="0" smtClean="0"/>
-              <a:t>Student a2)</a:t>
-            </a:r>
-          </a:p>
-          <a:p>
-            <a:pPr marL="0" indent="0">
-              <a:buNone/>
-            </a:pPr>
-            <a:r>
-              <a:rPr lang="en-IN" dirty="0"/>
-              <a:t> </a:t>
-            </a:r>
-            <a:r>
-              <a:rPr lang="en-IN" dirty="0" smtClean="0"/>
-              <a:t>  { </a:t>
-            </a:r>
-          </a:p>
-          <a:p>
-            <a:pPr marL="0" indent="0">
-              <a:buNone/>
-            </a:pPr>
-            <a:r>
-              <a:rPr lang="en-IN" dirty="0"/>
-              <a:t> </a:t>
-            </a:r>
-            <a:r>
-              <a:rPr lang="en-IN" dirty="0" smtClean="0"/>
-              <a:t>   return a1.getTotal().</a:t>
-            </a:r>
-            <a:r>
-              <a:rPr lang="en-IN" dirty="0" err="1" smtClean="0"/>
-              <a:t>compareTo</a:t>
-            </a:r>
-            <a:r>
-              <a:rPr lang="en-IN" dirty="0" smtClean="0"/>
-              <a:t>(a2.getTotal()); </a:t>
-            </a:r>
-            <a:r>
-              <a:rPr lang="en-IN" dirty="0"/>
-              <a:t>} </a:t>
-            </a:r>
-            <a:endParaRPr lang="en-IN" dirty="0" smtClean="0"/>
-          </a:p>
-          <a:p>
-            <a:pPr marL="0" indent="0">
-              <a:buNone/>
-            </a:pPr>
-            <a:r>
-              <a:rPr lang="en-IN" dirty="0"/>
-              <a:t> </a:t>
-            </a:r>
-            <a:r>
-              <a:rPr lang="en-IN" dirty="0" smtClean="0"/>
-              <a:t>  }</a:t>
-            </a:r>
-          </a:p>
-          <a:p>
-            <a:pPr marL="0" indent="0">
-              <a:buNone/>
-            </a:pPr>
-            <a:r>
-              <a:rPr lang="en-IN" dirty="0" smtClean="0"/>
-              <a:t>   </a:t>
-            </a:r>
-            <a:r>
-              <a:rPr lang="en-IN" dirty="0" err="1" smtClean="0"/>
-              <a:t>students.sort</a:t>
-            </a:r>
-            <a:r>
-              <a:rPr lang="en-IN" dirty="0" smtClean="0"/>
-              <a:t>(new </a:t>
-            </a:r>
-            <a:r>
-              <a:rPr lang="en-IN" dirty="0" err="1" smtClean="0"/>
-              <a:t>StudentComparator</a:t>
-            </a:r>
-            <a:r>
-              <a:rPr lang="en-IN" dirty="0" smtClean="0"/>
-              <a:t>());</a:t>
-            </a:r>
-          </a:p>
-          <a:p>
-            <a:pPr marL="0" indent="0">
-              <a:buNone/>
-            </a:pPr>
-            <a:r>
-              <a:rPr lang="en-IN" dirty="0"/>
-              <a:t> </a:t>
-            </a:r>
-            <a:r>
-              <a:rPr lang="en-IN" dirty="0" smtClean="0"/>
-              <a:t>or use anonymous </a:t>
-            </a:r>
-          </a:p>
-          <a:p>
-            <a:pPr marL="0" indent="0">
-              <a:buNone/>
-            </a:pPr>
-            <a:r>
-              <a:rPr lang="en-IN" dirty="0" smtClean="0"/>
-              <a:t>Or </a:t>
-            </a:r>
-            <a:r>
-              <a:rPr lang="en-IN" dirty="0" err="1" smtClean="0"/>
-              <a:t>students.sort</a:t>
-            </a:r>
-            <a:r>
-              <a:rPr lang="en-IN" dirty="0" smtClean="0"/>
-              <a:t>((Student s1,Student s2)-&gt;s1.getTotal().</a:t>
-            </a:r>
-            <a:r>
-              <a:rPr lang="en-IN" dirty="0" err="1" smtClean="0"/>
-              <a:t>compareTo</a:t>
-            </a:r>
-            <a:r>
-              <a:rPr lang="en-IN" dirty="0" smtClean="0"/>
-              <a:t>….</a:t>
-            </a:r>
-          </a:p>
-          <a:p>
-            <a:pPr marL="0" indent="0">
-              <a:buNone/>
-            </a:pPr>
-            <a:r>
-              <a:rPr lang="en-IN" dirty="0" err="1" smtClean="0"/>
-              <a:t>Students.sort</a:t>
-            </a:r>
-            <a:r>
-              <a:rPr lang="en-IN" dirty="0" smtClean="0"/>
-              <a:t>(comparing((s1)-&gt;s1.getTotal()))</a:t>
-            </a:r>
-          </a:p>
-          <a:p>
-            <a:pPr marL="0" indent="0">
-              <a:buNone/>
-            </a:pPr>
-            <a:r>
-              <a:rPr lang="en-IN" dirty="0" err="1" smtClean="0"/>
-              <a:t>Comparator.comparing</a:t>
-            </a:r>
-            <a:r>
-              <a:rPr lang="en-IN" dirty="0" smtClean="0"/>
-              <a:t> static method</a:t>
-            </a:r>
-            <a:endParaRPr lang="en-IN" dirty="0"/>
-          </a:p>
-          <a:p>
-            <a:r>
-              <a:rPr lang="en-IN" dirty="0" err="1" smtClean="0"/>
-              <a:t>Students.sort</a:t>
-            </a:r>
-            <a:r>
-              <a:rPr lang="en-IN" dirty="0" smtClean="0"/>
-              <a:t>(comparing(Student::</a:t>
-            </a:r>
-            <a:r>
-              <a:rPr lang="en-IN" dirty="0" err="1" smtClean="0"/>
-              <a:t>getTotal</a:t>
-            </a:r>
-            <a:r>
-              <a:rPr lang="en-IN" dirty="0" smtClean="0"/>
-              <a:t>)</a:t>
-            </a:r>
-            <a:endParaRPr lang="en-IN" dirty="0"/>
-          </a:p>
-        </p:txBody>
-      </p:sp>
-    </p:spTree>
-    <p:extLst>
-      <p:ext uri="{BB962C8B-B14F-4D97-AF65-F5344CB8AC3E}">
-        <p14:creationId xmlns:p14="http://schemas.microsoft.com/office/powerpoint/2010/main" val="2022260281"/>
-      </p:ext>
-    </p:extLst>
-  </p:cSld>
-  <p:clrMapOvr>
-    <a:masterClrMapping/>
-  </p:clrMapOvr>
-  <p:timing>
-    <p:tnLst>
-      <p:par>
-        <p:cTn id="1" dur="indefinite" restart="never" nodeType="tmRoot"/>
-      </p:par>
-    </p:tnLst>
-  </p:timing>
-</p:sld>
-</file>
-
-<file path=ppt/slides/slide31.xml><?xml version="1.0" encoding="utf-8"?>
-<p:sld xmlns:a="http://schemas.openxmlformats.org/drawingml/2006/main" xmlns:r="http://schemas.openxmlformats.org/officeDocument/2006/relationships" xmlns:p="http://schemas.openxmlformats.org/presentationml/2006/main">
-  <p:cSld>
-    <p:spTree>
-      <p:nvGrpSpPr>
-        <p:cNvPr id="1" name=""/>
-        <p:cNvGrpSpPr/>
-        <p:nvPr/>
-      </p:nvGrpSpPr>
-      <p:grpSpPr>
-        <a:xfrm>
-          <a:off x="0" y="0"/>
-          <a:ext cx="0" cy="0"/>
-          <a:chOff x="0" y="0"/>
-          <a:chExt cx="0" cy="0"/>
-        </a:xfrm>
-      </p:grpSpPr>
-      <p:sp>
-        <p:nvSpPr>
-          <p:cNvPr id="2" name="Title 1"/>
-          <p:cNvSpPr>
-            <a:spLocks noGrp="1"/>
-          </p:cNvSpPr>
-          <p:nvPr>
-            <p:ph type="title"/>
-          </p:nvPr>
-        </p:nvSpPr>
-        <p:spPr/>
-        <p:txBody>
-          <a:bodyPr/>
-          <a:lstStyle/>
-          <a:p>
-            <a:r>
-              <a:rPr lang="en-IN" dirty="0" smtClean="0"/>
-              <a:t>Quiz method reference</a:t>
-            </a:r>
-            <a:endParaRPr lang="en-IN" dirty="0"/>
-          </a:p>
-        </p:txBody>
-      </p:sp>
-      <p:sp>
-        <p:nvSpPr>
-          <p:cNvPr id="3" name="Content Placeholder 2"/>
-          <p:cNvSpPr>
-            <a:spLocks noGrp="1"/>
-          </p:cNvSpPr>
-          <p:nvPr>
-            <p:ph idx="1"/>
-          </p:nvPr>
-        </p:nvSpPr>
-        <p:spPr/>
-        <p:txBody>
-          <a:bodyPr/>
-          <a:lstStyle/>
-          <a:p>
-            <a:r>
-              <a:rPr lang="en-IN" dirty="0"/>
-              <a:t>What are equivalent method references for the following lambda expressions?</a:t>
-            </a:r>
-          </a:p>
-          <a:p>
-            <a:r>
-              <a:rPr lang="en-IN" dirty="0"/>
-              <a:t>1</a:t>
-            </a:r>
-            <a:r>
-              <a:rPr lang="en-IN" dirty="0" smtClean="0"/>
-              <a:t>. Function&lt;String</a:t>
-            </a:r>
-            <a:r>
-              <a:rPr lang="en-IN" dirty="0"/>
-              <a:t>, Integer&gt; </a:t>
-            </a:r>
-            <a:r>
-              <a:rPr lang="en-IN" dirty="0" err="1"/>
-              <a:t>stringToInteger</a:t>
-            </a:r>
-            <a:r>
-              <a:rPr lang="en-IN" dirty="0"/>
-              <a:t> = (String s) -&gt; </a:t>
-            </a:r>
-            <a:r>
-              <a:rPr lang="en-IN" dirty="0" err="1"/>
-              <a:t>Integer.parseInt</a:t>
-            </a:r>
-            <a:r>
-              <a:rPr lang="en-IN" dirty="0"/>
-              <a:t>(s);</a:t>
-            </a:r>
-          </a:p>
-          <a:p>
-            <a:r>
-              <a:rPr lang="en-IN" dirty="0"/>
-              <a:t>2</a:t>
-            </a:r>
-            <a:r>
-              <a:rPr lang="en-IN" dirty="0" smtClean="0"/>
-              <a:t>. </a:t>
-            </a:r>
-            <a:r>
-              <a:rPr lang="en-IN" dirty="0" err="1" smtClean="0"/>
-              <a:t>BiPredicate</a:t>
-            </a:r>
-            <a:r>
-              <a:rPr lang="en-IN" dirty="0" smtClean="0"/>
-              <a:t>&lt;List&lt;String</a:t>
-            </a:r>
-            <a:r>
-              <a:rPr lang="en-IN" dirty="0"/>
-              <a:t>&gt;, String&gt; contains = (list, element) -&gt; </a:t>
-            </a:r>
-            <a:r>
-              <a:rPr lang="en-IN" dirty="0" err="1"/>
-              <a:t>list.contains</a:t>
-            </a:r>
-            <a:r>
-              <a:rPr lang="en-IN" dirty="0"/>
-              <a:t>(element</a:t>
-            </a:r>
-            <a:r>
-              <a:rPr lang="en-IN" dirty="0" smtClean="0"/>
-              <a:t>);</a:t>
-            </a:r>
-          </a:p>
-          <a:p>
-            <a:r>
-              <a:rPr lang="en-IN" dirty="0"/>
-              <a:t>3 You saw how to transform zero-, one-, and two-argument constructors into constructor references. What would you need to do in order to use a constructor reference for a three-argument constructor such as </a:t>
-            </a:r>
-            <a:r>
-              <a:rPr lang="en-IN" dirty="0" err="1"/>
-              <a:t>Color</a:t>
-            </a:r>
-            <a:r>
-              <a:rPr lang="en-IN" dirty="0"/>
-              <a:t>(</a:t>
-            </a:r>
-            <a:r>
-              <a:rPr lang="en-IN" dirty="0" err="1"/>
-              <a:t>int</a:t>
-            </a:r>
-            <a:r>
-              <a:rPr lang="en-IN" dirty="0"/>
-              <a:t>, </a:t>
-            </a:r>
-            <a:r>
-              <a:rPr lang="en-IN" dirty="0" err="1"/>
-              <a:t>int</a:t>
-            </a:r>
-            <a:r>
-              <a:rPr lang="en-IN" dirty="0"/>
-              <a:t>, </a:t>
-            </a:r>
-            <a:r>
-              <a:rPr lang="en-IN" dirty="0" err="1"/>
-              <a:t>int</a:t>
-            </a:r>
-            <a:r>
-              <a:rPr lang="en-IN" dirty="0"/>
-              <a:t>)?</a:t>
-            </a:r>
-          </a:p>
-          <a:p>
-            <a:endParaRPr lang="en-IN" dirty="0"/>
-          </a:p>
-        </p:txBody>
-      </p:sp>
-    </p:spTree>
-    <p:extLst>
-      <p:ext uri="{BB962C8B-B14F-4D97-AF65-F5344CB8AC3E}">
-        <p14:creationId xmlns:p14="http://schemas.microsoft.com/office/powerpoint/2010/main" val="3818410760"/>
-      </p:ext>
-    </p:extLst>
-  </p:cSld>
-  <p:clrMapOvr>
-    <a:masterClrMapping/>
-  </p:clrMapOvr>
-  <p:timing>
-    <p:tnLst>
-      <p:par>
-        <p:cTn id="1" dur="indefinite" restart="never" nodeType="tmRoot"/>
-      </p:par>
-    </p:tnLst>
-  </p:timing>
-</p:sld>
-</file>
-
-<file path=ppt/slides/slide32.xml><?xml version="1.0" encoding="utf-8"?>
-<p:sld xmlns:a="http://schemas.openxmlformats.org/drawingml/2006/main" xmlns:r="http://schemas.openxmlformats.org/officeDocument/2006/relationships" xmlns:p="http://schemas.openxmlformats.org/presentationml/2006/main">
-  <p:cSld>
-    <p:spTree>
-      <p:nvGrpSpPr>
-        <p:cNvPr id="1" name=""/>
-        <p:cNvGrpSpPr/>
-        <p:nvPr/>
-      </p:nvGrpSpPr>
-      <p:grpSpPr>
-        <a:xfrm>
-          <a:off x="0" y="0"/>
-          <a:ext cx="0" cy="0"/>
-          <a:chOff x="0" y="0"/>
-          <a:chExt cx="0" cy="0"/>
-        </a:xfrm>
-      </p:grpSpPr>
-      <p:sp>
-        <p:nvSpPr>
-          <p:cNvPr id="3" name="Content Placeholder 2"/>
-          <p:cNvSpPr>
-            <a:spLocks noGrp="1"/>
-          </p:cNvSpPr>
-          <p:nvPr>
-            <p:ph idx="1"/>
-          </p:nvPr>
-        </p:nvSpPr>
-        <p:spPr>
-          <a:xfrm>
-            <a:off x="677334" y="439387"/>
-            <a:ext cx="8596668" cy="5601975"/>
-          </a:xfrm>
-        </p:spPr>
-        <p:txBody>
-          <a:bodyPr>
-            <a:normAutofit fontScale="85000" lnSpcReduction="20000"/>
-          </a:bodyPr>
-          <a:lstStyle/>
-          <a:p>
-            <a:pPr marL="0" indent="0">
-              <a:buNone/>
-            </a:pPr>
-            <a:r>
-              <a:rPr lang="en-IN" dirty="0"/>
-              <a:t>public class Test {  </a:t>
-            </a:r>
-          </a:p>
-          <a:p>
-            <a:pPr marL="0" indent="0">
-              <a:buNone/>
-            </a:pPr>
-            <a:r>
-              <a:rPr lang="en-IN" dirty="0"/>
-              <a:t>      public static void main(String[] </a:t>
-            </a:r>
-            <a:r>
-              <a:rPr lang="en-IN" dirty="0" err="1"/>
-              <a:t>args</a:t>
-            </a:r>
-            <a:r>
-              <a:rPr lang="en-IN" dirty="0"/>
-              <a:t>) {  </a:t>
-            </a:r>
-          </a:p>
-          <a:p>
-            <a:pPr marL="0" indent="0">
-              <a:buNone/>
-            </a:pPr>
-            <a:r>
-              <a:rPr lang="en-IN" dirty="0"/>
-              <a:t>               String </a:t>
-            </a:r>
-            <a:r>
-              <a:rPr lang="en-IN" dirty="0" err="1">
-                <a:solidFill>
-                  <a:srgbClr val="FF0000"/>
-                </a:solidFill>
-              </a:rPr>
-              <a:t>msg</a:t>
-            </a:r>
-            <a:r>
-              <a:rPr lang="en-IN" dirty="0">
-                <a:solidFill>
-                  <a:srgbClr val="FF0000"/>
-                </a:solidFill>
-              </a:rPr>
-              <a:t> </a:t>
-            </a:r>
-            <a:r>
-              <a:rPr lang="en-IN" dirty="0"/>
-              <a:t>= "Hello";                                 // A compile-time error. </a:t>
-            </a:r>
-          </a:p>
-          <a:p>
-            <a:pPr marL="0" indent="0">
-              <a:buNone/>
-            </a:pPr>
-            <a:r>
-              <a:rPr lang="en-IN" dirty="0"/>
-              <a:t>            Printer </a:t>
-            </a:r>
-            <a:r>
-              <a:rPr lang="en-IN" dirty="0" err="1"/>
-              <a:t>printer</a:t>
-            </a:r>
-            <a:r>
-              <a:rPr lang="en-IN" dirty="0"/>
-              <a:t> = </a:t>
-            </a:r>
-            <a:r>
-              <a:rPr lang="en-IN" dirty="0" err="1">
-                <a:solidFill>
-                  <a:srgbClr val="FF0000"/>
-                </a:solidFill>
-              </a:rPr>
-              <a:t>msg</a:t>
-            </a:r>
-            <a:r>
-              <a:rPr lang="en-IN" dirty="0">
-                <a:solidFill>
-                  <a:srgbClr val="FF0000"/>
-                </a:solidFill>
-              </a:rPr>
-              <a:t> </a:t>
-            </a:r>
-            <a:r>
-              <a:rPr lang="en-IN" dirty="0"/>
-              <a:t>-&gt; </a:t>
-            </a:r>
-            <a:r>
-              <a:rPr lang="en-IN" dirty="0" err="1"/>
-              <a:t>System.out.println</a:t>
-            </a:r>
-            <a:r>
-              <a:rPr lang="en-IN" dirty="0"/>
-              <a:t>(</a:t>
-            </a:r>
-            <a:r>
-              <a:rPr lang="en-IN" dirty="0" err="1"/>
-              <a:t>msg</a:t>
-            </a:r>
-            <a:r>
-              <a:rPr lang="en-IN" dirty="0"/>
-              <a:t>);               </a:t>
-            </a:r>
-          </a:p>
-          <a:p>
-            <a:pPr marL="0" indent="0">
-              <a:buNone/>
-            </a:pPr>
-            <a:r>
-              <a:rPr lang="en-IN" dirty="0"/>
-              <a:t>         }     </a:t>
-            </a:r>
-          </a:p>
-          <a:p>
-            <a:pPr marL="0" indent="0">
-              <a:buNone/>
-            </a:pPr>
-            <a:r>
-              <a:rPr lang="en-IN" dirty="0"/>
-              <a:t>   </a:t>
-            </a:r>
-            <a:r>
-              <a:rPr lang="en-IN" dirty="0" smtClean="0"/>
-              <a:t>}</a:t>
-            </a:r>
-          </a:p>
-          <a:p>
-            <a:pPr marL="0" indent="0">
-              <a:buNone/>
-            </a:pPr>
-            <a:r>
-              <a:rPr lang="en-IN" dirty="0" smtClean="0"/>
-              <a:t>class </a:t>
-            </a:r>
-            <a:r>
-              <a:rPr lang="en-IN" dirty="0" err="1"/>
-              <a:t>UnrestrictedAccessToFields</a:t>
-            </a:r>
-            <a:r>
-              <a:rPr lang="en-IN" dirty="0"/>
-              <a:t> {  </a:t>
-            </a:r>
-            <a:endParaRPr lang="en-IN" dirty="0" smtClean="0"/>
-          </a:p>
-          <a:p>
-            <a:pPr marL="0" indent="0">
-              <a:buNone/>
-            </a:pPr>
-            <a:r>
-              <a:rPr lang="en-IN" dirty="0" smtClean="0"/>
-              <a:t> </a:t>
-            </a:r>
-            <a:r>
-              <a:rPr lang="en-IN" dirty="0"/>
-              <a:t>private static </a:t>
-            </a:r>
-            <a:r>
-              <a:rPr lang="en-IN" dirty="0" err="1"/>
-              <a:t>int</a:t>
-            </a:r>
-            <a:r>
-              <a:rPr lang="en-IN" dirty="0"/>
-              <a:t> </a:t>
-            </a:r>
-            <a:r>
-              <a:rPr lang="en-IN" dirty="0" err="1"/>
-              <a:t>staticField</a:t>
-            </a:r>
-            <a:r>
-              <a:rPr lang="en-IN" dirty="0"/>
-              <a:t> = 0; </a:t>
-            </a:r>
-            <a:endParaRPr lang="en-IN" dirty="0" smtClean="0"/>
-          </a:p>
-          <a:p>
-            <a:pPr marL="0" indent="0">
-              <a:buNone/>
-            </a:pPr>
-            <a:r>
-              <a:rPr lang="en-IN" dirty="0" smtClean="0"/>
-              <a:t>  </a:t>
-            </a:r>
-            <a:r>
-              <a:rPr lang="en-IN" dirty="0"/>
-              <a:t>private        </a:t>
-            </a:r>
-            <a:r>
-              <a:rPr lang="en-IN" dirty="0" err="1"/>
-              <a:t>int</a:t>
-            </a:r>
-            <a:r>
-              <a:rPr lang="en-IN" dirty="0"/>
-              <a:t> </a:t>
-            </a:r>
-            <a:r>
-              <a:rPr lang="en-IN" dirty="0" err="1"/>
-              <a:t>nonStaticField</a:t>
-            </a:r>
-            <a:r>
-              <a:rPr lang="en-IN" dirty="0"/>
-              <a:t> = 0; </a:t>
-            </a:r>
-            <a:endParaRPr lang="en-IN" dirty="0" smtClean="0"/>
-          </a:p>
-          <a:p>
-            <a:pPr marL="0" indent="0">
-              <a:buNone/>
-            </a:pPr>
-            <a:r>
-              <a:rPr lang="en-IN" dirty="0" smtClean="0"/>
-              <a:t>           </a:t>
-            </a:r>
-            <a:r>
-              <a:rPr lang="en-IN" dirty="0"/>
-              <a:t>public void demonstrate() { </a:t>
-            </a:r>
-            <a:endParaRPr lang="en-IN" dirty="0" smtClean="0"/>
-          </a:p>
-          <a:p>
-            <a:pPr marL="0" indent="0">
-              <a:buNone/>
-            </a:pPr>
-            <a:r>
-              <a:rPr lang="en-IN" dirty="0" smtClean="0"/>
-              <a:t>    </a:t>
-            </a:r>
-            <a:r>
-              <a:rPr lang="en-IN" dirty="0" err="1"/>
-              <a:t>int</a:t>
-            </a:r>
-            <a:r>
-              <a:rPr lang="en-IN" dirty="0"/>
-              <a:t> </a:t>
-            </a:r>
-            <a:r>
-              <a:rPr lang="en-IN" dirty="0" err="1"/>
-              <a:t>localVariable</a:t>
-            </a:r>
-            <a:r>
-              <a:rPr lang="en-IN" dirty="0"/>
-              <a:t> = 0;   </a:t>
-            </a:r>
-            <a:endParaRPr lang="en-IN" dirty="0" smtClean="0"/>
-          </a:p>
-          <a:p>
-            <a:pPr marL="0" indent="0">
-              <a:buNone/>
-            </a:pPr>
-            <a:r>
-              <a:rPr lang="en-IN" dirty="0" smtClean="0"/>
-              <a:t>  </a:t>
-            </a:r>
-            <a:r>
-              <a:rPr lang="en-IN" dirty="0"/>
-              <a:t>new Thread(()-&gt; {      </a:t>
-            </a:r>
-            <a:endParaRPr lang="en-IN" dirty="0" smtClean="0"/>
-          </a:p>
-          <a:p>
-            <a:pPr marL="0" indent="0">
-              <a:buNone/>
-            </a:pPr>
-            <a:r>
-              <a:rPr lang="en-IN" dirty="0" smtClean="0"/>
-              <a:t> </a:t>
-            </a:r>
-            <a:r>
-              <a:rPr lang="en-IN" dirty="0" err="1"/>
-              <a:t>staticField</a:t>
-            </a:r>
-            <a:r>
-              <a:rPr lang="en-IN" dirty="0"/>
-              <a:t>++;    // fine    </a:t>
-            </a:r>
-            <a:endParaRPr lang="en-IN" dirty="0" smtClean="0"/>
-          </a:p>
-          <a:p>
-            <a:pPr marL="0" indent="0">
-              <a:buNone/>
-            </a:pPr>
-            <a:r>
-              <a:rPr lang="en-IN" dirty="0" smtClean="0"/>
-              <a:t>   </a:t>
-            </a:r>
-            <a:r>
-              <a:rPr lang="en-IN" dirty="0" err="1"/>
-              <a:t>nonStaticField</a:t>
-            </a:r>
-            <a:r>
-              <a:rPr lang="en-IN" dirty="0"/>
-              <a:t>--; // fine    </a:t>
-            </a:r>
-            <a:endParaRPr lang="en-IN" dirty="0" smtClean="0"/>
-          </a:p>
-          <a:p>
-            <a:pPr marL="0" indent="0">
-              <a:buNone/>
-            </a:pPr>
-            <a:r>
-              <a:rPr lang="en-IN" dirty="0" smtClean="0"/>
-              <a:t>   </a:t>
-            </a:r>
-            <a:r>
-              <a:rPr lang="en-IN" dirty="0" err="1"/>
-              <a:t>localVariable</a:t>
-            </a:r>
-            <a:r>
-              <a:rPr lang="en-IN" dirty="0"/>
-              <a:t>++;  // error: local variable must be final     </a:t>
-            </a:r>
-            <a:endParaRPr lang="en-IN" dirty="0" smtClean="0"/>
-          </a:p>
-          <a:p>
-            <a:pPr marL="0" indent="0">
-              <a:buNone/>
-            </a:pPr>
-            <a:r>
-              <a:rPr lang="en-IN" dirty="0" smtClean="0"/>
-              <a:t>}).</a:t>
-            </a:r>
-            <a:r>
-              <a:rPr lang="en-IN" dirty="0"/>
-              <a:t>start();  </a:t>
-            </a:r>
-            <a:endParaRPr lang="en-IN" dirty="0" smtClean="0"/>
-          </a:p>
-          <a:p>
-            <a:pPr marL="0" indent="0">
-              <a:buNone/>
-            </a:pPr>
-            <a:r>
-              <a:rPr lang="en-IN" dirty="0" smtClean="0"/>
-              <a:t> </a:t>
-            </a:r>
-            <a:r>
-              <a:rPr lang="en-IN" dirty="0"/>
-              <a:t>} </a:t>
-            </a:r>
-            <a:endParaRPr lang="en-IN" dirty="0" smtClean="0"/>
-          </a:p>
-          <a:p>
-            <a:pPr marL="0" indent="0">
-              <a:buNone/>
-            </a:pPr>
-            <a:r>
-              <a:rPr lang="en-IN" dirty="0" smtClean="0"/>
-              <a:t>} </a:t>
-            </a:r>
-            <a:endParaRPr lang="en-IN" dirty="0"/>
-          </a:p>
-          <a:p>
-            <a:endParaRPr lang="en-IN" dirty="0"/>
-          </a:p>
-        </p:txBody>
-      </p:sp>
-    </p:spTree>
-    <p:extLst>
-      <p:ext uri="{BB962C8B-B14F-4D97-AF65-F5344CB8AC3E}">
-        <p14:creationId xmlns:p14="http://schemas.microsoft.com/office/powerpoint/2010/main" val="1602497628"/>
-      </p:ext>
-    </p:extLst>
-  </p:cSld>
-  <p:clrMapOvr>
-    <a:masterClrMapping/>
-  </p:clrMapOvr>
-</p:sld>
-</file>
-
-<file path=ppt/slides/slide33.xml><?xml version="1.0" encoding="utf-8"?>
-<p:sld xmlns:a="http://schemas.openxmlformats.org/drawingml/2006/main" xmlns:r="http://schemas.openxmlformats.org/officeDocument/2006/relationships" xmlns:p="http://schemas.openxmlformats.org/presentationml/2006/main">
-  <p:cSld>
-    <p:spTree>
-      <p:nvGrpSpPr>
-        <p:cNvPr id="1" name=""/>
-        <p:cNvGrpSpPr/>
-        <p:nvPr/>
-      </p:nvGrpSpPr>
-      <p:grpSpPr>
-        <a:xfrm>
-          <a:off x="0" y="0"/>
-          <a:ext cx="0" cy="0"/>
-          <a:chOff x="0" y="0"/>
-          <a:chExt cx="0" cy="0"/>
-        </a:xfrm>
-      </p:grpSpPr>
-      <p:pic>
-        <p:nvPicPr>
-          <p:cNvPr id="4" name="Content Placeholder 3"/>
-          <p:cNvPicPr>
-            <a:picLocks noGrp="1" noChangeAspect="1"/>
-          </p:cNvPicPr>
-          <p:nvPr>
-            <p:ph idx="1"/>
-          </p:nvPr>
-        </p:nvPicPr>
-        <p:blipFill>
-          <a:blip r:embed="rId2"/>
-          <a:stretch>
-            <a:fillRect/>
-          </a:stretch>
-        </p:blipFill>
-        <p:spPr>
-          <a:xfrm>
-            <a:off x="997527" y="0"/>
-            <a:ext cx="9464634" cy="6513027"/>
-          </a:xfrm>
-          <a:prstGeom prst="rect">
-            <a:avLst/>
-          </a:prstGeom>
-        </p:spPr>
-      </p:pic>
-    </p:spTree>
-    <p:extLst>
-      <p:ext uri="{BB962C8B-B14F-4D97-AF65-F5344CB8AC3E}">
-        <p14:creationId xmlns:p14="http://schemas.microsoft.com/office/powerpoint/2010/main" val="4204669750"/>
-      </p:ext>
-    </p:extLst>
-  </p:cSld>
-  <p:clrMapOvr>
-    <a:masterClrMapping/>
-  </p:clrMapOvr>
-</p:sld>
-</file>
-
-<file path=ppt/slides/slide34.xml><?xml version="1.0" encoding="utf-8"?>
-<p:sld xmlns:a="http://schemas.openxmlformats.org/drawingml/2006/main" xmlns:r="http://schemas.openxmlformats.org/officeDocument/2006/relationships" xmlns:p="http://schemas.openxmlformats.org/presentationml/2006/main">
-  <p:cSld>
-    <p:spTree>
-      <p:nvGrpSpPr>
-        <p:cNvPr id="1" name=""/>
-        <p:cNvGrpSpPr/>
-        <p:nvPr/>
-      </p:nvGrpSpPr>
-      <p:grpSpPr>
-        <a:xfrm>
-          <a:off x="0" y="0"/>
-          <a:ext cx="0" cy="0"/>
-          <a:chOff x="0" y="0"/>
-          <a:chExt cx="0" cy="0"/>
-        </a:xfrm>
-      </p:grpSpPr>
-      <p:pic>
-        <p:nvPicPr>
-          <p:cNvPr id="4" name="Picture 3"/>
-          <p:cNvPicPr>
-            <a:picLocks noChangeAspect="1"/>
-          </p:cNvPicPr>
-          <p:nvPr/>
-        </p:nvPicPr>
-        <p:blipFill>
-          <a:blip r:embed="rId2"/>
-          <a:stretch>
-            <a:fillRect/>
-          </a:stretch>
-        </p:blipFill>
-        <p:spPr>
-          <a:xfrm>
-            <a:off x="1472540" y="358522"/>
-            <a:ext cx="9037122" cy="6006652"/>
-          </a:xfrm>
-          <a:prstGeom prst="rect">
-            <a:avLst/>
-          </a:prstGeom>
-        </p:spPr>
-      </p:pic>
-    </p:spTree>
-    <p:extLst>
-      <p:ext uri="{BB962C8B-B14F-4D97-AF65-F5344CB8AC3E}">
-        <p14:creationId xmlns:p14="http://schemas.microsoft.com/office/powerpoint/2010/main" val="1852216004"/>
-      </p:ext>
-    </p:extLst>
-  </p:cSld>
-  <p:clrMapOvr>
-    <a:masterClrMapping/>
-  </p:clrMapOvr>
-</p:sld>
-</file>
-
-<file path=ppt/slides/slide35.xml><?xml version="1.0" encoding="utf-8"?>
 <p:sld xmlns:a="http://schemas.openxmlformats.org/drawingml/2006/main" xmlns:r="http://schemas.openxmlformats.org/officeDocument/2006/relationships" xmlns:p="http://schemas.openxmlformats.org/presentationml/2006/main">
   <p:cSld>
     <p:spTree>
@@ -15183,7 +13345,7 @@
 </p:sld>
 </file>
 
-<file path=ppt/slides/slide36.xml><?xml version="1.0" encoding="utf-8"?>
+<file path=ppt/slides/slide31.xml><?xml version="1.0" encoding="utf-8"?>
 <p:sld xmlns:a="http://schemas.openxmlformats.org/drawingml/2006/main" xmlns:r="http://schemas.openxmlformats.org/officeDocument/2006/relationships" xmlns:p="http://schemas.openxmlformats.org/presentationml/2006/main">
   <p:cSld>
     <p:spTree>
@@ -15237,7 +13399,7 @@
 </p:sld>
 </file>
 
-<file path=ppt/slides/slide37.xml><?xml version="1.0" encoding="utf-8"?>
+<file path=ppt/slides/slide32.xml><?xml version="1.0" encoding="utf-8"?>
 <p:sld xmlns:a="http://schemas.openxmlformats.org/drawingml/2006/main" xmlns:r="http://schemas.openxmlformats.org/officeDocument/2006/relationships" xmlns:p="http://schemas.openxmlformats.org/presentationml/2006/main">
   <p:cSld>
     <p:spTree>
@@ -15291,7 +13453,7 @@
 </p:sld>
 </file>
 
-<file path=ppt/slides/slide38.xml><?xml version="1.0" encoding="utf-8"?>
+<file path=ppt/slides/slide33.xml><?xml version="1.0" encoding="utf-8"?>
 <p:sld xmlns:a="http://schemas.openxmlformats.org/drawingml/2006/main" xmlns:r="http://schemas.openxmlformats.org/officeDocument/2006/relationships" xmlns:p="http://schemas.openxmlformats.org/presentationml/2006/main">
   <p:cSld>
     <p:spTree>
@@ -16141,219 +14303,6 @@
       </p:grpSpPr>
       <p:sp>
         <p:nvSpPr>
-          <p:cNvPr id="4" name="Title 1"/>
-          <p:cNvSpPr>
-            <a:spLocks noGrp="1"/>
-          </p:cNvSpPr>
-          <p:nvPr>
-            <p:ph idx="1"/>
-          </p:nvPr>
-        </p:nvSpPr>
-        <p:spPr>
-          <a:xfrm>
-            <a:off x="838200" y="368300"/>
-            <a:ext cx="10515600" cy="5808663"/>
-          </a:xfrm>
-        </p:spPr>
-        <p:txBody>
-          <a:bodyPr>
-            <a:normAutofit/>
-          </a:bodyPr>
-          <a:lstStyle/>
-          <a:p>
-            <a:r>
-              <a:rPr lang="en-IN" dirty="0" smtClean="0"/>
-              <a:t>The body of a lambda expression can be a block statement or a single expression. A block statement is enclosed in braces; a single expression is not enclosed in braces. </a:t>
-            </a:r>
-          </a:p>
-          <a:p>
-            <a:r>
-              <a:rPr lang="en-IN" dirty="0" smtClean="0"/>
-              <a:t>Uses a block statement. Takes two </a:t>
-            </a:r>
-            <a:r>
-              <a:rPr lang="en-IN" dirty="0" err="1" smtClean="0"/>
-              <a:t>int</a:t>
-            </a:r>
-            <a:r>
-              <a:rPr lang="en-IN" dirty="0" smtClean="0"/>
-              <a:t> parameters and returns their sum. (</a:t>
-            </a:r>
-            <a:r>
-              <a:rPr lang="en-IN" dirty="0" err="1" smtClean="0"/>
-              <a:t>int</a:t>
-            </a:r>
-            <a:r>
-              <a:rPr lang="en-IN" dirty="0" smtClean="0"/>
-              <a:t> x, </a:t>
-            </a:r>
-            <a:r>
-              <a:rPr lang="en-IN" dirty="0" err="1" smtClean="0"/>
-              <a:t>int</a:t>
-            </a:r>
-            <a:r>
-              <a:rPr lang="en-IN" dirty="0" smtClean="0"/>
-              <a:t> y) -&gt; { return x + y; } </a:t>
-            </a:r>
-          </a:p>
-          <a:p>
-            <a:r>
-              <a:rPr lang="en-IN" dirty="0" smtClean="0"/>
-              <a:t> Uses an expression. Takes a two </a:t>
-            </a:r>
-            <a:r>
-              <a:rPr lang="en-IN" dirty="0" err="1" smtClean="0"/>
-              <a:t>int</a:t>
-            </a:r>
-            <a:r>
-              <a:rPr lang="en-IN" dirty="0" smtClean="0"/>
-              <a:t> parameters and returns their sum. (</a:t>
-            </a:r>
-            <a:r>
-              <a:rPr lang="en-IN" dirty="0" err="1" smtClean="0"/>
-              <a:t>int</a:t>
-            </a:r>
-            <a:r>
-              <a:rPr lang="en-IN" dirty="0" smtClean="0"/>
-              <a:t> x, </a:t>
-            </a:r>
-            <a:r>
-              <a:rPr lang="en-IN" dirty="0" err="1" smtClean="0"/>
-              <a:t>int</a:t>
-            </a:r>
-            <a:r>
-              <a:rPr lang="en-IN" dirty="0" smtClean="0"/>
-              <a:t> y) -&gt; x + y </a:t>
-            </a:r>
-          </a:p>
-          <a:p>
-            <a:r>
-              <a:rPr lang="en-IN" dirty="0" smtClean="0"/>
-              <a:t>The following two lambda expressions are the same; one uses a block statement as the body and the other an expression that evaluates to void: </a:t>
-            </a:r>
-          </a:p>
-          <a:p>
-            <a:r>
-              <a:rPr lang="en-IN" dirty="0" smtClean="0"/>
-              <a:t>Uses a block statement</a:t>
-            </a:r>
-          </a:p>
-          <a:p>
-            <a:pPr marL="0" indent="0">
-              <a:buNone/>
-            </a:pPr>
-            <a:r>
-              <a:rPr lang="en-IN" dirty="0" smtClean="0"/>
-              <a:t> (String </a:t>
-            </a:r>
-            <a:r>
-              <a:rPr lang="en-IN" dirty="0" err="1" smtClean="0"/>
-              <a:t>msg</a:t>
-            </a:r>
-            <a:r>
-              <a:rPr lang="en-IN" dirty="0" smtClean="0"/>
-              <a:t>) -&gt; { </a:t>
-            </a:r>
-            <a:r>
-              <a:rPr lang="en-IN" dirty="0" err="1" smtClean="0"/>
-              <a:t>System.out.println</a:t>
-            </a:r>
-            <a:r>
-              <a:rPr lang="en-IN" dirty="0" smtClean="0"/>
-              <a:t>(</a:t>
-            </a:r>
-            <a:r>
-              <a:rPr lang="en-IN" dirty="0" err="1" smtClean="0"/>
-              <a:t>msg</a:t>
-            </a:r>
-            <a:r>
-              <a:rPr lang="en-IN" dirty="0" smtClean="0"/>
-              <a:t>); } </a:t>
-            </a:r>
-          </a:p>
-          <a:p>
-            <a:r>
-              <a:rPr lang="en-IN" dirty="0" smtClean="0"/>
-              <a:t>Uses an expression </a:t>
-            </a:r>
-          </a:p>
-          <a:p>
-            <a:pPr marL="0" indent="0">
-              <a:buNone/>
-            </a:pPr>
-            <a:r>
-              <a:rPr lang="en-IN" dirty="0" smtClean="0"/>
-              <a:t>(String </a:t>
-            </a:r>
-            <a:r>
-              <a:rPr lang="en-IN" dirty="0" err="1" smtClean="0"/>
-              <a:t>msg</a:t>
-            </a:r>
-            <a:r>
-              <a:rPr lang="en-IN" dirty="0" smtClean="0"/>
-              <a:t>) -&gt; </a:t>
-            </a:r>
-            <a:r>
-              <a:rPr lang="en-IN" dirty="0" err="1" smtClean="0"/>
-              <a:t>System.out.println</a:t>
-            </a:r>
-            <a:r>
-              <a:rPr lang="en-IN" dirty="0" smtClean="0"/>
-              <a:t>(</a:t>
-            </a:r>
-            <a:r>
-              <a:rPr lang="en-IN" dirty="0" err="1" smtClean="0"/>
-              <a:t>msg</a:t>
-            </a:r>
-            <a:r>
-              <a:rPr lang="en-IN" dirty="0" smtClean="0"/>
-              <a:t>)</a:t>
-            </a:r>
-          </a:p>
-          <a:p>
-            <a:endParaRPr lang="en-IN" dirty="0"/>
-          </a:p>
-        </p:txBody>
-      </p:sp>
-    </p:spTree>
-    <p:extLst>
-      <p:ext uri="{BB962C8B-B14F-4D97-AF65-F5344CB8AC3E}">
-        <p14:creationId xmlns:p14="http://schemas.microsoft.com/office/powerpoint/2010/main" val="1862510030"/>
-      </p:ext>
-    </p:extLst>
-  </p:cSld>
-  <p:clrMapOvr>
-    <a:masterClrMapping/>
-  </p:clrMapOvr>
-  <p:timing>
-    <p:tnLst>
-      <p:par>
-        <p:cTn id="1" dur="indefinite" restart="never" nodeType="tmRoot"/>
-      </p:par>
-    </p:tnLst>
-  </p:timing>
-</p:sld>
-</file>
-
-<file path=ppt/slides/slide6.xml><?xml version="1.0" encoding="utf-8"?>
-<p:sld xmlns:a="http://schemas.openxmlformats.org/drawingml/2006/main" xmlns:r="http://schemas.openxmlformats.org/officeDocument/2006/relationships" xmlns:p="http://schemas.openxmlformats.org/presentationml/2006/main">
-  <p:cSld>
-    <p:spTree>
-      <p:nvGrpSpPr>
-        <p:cNvPr id="1" name=""/>
-        <p:cNvGrpSpPr/>
-        <p:nvPr/>
-      </p:nvGrpSpPr>
-      <p:grpSpPr>
-        <a:xfrm>
-          <a:off x="0" y="0"/>
-          <a:ext cx="0" cy="0"/>
-          <a:chOff x="0" y="0"/>
-          <a:chExt cx="0" cy="0"/>
-        </a:xfrm>
-      </p:grpSpPr>
-      <p:sp>
-        <p:nvSpPr>
           <p:cNvPr id="3" name="Content Placeholder 2"/>
           <p:cNvSpPr>
             <a:spLocks noGrp="1"/>
@@ -16514,7 +14463,7 @@
 </p:sld>
 </file>
 
-<file path=ppt/slides/slide7.xml><?xml version="1.0" encoding="utf-8"?>
+<file path=ppt/slides/slide6.xml><?xml version="1.0" encoding="utf-8"?>
 <p:sld xmlns:a="http://schemas.openxmlformats.org/drawingml/2006/main" xmlns:r="http://schemas.openxmlformats.org/officeDocument/2006/relationships" xmlns:p="http://schemas.openxmlformats.org/presentationml/2006/main">
   <p:cSld>
     <p:spTree>
@@ -16759,7 +14708,7 @@
 </p:sld>
 </file>
 
-<file path=ppt/slides/slide8.xml><?xml version="1.0" encoding="utf-8"?>
+<file path=ppt/slides/slide7.xml><?xml version="1.0" encoding="utf-8"?>
 <p:sld xmlns:a="http://schemas.openxmlformats.org/drawingml/2006/main" xmlns:r="http://schemas.openxmlformats.org/officeDocument/2006/relationships" xmlns:p="http://schemas.openxmlformats.org/presentationml/2006/main">
   <p:cSld>
     <p:spTree>
@@ -16924,6 +14873,208 @@
     <p:extLst>
       <p:ext uri="{BB962C8B-B14F-4D97-AF65-F5344CB8AC3E}">
         <p14:creationId xmlns:p14="http://schemas.microsoft.com/office/powerpoint/2010/main" val="1891040190"/>
+      </p:ext>
+    </p:extLst>
+  </p:cSld>
+  <p:clrMapOvr>
+    <a:masterClrMapping/>
+  </p:clrMapOvr>
+</p:sld>
+</file>
+
+<file path=ppt/slides/slide8.xml><?xml version="1.0" encoding="utf-8"?>
+<p:sld xmlns:a="http://schemas.openxmlformats.org/drawingml/2006/main" xmlns:r="http://schemas.openxmlformats.org/officeDocument/2006/relationships" xmlns:p="http://schemas.openxmlformats.org/presentationml/2006/main">
+  <p:cSld>
+    <p:spTree>
+      <p:nvGrpSpPr>
+        <p:cNvPr id="1" name=""/>
+        <p:cNvGrpSpPr/>
+        <p:nvPr/>
+      </p:nvGrpSpPr>
+      <p:grpSpPr>
+        <a:xfrm>
+          <a:off x="0" y="0"/>
+          <a:ext cx="0" cy="0"/>
+          <a:chOff x="0" y="0"/>
+          <a:chExt cx="0" cy="0"/>
+        </a:xfrm>
+      </p:grpSpPr>
+      <p:sp>
+        <p:nvSpPr>
+          <p:cNvPr id="2" name="Title 1"/>
+          <p:cNvSpPr>
+            <a:spLocks noGrp="1"/>
+          </p:cNvSpPr>
+          <p:nvPr>
+            <p:ph type="title"/>
+          </p:nvPr>
+        </p:nvSpPr>
+        <p:spPr/>
+        <p:txBody>
+          <a:bodyPr/>
+          <a:lstStyle/>
+          <a:p>
+            <a:r>
+              <a:rPr lang="en-IN" dirty="0"/>
+              <a:t> User Site Workarounds for Type Inference Issues </a:t>
+            </a:r>
+          </a:p>
+        </p:txBody>
+      </p:sp>
+      <p:sp>
+        <p:nvSpPr>
+          <p:cNvPr id="3" name="Content Placeholder 2"/>
+          <p:cNvSpPr>
+            <a:spLocks noGrp="1"/>
+          </p:cNvSpPr>
+          <p:nvPr>
+            <p:ph idx="1"/>
+          </p:nvPr>
+        </p:nvSpPr>
+        <p:spPr/>
+        <p:txBody>
+          <a:bodyPr>
+            <a:normAutofit fontScale="92500" lnSpcReduction="20000"/>
+          </a:bodyPr>
+          <a:lstStyle/>
+          <a:p>
+            <a:r>
+              <a:rPr lang="en-IN" dirty="0" smtClean="0"/>
+              <a:t>If </a:t>
+            </a:r>
+            <a:r>
+              <a:rPr lang="en-IN" dirty="0"/>
+              <a:t>you run into type inference problems the resolution strategy is: provide more type information.  This can mean: </a:t>
+            </a:r>
+            <a:endParaRPr lang="en-IN" dirty="0" smtClean="0"/>
+          </a:p>
+          <a:p>
+            <a:r>
+              <a:rPr lang="en-IN" dirty="0" smtClean="0"/>
+              <a:t> </a:t>
+            </a:r>
+            <a:r>
+              <a:rPr lang="en-IN" dirty="0"/>
+              <a:t>use explicit lambdas instead of implicit ones, i.e. explicitly specify the lambda's argument types; </a:t>
+            </a:r>
+            <a:endParaRPr lang="en-IN" dirty="0" smtClean="0"/>
+          </a:p>
+          <a:p>
+            <a:r>
+              <a:rPr lang="en-IN" dirty="0" smtClean="0"/>
+              <a:t> </a:t>
+            </a:r>
+            <a:r>
+              <a:rPr lang="en-IN" dirty="0"/>
+              <a:t>try out method references instead of lambda expressions; sometimes it helps, sometimes it doesn't;  </a:t>
+            </a:r>
+            <a:endParaRPr lang="en-IN" dirty="0" smtClean="0"/>
+          </a:p>
+          <a:p>
+            <a:r>
+              <a:rPr lang="en-IN" dirty="0" smtClean="0"/>
+              <a:t> </a:t>
+            </a:r>
+            <a:r>
+              <a:rPr lang="en-IN" dirty="0"/>
+              <a:t>add casts that specify the lambda's or method reference's intended type</a:t>
+            </a:r>
+            <a:r>
+              <a:rPr lang="en-IN" dirty="0" smtClean="0"/>
+              <a:t>;</a:t>
+            </a:r>
+          </a:p>
+          <a:p>
+            <a:r>
+              <a:rPr lang="en-IN" dirty="0" smtClean="0"/>
+              <a:t> </a:t>
+            </a:r>
+            <a:r>
+              <a:rPr lang="en-IN" dirty="0"/>
+              <a:t>break down a chain of operations into single steps by introducing a separate variable for each lambda </a:t>
+            </a:r>
+            <a:r>
+              <a:rPr lang="en-IN" dirty="0" smtClean="0"/>
+              <a:t>expression </a:t>
+            </a:r>
+            <a:r>
+              <a:rPr lang="en-IN" dirty="0"/>
+              <a:t>/ method </a:t>
+            </a:r>
+            <a:r>
+              <a:rPr lang="en-IN" dirty="0" smtClean="0"/>
+              <a:t>reference</a:t>
+            </a:r>
+          </a:p>
+          <a:p>
+            <a:r>
+              <a:rPr lang="en-IN" dirty="0"/>
+              <a:t>Function&lt;? super </a:t>
+            </a:r>
+            <a:r>
+              <a:rPr lang="en-IN" dirty="0" err="1"/>
+              <a:t>String,C</a:t>
+            </a:r>
+            <a:r>
+              <a:rPr lang="en-IN" dirty="0"/>
+              <a:t>&gt; f; </a:t>
+            </a:r>
+            <a:endParaRPr lang="en-IN" dirty="0" smtClean="0"/>
+          </a:p>
+          <a:p>
+            <a:r>
+              <a:rPr lang="en-IN" dirty="0" smtClean="0"/>
+              <a:t>f </a:t>
+            </a:r>
+            <a:r>
+              <a:rPr lang="en-IN" dirty="0"/>
+              <a:t>= C::new;                                              // error </a:t>
+            </a:r>
+            <a:endParaRPr lang="en-IN" dirty="0" smtClean="0"/>
+          </a:p>
+          <a:p>
+            <a:r>
+              <a:rPr lang="en-IN" dirty="0" smtClean="0"/>
+              <a:t>f </a:t>
+            </a:r>
+            <a:r>
+              <a:rPr lang="en-IN" dirty="0"/>
+              <a:t>= (Function&lt;</a:t>
+            </a:r>
+            <a:r>
+              <a:rPr lang="en-IN" dirty="0" err="1"/>
+              <a:t>CharSequence,C</a:t>
+            </a:r>
+            <a:r>
+              <a:rPr lang="en-IN" dirty="0"/>
+              <a:t>&gt;)C::new;                    // fine </a:t>
+            </a:r>
+            <a:endParaRPr lang="en-IN" dirty="0" smtClean="0"/>
+          </a:p>
+          <a:p>
+            <a:r>
+              <a:rPr lang="en-IN" dirty="0" smtClean="0"/>
+              <a:t>f </a:t>
+            </a:r>
+            <a:r>
+              <a:rPr lang="en-IN" dirty="0"/>
+              <a:t>= (Function&lt;</a:t>
+            </a:r>
+            <a:r>
+              <a:rPr lang="en-IN" dirty="0" err="1"/>
+              <a:t>Serializable,C</a:t>
+            </a:r>
+            <a:r>
+              <a:rPr lang="en-IN" dirty="0"/>
+              <a:t>&gt;)C::new;                    // fine </a:t>
+            </a:r>
+          </a:p>
+        </p:txBody>
+      </p:sp>
+    </p:spTree>
+    <p:extLst>
+      <p:ext uri="{BB962C8B-B14F-4D97-AF65-F5344CB8AC3E}">
+        <p14:creationId xmlns:p14="http://schemas.microsoft.com/office/powerpoint/2010/main" val="49794267"/>
       </p:ext>
     </p:extLst>
   </p:cSld>
@@ -16960,15 +15111,23 @@
             <p:ph type="title"/>
           </p:nvPr>
         </p:nvSpPr>
-        <p:spPr/>
+        <p:spPr>
+          <a:xfrm>
+            <a:off x="838200" y="365126"/>
+            <a:ext cx="10515600" cy="632402"/>
+          </a:xfrm>
+        </p:spPr>
         <p:txBody>
-          <a:bodyPr/>
+          <a:bodyPr>
+            <a:normAutofit fontScale="90000"/>
+          </a:bodyPr>
           <a:lstStyle/>
           <a:p>
             <a:r>
-              <a:rPr lang="en-IN" dirty="0"/>
-              <a:t> User Site Workarounds for Type Inference Issues </a:t>
-            </a:r>
+              <a:rPr lang="en-IN" dirty="0" smtClean="0"/>
+              <a:t>Intersection type</a:t>
+            </a:r>
+            <a:endParaRPr lang="en-IN" dirty="0"/>
           </a:p>
         </p:txBody>
       </p:sp>
@@ -16982,156 +15141,77 @@
             <p:ph idx="1"/>
           </p:nvPr>
         </p:nvSpPr>
-        <p:spPr/>
+        <p:spPr>
+          <a:xfrm>
+            <a:off x="838200" y="1199408"/>
+            <a:ext cx="10515600" cy="4977555"/>
+          </a:xfrm>
+        </p:spPr>
         <p:txBody>
-          <a:bodyPr>
-            <a:normAutofit fontScale="92500" lnSpcReduction="20000"/>
-          </a:bodyPr>
+          <a:bodyPr/>
           <a:lstStyle/>
           <a:p>
             <a:r>
               <a:rPr lang="en-IN" dirty="0" smtClean="0"/>
-              <a:t>If </a:t>
-            </a:r>
-            <a:r>
-              <a:rPr lang="en-IN" dirty="0"/>
-              <a:t>you run into type inference problems the resolution strategy is: provide more type information.  This can mean: </a:t>
-            </a:r>
-            <a:endParaRPr lang="en-IN" dirty="0" smtClean="0"/>
-          </a:p>
-          <a:p>
-            <a:r>
-              <a:rPr lang="en-IN" dirty="0" smtClean="0"/>
-              <a:t> </a:t>
-            </a:r>
-            <a:r>
-              <a:rPr lang="en-IN" dirty="0"/>
-              <a:t>use explicit lambdas instead of implicit ones, i.e. explicitly specify the lambda's argument types; </a:t>
-            </a:r>
-            <a:endParaRPr lang="en-IN" dirty="0" smtClean="0"/>
-          </a:p>
-          <a:p>
-            <a:r>
-              <a:rPr lang="en-IN" dirty="0" smtClean="0"/>
-              <a:t> </a:t>
-            </a:r>
-            <a:r>
-              <a:rPr lang="en-IN" dirty="0"/>
-              <a:t>try out method references instead of lambda expressions; sometimes it helps, sometimes it doesn't;  </a:t>
-            </a:r>
-            <a:endParaRPr lang="en-IN" dirty="0" smtClean="0"/>
-          </a:p>
-          <a:p>
-            <a:r>
-              <a:rPr lang="en-IN" dirty="0" smtClean="0"/>
-              <a:t> </a:t>
-            </a:r>
-            <a:r>
-              <a:rPr lang="en-IN" dirty="0"/>
-              <a:t>add casts that specify the lambda's or method reference's intended type</a:t>
-            </a:r>
-            <a:r>
-              <a:rPr lang="en-IN" dirty="0" smtClean="0"/>
-              <a:t>;</a:t>
-            </a:r>
-          </a:p>
-          <a:p>
-            <a:r>
-              <a:rPr lang="en-IN" dirty="0" smtClean="0"/>
-              <a:t> </a:t>
-            </a:r>
-            <a:r>
-              <a:rPr lang="en-IN" dirty="0"/>
-              <a:t>break down a chain of operations into single steps by introducing a separate variable for each lambda </a:t>
-            </a:r>
-            <a:r>
-              <a:rPr lang="en-IN" dirty="0" smtClean="0"/>
-              <a:t>expression </a:t>
-            </a:r>
-            <a:r>
-              <a:rPr lang="en-IN" dirty="0"/>
-              <a:t>/ method </a:t>
-            </a:r>
-            <a:r>
-              <a:rPr lang="en-IN" dirty="0" smtClean="0"/>
-              <a:t>reference</a:t>
-            </a:r>
-          </a:p>
-          <a:p>
-            <a:r>
-              <a:rPr lang="en-IN" dirty="0"/>
-              <a:t>Function&lt;? super </a:t>
-            </a:r>
-            <a:r>
-              <a:rPr lang="en-IN" dirty="0" err="1"/>
-              <a:t>String,C</a:t>
-            </a:r>
-            <a:r>
-              <a:rPr lang="en-IN" dirty="0"/>
-              <a:t>&gt; f; </a:t>
-            </a:r>
-            <a:endParaRPr lang="en-IN" dirty="0" smtClean="0"/>
-          </a:p>
-          <a:p>
-            <a:r>
-              <a:rPr lang="en-IN" dirty="0" smtClean="0"/>
-              <a:t>f </a:t>
-            </a:r>
-            <a:r>
-              <a:rPr lang="en-IN" dirty="0"/>
-              <a:t>= C::new;                                              // error </a:t>
-            </a:r>
-            <a:endParaRPr lang="en-IN" dirty="0" smtClean="0"/>
-          </a:p>
-          <a:p>
-            <a:r>
-              <a:rPr lang="en-IN" dirty="0" smtClean="0"/>
-              <a:t>f </a:t>
-            </a:r>
-            <a:r>
-              <a:rPr lang="en-IN" dirty="0"/>
-              <a:t>= (Function&lt;</a:t>
-            </a:r>
-            <a:r>
-              <a:rPr lang="en-IN" dirty="0" err="1"/>
-              <a:t>CharSequence,C</a:t>
-            </a:r>
-            <a:r>
-              <a:rPr lang="en-IN" dirty="0"/>
-              <a:t>&gt;)C::new;                    // fine </a:t>
-            </a:r>
-            <a:endParaRPr lang="en-IN" dirty="0" smtClean="0"/>
-          </a:p>
-          <a:p>
-            <a:r>
-              <a:rPr lang="en-IN" dirty="0" smtClean="0"/>
-              <a:t>f </a:t>
-            </a:r>
-            <a:r>
-              <a:rPr lang="en-IN" dirty="0"/>
-              <a:t>= (Function&lt;</a:t>
-            </a:r>
-            <a:r>
-              <a:rPr lang="en-IN" dirty="0" err="1"/>
-              <a:t>Serializable,C</a:t>
-            </a:r>
-            <a:r>
-              <a:rPr lang="en-IN" dirty="0"/>
-              <a:t>&gt;)C::new;                    // fine </a:t>
-            </a:r>
+              <a:t> Java 8 introduced a new type called an intersection type that is an intersection (or subtype) of multiple types. An intersection type may appear as the target type in a cast. An ampersand is used between two types, such as (Type1 &amp; Type2 &amp; Type3), represents a new type that is an intersection of Type1, Type2, and Type3.</a:t>
+            </a:r>
+          </a:p>
+          <a:p>
+            <a:r>
+              <a:rPr lang="es-ES" dirty="0" err="1" smtClean="0"/>
+              <a:t>Serializable</a:t>
+            </a:r>
+            <a:r>
+              <a:rPr lang="es-ES" dirty="0" smtClean="0"/>
+              <a:t> ser =  (x, y) -&gt; x + y; // compile error.</a:t>
+            </a:r>
+          </a:p>
+          <a:p>
+            <a:r>
+              <a:rPr lang="es-ES" dirty="0" err="1" smtClean="0"/>
+              <a:t>Serializable</a:t>
+            </a:r>
+            <a:r>
+              <a:rPr lang="es-ES" dirty="0" smtClean="0"/>
+              <a:t> ser = (</a:t>
+            </a:r>
+            <a:r>
+              <a:rPr lang="es-ES" dirty="0" err="1" smtClean="0"/>
+              <a:t>Serializable</a:t>
+            </a:r>
+            <a:r>
+              <a:rPr lang="es-ES" dirty="0" smtClean="0"/>
+              <a:t> &amp; </a:t>
+            </a:r>
+            <a:r>
+              <a:rPr lang="es-ES" dirty="0" err="1" smtClean="0"/>
+              <a:t>Adder</a:t>
+            </a:r>
+            <a:r>
+              <a:rPr lang="es-ES" dirty="0" smtClean="0"/>
+              <a:t>) (x, y) -&gt; x + y;</a:t>
+            </a:r>
+            <a:endParaRPr lang="en-IN" dirty="0"/>
           </a:p>
         </p:txBody>
       </p:sp>
     </p:spTree>
     <p:extLst>
       <p:ext uri="{BB962C8B-B14F-4D97-AF65-F5344CB8AC3E}">
-        <p14:creationId xmlns:p14="http://schemas.microsoft.com/office/powerpoint/2010/main" val="49794267"/>
+        <p14:creationId xmlns:p14="http://schemas.microsoft.com/office/powerpoint/2010/main" val="4053322476"/>
       </p:ext>
     </p:extLst>
   </p:cSld>
   <p:clrMapOvr>
     <a:masterClrMapping/>
   </p:clrMapOvr>
+  <p:timing>
+    <p:tnLst>
+      <p:par>
+        <p:cTn id="1" dur="indefinite" restart="never" nodeType="tmRoot"/>
+      </p:par>
+    </p:tnLst>
+  </p:timing>
 </p:sld>
 </file>
 
